--- a/TEST WEBSITE MEDTINKER _GORODETCHI DAVID_27.05.2023.pptx
+++ b/TEST WEBSITE MEDTINKER _GORODETCHI DAVID_27.05.2023.pptx
@@ -217,7 +217,7 @@
           <a:p>
             <a:fld id="{ECE55240-91AF-4248-BB6C-64FDE017B1F4}" type="datetimeFigureOut">
               <a:rPr lang="en-US" smtClean="0"/>
-              <a:t>5/19/2023</a:t>
+              <a:t>5/21/2023</a:t>
             </a:fld>
             <a:endParaRPr lang="en-US"/>
           </a:p>
@@ -348,7 +348,7 @@
           <a:p>
             <a:fld id="{0AF76C85-58D2-4542-8F2A-226C15F1FA28}" type="datetimeFigureOut">
               <a:rPr lang="en-US" smtClean="0"/>
-              <a:t>5/19/2023</a:t>
+              <a:t>5/21/2023</a:t>
             </a:fld>
             <a:endParaRPr lang="en-US"/>
           </a:p>
@@ -2800,7 +2800,7 @@
           <a:p>
             <a:fld id="{363DCB64-5090-461D-9AD2-20C99028C471}" type="datetimeFigureOut">
               <a:rPr lang="en-US" smtClean="0"/>
-              <a:t>5/19/2023</a:t>
+              <a:t>5/21/2023</a:t>
             </a:fld>
             <a:endParaRPr lang="en-US"/>
           </a:p>
@@ -32659,10 +32659,10 @@
       </p:sp>
       <p:sp>
         <p:nvSpPr>
-          <p:cNvPr id="3" name="Rectangle 1">
+          <p:cNvPr id="5" name="Rectangle 1">
             <a:extLst>
               <a:ext uri="{FF2B5EF4-FFF2-40B4-BE49-F238E27FC236}">
-                <a16:creationId xmlns:a16="http://schemas.microsoft.com/office/drawing/2014/main" id="{59B8A3BF-D2B9-F857-E2CC-DC2E3B068B80}"/>
+                <a16:creationId xmlns:a16="http://schemas.microsoft.com/office/drawing/2014/main" id="{9751F402-1327-A0A6-8121-6F7C91ABF268}"/>
               </a:ext>
             </a:extLst>
           </p:cNvPr>
@@ -32675,8 +32675,8 @@
         </p:nvSpPr>
         <p:spPr bwMode="auto">
           <a:xfrm>
-            <a:off x="4935415" y="1503154"/>
-            <a:ext cx="6904893" cy="5016758"/>
+            <a:off x="4602480" y="1422178"/>
+            <a:ext cx="7178040" cy="4985980"/>
           </a:xfrm>
           <a:prstGeom prst="rect">
             <a:avLst/>
@@ -32736,7 +32736,7 @@
               <a:tabLst/>
             </a:pPr>
             <a:r>
-              <a:rPr kumimoji="0" lang="en-US" altLang="en-US" sz="1000" b="0" i="0" u="none" strike="noStrike" cap="none" normalizeH="0" baseline="0" dirty="0">
+              <a:rPr kumimoji="0" lang="en-US" altLang="en-US" sz="1000" b="0" i="0" u="none" strike="noStrike" cap="none" normalizeH="0" baseline="0">
                 <a:ln>
                   <a:noFill/>
                 </a:ln>
@@ -32746,23 +32746,23 @@
                 <a:effectLst/>
                 <a:latin typeface="Arial Unicode MS"/>
               </a:rPr>
-              <a:t>import </a:t>
-            </a:r>
-            <a:r>
-              <a:rPr kumimoji="0" lang="en-US" altLang="en-US" sz="1000" b="0" i="0" u="none" strike="noStrike" cap="none" normalizeH="0" baseline="0" dirty="0">
-                <a:ln>
-                  <a:noFill/>
-                </a:ln>
-                <a:solidFill>
-                  <a:srgbClr val="A9B7C6"/>
-                </a:solidFill>
-                <a:effectLst/>
-                <a:latin typeface="Arial Unicode MS"/>
-              </a:rPr>
-              <a:t>time</a:t>
+              <a:t>class </a:t>
+            </a:r>
+            <a:r>
+              <a:rPr kumimoji="0" lang="en-US" altLang="en-US" sz="1000" b="0" i="0" u="none" strike="noStrike" cap="none" normalizeH="0" baseline="0">
+                <a:ln>
+                  <a:noFill/>
+                </a:ln>
+                <a:solidFill>
+                  <a:srgbClr val="A9B7C6"/>
+                </a:solidFill>
+                <a:effectLst/>
+                <a:latin typeface="Arial Unicode MS"/>
+              </a:rPr>
+              <a:t>CeMeritaPage(HomeMedtinkerChrome):</a:t>
             </a:r>
             <a:br>
-              <a:rPr kumimoji="0" lang="en-US" altLang="en-US" sz="1000" b="0" i="0" u="none" strike="noStrike" cap="none" normalizeH="0" baseline="0" dirty="0">
+              <a:rPr kumimoji="0" lang="en-US" altLang="en-US" sz="1000" b="0" i="0" u="none" strike="noStrike" cap="none" normalizeH="0" baseline="0">
                 <a:ln>
                   <a:noFill/>
                 </a:ln>
@@ -32774,7 +32774,20 @@
               </a:rPr>
             </a:br>
             <a:r>
-              <a:rPr kumimoji="0" lang="en-US" altLang="en-US" sz="1000" b="0" i="0" u="none" strike="noStrike" cap="none" normalizeH="0" baseline="0" dirty="0">
+              <a:rPr kumimoji="0" lang="en-US" altLang="en-US" sz="1000" b="0" i="0" u="none" strike="noStrike" cap="none" normalizeH="0" baseline="0">
+                <a:ln>
+                  <a:noFill/>
+                </a:ln>
+                <a:solidFill>
+                  <a:srgbClr val="A9B7C6"/>
+                </a:solidFill>
+                <a:effectLst/>
+                <a:latin typeface="Arial Unicode MS"/>
+              </a:rPr>
+              <a:t>    </a:t>
+            </a:r>
+            <a:r>
+              <a:rPr kumimoji="0" lang="en-US" altLang="en-US" sz="1000" b="0" i="0" u="none" strike="noStrike" cap="none" normalizeH="0" baseline="0">
                 <a:ln>
                   <a:noFill/>
                 </a:ln>
@@ -32784,36 +32797,292 @@
                 <a:effectLst/>
                 <a:latin typeface="Arial Unicode MS"/>
               </a:rPr>
-              <a:t>from </a:t>
-            </a:r>
-            <a:r>
-              <a:rPr kumimoji="0" lang="en-US" altLang="en-US" sz="1000" b="0" i="0" u="none" strike="noStrike" cap="none" normalizeH="0" baseline="0" dirty="0" err="1">
-                <a:ln>
-                  <a:noFill/>
-                </a:ln>
-                <a:solidFill>
-                  <a:srgbClr val="A9B7C6"/>
-                </a:solidFill>
-                <a:effectLst/>
-                <a:latin typeface="Arial Unicode MS"/>
-              </a:rPr>
-              <a:t>selenium.webdriver.support.wait</a:t>
-            </a:r>
-            <a:r>
-              <a:rPr kumimoji="0" lang="en-US" altLang="en-US" sz="1000" b="0" i="0" u="none" strike="noStrike" cap="none" normalizeH="0" baseline="0" dirty="0">
-                <a:ln>
-                  <a:noFill/>
-                </a:ln>
-                <a:solidFill>
-                  <a:srgbClr val="A9B7C6"/>
-                </a:solidFill>
-                <a:effectLst/>
-                <a:latin typeface="Arial Unicode MS"/>
-              </a:rPr>
-              <a:t> </a:t>
-            </a:r>
-            <a:r>
-              <a:rPr kumimoji="0" lang="en-US" altLang="en-US" sz="1000" b="0" i="0" u="none" strike="noStrike" cap="none" normalizeH="0" baseline="0" dirty="0">
+              <a:t>def </a:t>
+            </a:r>
+            <a:r>
+              <a:rPr kumimoji="0" lang="en-US" altLang="en-US" sz="1000" b="0" i="0" u="none" strike="noStrike" cap="none" normalizeH="0" baseline="0">
+                <a:ln>
+                  <a:noFill/>
+                </a:ln>
+                <a:solidFill>
+                  <a:srgbClr val="FFC66D"/>
+                </a:solidFill>
+                <a:effectLst/>
+                <a:latin typeface="Arial Unicode MS"/>
+              </a:rPr>
+              <a:t>test_1_abonare_la_ce_merita_cu_invalid_email</a:t>
+            </a:r>
+            <a:r>
+              <a:rPr kumimoji="0" lang="en-US" altLang="en-US" sz="1000" b="0" i="0" u="none" strike="noStrike" cap="none" normalizeH="0" baseline="0">
+                <a:ln>
+                  <a:noFill/>
+                </a:ln>
+                <a:solidFill>
+                  <a:srgbClr val="A9B7C6"/>
+                </a:solidFill>
+                <a:effectLst/>
+                <a:latin typeface="Arial Unicode MS"/>
+              </a:rPr>
+              <a:t>(</a:t>
+            </a:r>
+            <a:r>
+              <a:rPr kumimoji="0" lang="en-US" altLang="en-US" sz="1000" b="0" i="0" u="none" strike="noStrike" cap="none" normalizeH="0" baseline="0">
+                <a:ln>
+                  <a:noFill/>
+                </a:ln>
+                <a:solidFill>
+                  <a:srgbClr val="94558D"/>
+                </a:solidFill>
+                <a:effectLst/>
+                <a:latin typeface="Arial Unicode MS"/>
+              </a:rPr>
+              <a:t>self</a:t>
+            </a:r>
+            <a:r>
+              <a:rPr kumimoji="0" lang="en-US" altLang="en-US" sz="1000" b="0" i="0" u="none" strike="noStrike" cap="none" normalizeH="0" baseline="0">
+                <a:ln>
+                  <a:noFill/>
+                </a:ln>
+                <a:solidFill>
+                  <a:srgbClr val="A9B7C6"/>
+                </a:solidFill>
+                <a:effectLst/>
+                <a:latin typeface="Arial Unicode MS"/>
+              </a:rPr>
+              <a:t>):</a:t>
+            </a:r>
+            <a:br>
+              <a:rPr kumimoji="0" lang="en-US" altLang="en-US" sz="1000" b="0" i="0" u="none" strike="noStrike" cap="none" normalizeH="0" baseline="0">
+                <a:ln>
+                  <a:noFill/>
+                </a:ln>
+                <a:solidFill>
+                  <a:srgbClr val="A9B7C6"/>
+                </a:solidFill>
+                <a:effectLst/>
+                <a:latin typeface="Arial Unicode MS"/>
+              </a:rPr>
+            </a:br>
+            <a:r>
+              <a:rPr kumimoji="0" lang="en-US" altLang="en-US" sz="1000" b="0" i="0" u="none" strike="noStrike" cap="none" normalizeH="0" baseline="0">
+                <a:ln>
+                  <a:noFill/>
+                </a:ln>
+                <a:solidFill>
+                  <a:srgbClr val="A9B7C6"/>
+                </a:solidFill>
+                <a:effectLst/>
+                <a:latin typeface="Arial Unicode MS"/>
+              </a:rPr>
+              <a:t>        </a:t>
+            </a:r>
+            <a:r>
+              <a:rPr kumimoji="0" lang="en-US" altLang="en-US" sz="1000" b="0" i="0" u="none" strike="noStrike" cap="none" normalizeH="0" baseline="0">
+                <a:ln>
+                  <a:noFill/>
+                </a:ln>
+                <a:solidFill>
+                  <a:srgbClr val="94558D"/>
+                </a:solidFill>
+                <a:effectLst/>
+                <a:latin typeface="Arial Unicode MS"/>
+              </a:rPr>
+              <a:t>self</a:t>
+            </a:r>
+            <a:r>
+              <a:rPr kumimoji="0" lang="en-US" altLang="en-US" sz="1000" b="0" i="0" u="none" strike="noStrike" cap="none" normalizeH="0" baseline="0">
+                <a:ln>
+                  <a:noFill/>
+                </a:ln>
+                <a:solidFill>
+                  <a:srgbClr val="A9B7C6"/>
+                </a:solidFill>
+                <a:effectLst/>
+                <a:latin typeface="Arial Unicode MS"/>
+              </a:rPr>
+              <a:t>.driver.find_element(*LocatorsCeMerita.RUBRICA_SOCIAL).click()</a:t>
+            </a:r>
+            <a:br>
+              <a:rPr kumimoji="0" lang="en-US" altLang="en-US" sz="1000" b="0" i="0" u="none" strike="noStrike" cap="none" normalizeH="0" baseline="0">
+                <a:ln>
+                  <a:noFill/>
+                </a:ln>
+                <a:solidFill>
+                  <a:srgbClr val="A9B7C6"/>
+                </a:solidFill>
+                <a:effectLst/>
+                <a:latin typeface="Arial Unicode MS"/>
+              </a:rPr>
+            </a:br>
+            <a:r>
+              <a:rPr kumimoji="0" lang="en-US" altLang="en-US" sz="1000" b="0" i="0" u="none" strike="noStrike" cap="none" normalizeH="0" baseline="0">
+                <a:ln>
+                  <a:noFill/>
+                </a:ln>
+                <a:solidFill>
+                  <a:srgbClr val="A9B7C6"/>
+                </a:solidFill>
+                <a:effectLst/>
+                <a:latin typeface="Arial Unicode MS"/>
+              </a:rPr>
+              <a:t>        </a:t>
+            </a:r>
+            <a:r>
+              <a:rPr kumimoji="0" lang="en-US" altLang="en-US" sz="1000" b="0" i="0" u="none" strike="noStrike" cap="none" normalizeH="0" baseline="0">
+                <a:ln>
+                  <a:noFill/>
+                </a:ln>
+                <a:solidFill>
+                  <a:srgbClr val="94558D"/>
+                </a:solidFill>
+                <a:effectLst/>
+                <a:latin typeface="Arial Unicode MS"/>
+              </a:rPr>
+              <a:t>self</a:t>
+            </a:r>
+            <a:r>
+              <a:rPr kumimoji="0" lang="en-US" altLang="en-US" sz="1000" b="0" i="0" u="none" strike="noStrike" cap="none" normalizeH="0" baseline="0">
+                <a:ln>
+                  <a:noFill/>
+                </a:ln>
+                <a:solidFill>
+                  <a:srgbClr val="A9B7C6"/>
+                </a:solidFill>
+                <a:effectLst/>
+                <a:latin typeface="Arial Unicode MS"/>
+              </a:rPr>
+              <a:t>.driver.find_element(*LocatorsCeMerita.NEWSLETTER).click()</a:t>
+            </a:r>
+            <a:br>
+              <a:rPr kumimoji="0" lang="en-US" altLang="en-US" sz="1000" b="0" i="0" u="none" strike="noStrike" cap="none" normalizeH="0" baseline="0">
+                <a:ln>
+                  <a:noFill/>
+                </a:ln>
+                <a:solidFill>
+                  <a:srgbClr val="A9B7C6"/>
+                </a:solidFill>
+                <a:effectLst/>
+                <a:latin typeface="Arial Unicode MS"/>
+              </a:rPr>
+            </a:br>
+            <a:r>
+              <a:rPr kumimoji="0" lang="en-US" altLang="en-US" sz="1000" b="0" i="0" u="none" strike="noStrike" cap="none" normalizeH="0" baseline="0">
+                <a:ln>
+                  <a:noFill/>
+                </a:ln>
+                <a:solidFill>
+                  <a:srgbClr val="A9B7C6"/>
+                </a:solidFill>
+                <a:effectLst/>
+                <a:latin typeface="Arial Unicode MS"/>
+              </a:rPr>
+              <a:t>        </a:t>
+            </a:r>
+            <a:r>
+              <a:rPr kumimoji="0" lang="en-US" altLang="en-US" sz="1000" b="0" i="0" u="none" strike="noStrike" cap="none" normalizeH="0" baseline="0">
+                <a:ln>
+                  <a:noFill/>
+                </a:ln>
+                <a:solidFill>
+                  <a:srgbClr val="94558D"/>
+                </a:solidFill>
+                <a:effectLst/>
+                <a:latin typeface="Arial Unicode MS"/>
+              </a:rPr>
+              <a:t>self</a:t>
+            </a:r>
+            <a:r>
+              <a:rPr kumimoji="0" lang="en-US" altLang="en-US" sz="1000" b="0" i="0" u="none" strike="noStrike" cap="none" normalizeH="0" baseline="0">
+                <a:ln>
+                  <a:noFill/>
+                </a:ln>
+                <a:solidFill>
+                  <a:srgbClr val="A9B7C6"/>
+                </a:solidFill>
+                <a:effectLst/>
+                <a:latin typeface="Arial Unicode MS"/>
+              </a:rPr>
+              <a:t>.driver.find_element(*LocatorsCeMerita.CE_MERITA_PAGE).click()</a:t>
+            </a:r>
+            <a:br>
+              <a:rPr kumimoji="0" lang="en-US" altLang="en-US" sz="1000" b="0" i="0" u="none" strike="noStrike" cap="none" normalizeH="0" baseline="0">
+                <a:ln>
+                  <a:noFill/>
+                </a:ln>
+                <a:solidFill>
+                  <a:srgbClr val="A9B7C6"/>
+                </a:solidFill>
+                <a:effectLst/>
+                <a:latin typeface="Arial Unicode MS"/>
+              </a:rPr>
+            </a:br>
+            <a:r>
+              <a:rPr kumimoji="0" lang="en-US" altLang="en-US" sz="1000" b="0" i="0" u="none" strike="noStrike" cap="none" normalizeH="0" baseline="0">
+                <a:ln>
+                  <a:noFill/>
+                </a:ln>
+                <a:solidFill>
+                  <a:srgbClr val="A9B7C6"/>
+                </a:solidFill>
+                <a:effectLst/>
+                <a:latin typeface="Arial Unicode MS"/>
+              </a:rPr>
+              <a:t>        </a:t>
+            </a:r>
+            <a:r>
+              <a:rPr kumimoji="0" lang="en-US" altLang="en-US" sz="1000" b="0" i="0" u="none" strike="noStrike" cap="none" normalizeH="0" baseline="0">
+                <a:ln>
+                  <a:noFill/>
+                </a:ln>
+                <a:solidFill>
+                  <a:srgbClr val="94558D"/>
+                </a:solidFill>
+                <a:effectLst/>
+                <a:latin typeface="Arial Unicode MS"/>
+              </a:rPr>
+              <a:t>self</a:t>
+            </a:r>
+            <a:r>
+              <a:rPr kumimoji="0" lang="en-US" altLang="en-US" sz="1000" b="0" i="0" u="none" strike="noStrike" cap="none" normalizeH="0" baseline="0">
+                <a:ln>
+                  <a:noFill/>
+                </a:ln>
+                <a:solidFill>
+                  <a:srgbClr val="A9B7C6"/>
+                </a:solidFill>
+                <a:effectLst/>
+                <a:latin typeface="Arial Unicode MS"/>
+              </a:rPr>
+              <a:t>.assertEqual(</a:t>
+            </a:r>
+            <a:r>
+              <a:rPr kumimoji="0" lang="en-US" altLang="en-US" sz="1000" b="0" i="0" u="none" strike="noStrike" cap="none" normalizeH="0" baseline="0">
+                <a:ln>
+                  <a:noFill/>
+                </a:ln>
+                <a:solidFill>
+                  <a:srgbClr val="94558D"/>
+                </a:solidFill>
+                <a:effectLst/>
+                <a:latin typeface="Arial Unicode MS"/>
+              </a:rPr>
+              <a:t>self</a:t>
+            </a:r>
+            <a:r>
+              <a:rPr kumimoji="0" lang="en-US" altLang="en-US" sz="1000" b="0" i="0" u="none" strike="noStrike" cap="none" normalizeH="0" baseline="0">
+                <a:ln>
+                  <a:noFill/>
+                </a:ln>
+                <a:solidFill>
+                  <a:srgbClr val="A9B7C6"/>
+                </a:solidFill>
+                <a:effectLst/>
+                <a:latin typeface="Arial Unicode MS"/>
+              </a:rPr>
+              <a:t>.driver.current_url</a:t>
+            </a:r>
+            <a:r>
+              <a:rPr kumimoji="0" lang="en-US" altLang="en-US" sz="1000" b="0" i="0" u="none" strike="noStrike" cap="none" normalizeH="0" baseline="0">
                 <a:ln>
                   <a:noFill/>
                 </a:ln>
@@ -32823,23 +33092,36 @@
                 <a:effectLst/>
                 <a:latin typeface="Arial Unicode MS"/>
               </a:rPr>
-              <a:t>import </a:t>
-            </a:r>
-            <a:r>
-              <a:rPr kumimoji="0" lang="en-US" altLang="en-US" sz="1000" b="0" i="0" u="none" strike="noStrike" cap="none" normalizeH="0" baseline="0" dirty="0" err="1">
-                <a:ln>
-                  <a:noFill/>
-                </a:ln>
-                <a:solidFill>
-                  <a:srgbClr val="A9B7C6"/>
-                </a:solidFill>
-                <a:effectLst/>
-                <a:latin typeface="Arial Unicode MS"/>
-              </a:rPr>
-              <a:t>WebDriverWait</a:t>
+              <a:t>, </a:t>
+            </a:r>
+            <a:r>
+              <a:rPr kumimoji="0" lang="en-US" altLang="en-US" sz="1000" b="0" i="0" u="none" strike="noStrike" cap="none" normalizeH="0" baseline="0">
+                <a:ln>
+                  <a:noFill/>
+                </a:ln>
+                <a:solidFill>
+                  <a:srgbClr val="6A8759"/>
+                </a:solidFill>
+                <a:effectLst/>
+                <a:latin typeface="Arial Unicode MS"/>
+              </a:rPr>
+              <a:t>'https://medtinker.ro/ce-merita/'</a:t>
+            </a:r>
+            <a:r>
+              <a:rPr kumimoji="0" lang="en-US" altLang="en-US" sz="1000" b="0" i="0" u="none" strike="noStrike" cap="none" normalizeH="0" baseline="0">
+                <a:ln>
+                  <a:noFill/>
+                </a:ln>
+                <a:solidFill>
+                  <a:srgbClr val="A9B7C6"/>
+                </a:solidFill>
+                <a:effectLst/>
+                <a:latin typeface="Arial Unicode MS"/>
+              </a:rPr>
+              <a:t>)</a:t>
             </a:r>
             <a:br>
-              <a:rPr kumimoji="0" lang="en-US" altLang="en-US" sz="1000" b="0" i="0" u="none" strike="noStrike" cap="none" normalizeH="0" baseline="0" dirty="0">
+              <a:rPr kumimoji="0" lang="en-US" altLang="en-US" sz="1000" b="0" i="0" u="none" strike="noStrike" cap="none" normalizeH="0" baseline="0">
                 <a:ln>
                   <a:noFill/>
                 </a:ln>
@@ -32851,7 +33133,481 @@
               </a:rPr>
             </a:br>
             <a:r>
-              <a:rPr kumimoji="0" lang="en-US" altLang="en-US" sz="1000" b="0" i="0" u="none" strike="noStrike" cap="none" normalizeH="0" baseline="0" dirty="0">
+              <a:rPr kumimoji="0" lang="en-US" altLang="en-US" sz="1000" b="0" i="0" u="none" strike="noStrike" cap="none" normalizeH="0" baseline="0">
+                <a:ln>
+                  <a:noFill/>
+                </a:ln>
+                <a:solidFill>
+                  <a:srgbClr val="A9B7C6"/>
+                </a:solidFill>
+                <a:effectLst/>
+                <a:latin typeface="Arial Unicode MS"/>
+              </a:rPr>
+              <a:t>        </a:t>
+            </a:r>
+            <a:r>
+              <a:rPr kumimoji="0" lang="en-US" altLang="en-US" sz="1000" b="0" i="0" u="none" strike="noStrike" cap="none" normalizeH="0" baseline="0">
+                <a:ln>
+                  <a:noFill/>
+                </a:ln>
+                <a:solidFill>
+                  <a:srgbClr val="94558D"/>
+                </a:solidFill>
+                <a:effectLst/>
+                <a:latin typeface="Arial Unicode MS"/>
+              </a:rPr>
+              <a:t>self</a:t>
+            </a:r>
+            <a:r>
+              <a:rPr kumimoji="0" lang="en-US" altLang="en-US" sz="1000" b="0" i="0" u="none" strike="noStrike" cap="none" normalizeH="0" baseline="0">
+                <a:ln>
+                  <a:noFill/>
+                </a:ln>
+                <a:solidFill>
+                  <a:srgbClr val="A9B7C6"/>
+                </a:solidFill>
+                <a:effectLst/>
+                <a:latin typeface="Arial Unicode MS"/>
+              </a:rPr>
+              <a:t>.driver.find_elements(*LocatorsCeMerita.CUM_TE_CHEAMA)[</a:t>
+            </a:r>
+            <a:r>
+              <a:rPr kumimoji="0" lang="en-US" altLang="en-US" sz="1000" b="0" i="0" u="none" strike="noStrike" cap="none" normalizeH="0" baseline="0">
+                <a:ln>
+                  <a:noFill/>
+                </a:ln>
+                <a:solidFill>
+                  <a:srgbClr val="6897BB"/>
+                </a:solidFill>
+                <a:effectLst/>
+                <a:latin typeface="Arial Unicode MS"/>
+              </a:rPr>
+              <a:t>0</a:t>
+            </a:r>
+            <a:r>
+              <a:rPr kumimoji="0" lang="en-US" altLang="en-US" sz="1000" b="0" i="0" u="none" strike="noStrike" cap="none" normalizeH="0" baseline="0">
+                <a:ln>
+                  <a:noFill/>
+                </a:ln>
+                <a:solidFill>
+                  <a:srgbClr val="A9B7C6"/>
+                </a:solidFill>
+                <a:effectLst/>
+                <a:latin typeface="Arial Unicode MS"/>
+              </a:rPr>
+              <a:t>].send_keys(</a:t>
+            </a:r>
+            <a:r>
+              <a:rPr kumimoji="0" lang="en-US" altLang="en-US" sz="1000" b="0" i="0" u="none" strike="noStrike" cap="none" normalizeH="0" baseline="0">
+                <a:ln>
+                  <a:noFill/>
+                </a:ln>
+                <a:solidFill>
+                  <a:srgbClr val="6A8759"/>
+                </a:solidFill>
+                <a:effectLst/>
+                <a:latin typeface="Arial Unicode MS"/>
+              </a:rPr>
+              <a:t>'Emil'</a:t>
+            </a:r>
+            <a:r>
+              <a:rPr kumimoji="0" lang="en-US" altLang="en-US" sz="1000" b="0" i="0" u="none" strike="noStrike" cap="none" normalizeH="0" baseline="0">
+                <a:ln>
+                  <a:noFill/>
+                </a:ln>
+                <a:solidFill>
+                  <a:srgbClr val="A9B7C6"/>
+                </a:solidFill>
+                <a:effectLst/>
+                <a:latin typeface="Arial Unicode MS"/>
+              </a:rPr>
+              <a:t>)</a:t>
+            </a:r>
+            <a:br>
+              <a:rPr kumimoji="0" lang="en-US" altLang="en-US" sz="1000" b="0" i="0" u="none" strike="noStrike" cap="none" normalizeH="0" baseline="0">
+                <a:ln>
+                  <a:noFill/>
+                </a:ln>
+                <a:solidFill>
+                  <a:srgbClr val="A9B7C6"/>
+                </a:solidFill>
+                <a:effectLst/>
+                <a:latin typeface="Arial Unicode MS"/>
+              </a:rPr>
+            </a:br>
+            <a:r>
+              <a:rPr kumimoji="0" lang="en-US" altLang="en-US" sz="1000" b="0" i="0" u="none" strike="noStrike" cap="none" normalizeH="0" baseline="0">
+                <a:ln>
+                  <a:noFill/>
+                </a:ln>
+                <a:solidFill>
+                  <a:srgbClr val="A9B7C6"/>
+                </a:solidFill>
+                <a:effectLst/>
+                <a:latin typeface="Arial Unicode MS"/>
+              </a:rPr>
+              <a:t>        </a:t>
+            </a:r>
+            <a:r>
+              <a:rPr kumimoji="0" lang="en-US" altLang="en-US" sz="1000" b="0" i="0" u="none" strike="noStrike" cap="none" normalizeH="0" baseline="0">
+                <a:ln>
+                  <a:noFill/>
+                </a:ln>
+                <a:solidFill>
+                  <a:srgbClr val="94558D"/>
+                </a:solidFill>
+                <a:effectLst/>
+                <a:latin typeface="Arial Unicode MS"/>
+              </a:rPr>
+              <a:t>self</a:t>
+            </a:r>
+            <a:r>
+              <a:rPr kumimoji="0" lang="en-US" altLang="en-US" sz="1000" b="0" i="0" u="none" strike="noStrike" cap="none" normalizeH="0" baseline="0">
+                <a:ln>
+                  <a:noFill/>
+                </a:ln>
+                <a:solidFill>
+                  <a:srgbClr val="A9B7C6"/>
+                </a:solidFill>
+                <a:effectLst/>
+                <a:latin typeface="Arial Unicode MS"/>
+              </a:rPr>
+              <a:t>.driver.find_element(*LocatorsCeMerita.ADRESA_EMAIL).send_keys(</a:t>
+            </a:r>
+            <a:r>
+              <a:rPr kumimoji="0" lang="en-US" altLang="en-US" sz="1000" b="0" i="0" u="none" strike="noStrike" cap="none" normalizeH="0" baseline="0">
+                <a:ln>
+                  <a:noFill/>
+                </a:ln>
+                <a:solidFill>
+                  <a:srgbClr val="6A8759"/>
+                </a:solidFill>
+                <a:effectLst/>
+                <a:latin typeface="Arial Unicode MS"/>
+              </a:rPr>
+              <a:t>'invalid_email@gmail.com'</a:t>
+            </a:r>
+            <a:r>
+              <a:rPr kumimoji="0" lang="en-US" altLang="en-US" sz="1000" b="0" i="0" u="none" strike="noStrike" cap="none" normalizeH="0" baseline="0">
+                <a:ln>
+                  <a:noFill/>
+                </a:ln>
+                <a:solidFill>
+                  <a:srgbClr val="A9B7C6"/>
+                </a:solidFill>
+                <a:effectLst/>
+                <a:latin typeface="Arial Unicode MS"/>
+              </a:rPr>
+              <a:t>)</a:t>
+            </a:r>
+            <a:br>
+              <a:rPr kumimoji="0" lang="en-US" altLang="en-US" sz="1000" b="0" i="0" u="none" strike="noStrike" cap="none" normalizeH="0" baseline="0">
+                <a:ln>
+                  <a:noFill/>
+                </a:ln>
+                <a:solidFill>
+                  <a:srgbClr val="A9B7C6"/>
+                </a:solidFill>
+                <a:effectLst/>
+                <a:latin typeface="Arial Unicode MS"/>
+              </a:rPr>
+            </a:br>
+            <a:r>
+              <a:rPr kumimoji="0" lang="en-US" altLang="en-US" sz="1000" b="0" i="0" u="none" strike="noStrike" cap="none" normalizeH="0" baseline="0">
+                <a:ln>
+                  <a:noFill/>
+                </a:ln>
+                <a:solidFill>
+                  <a:srgbClr val="A9B7C6"/>
+                </a:solidFill>
+                <a:effectLst/>
+                <a:latin typeface="Arial Unicode MS"/>
+              </a:rPr>
+              <a:t>        </a:t>
+            </a:r>
+            <a:r>
+              <a:rPr kumimoji="0" lang="en-US" altLang="en-US" sz="1000" b="0" i="0" u="none" strike="noStrike" cap="none" normalizeH="0" baseline="0">
+                <a:ln>
+                  <a:noFill/>
+                </a:ln>
+                <a:solidFill>
+                  <a:srgbClr val="94558D"/>
+                </a:solidFill>
+                <a:effectLst/>
+                <a:latin typeface="Arial Unicode MS"/>
+              </a:rPr>
+              <a:t>self</a:t>
+            </a:r>
+            <a:r>
+              <a:rPr kumimoji="0" lang="en-US" altLang="en-US" sz="1000" b="0" i="0" u="none" strike="noStrike" cap="none" normalizeH="0" baseline="0">
+                <a:ln>
+                  <a:noFill/>
+                </a:ln>
+                <a:solidFill>
+                  <a:srgbClr val="A9B7C6"/>
+                </a:solidFill>
+                <a:effectLst/>
+                <a:latin typeface="Arial Unicode MS"/>
+              </a:rPr>
+              <a:t>.driver.find_element(*LocatorsCeMerita.BIFARE_TERM_COND_CE_MERITA).click()</a:t>
+            </a:r>
+            <a:br>
+              <a:rPr kumimoji="0" lang="en-US" altLang="en-US" sz="1000" b="0" i="0" u="none" strike="noStrike" cap="none" normalizeH="0" baseline="0">
+                <a:ln>
+                  <a:noFill/>
+                </a:ln>
+                <a:solidFill>
+                  <a:srgbClr val="A9B7C6"/>
+                </a:solidFill>
+                <a:effectLst/>
+                <a:latin typeface="Arial Unicode MS"/>
+              </a:rPr>
+            </a:br>
+            <a:r>
+              <a:rPr kumimoji="0" lang="en-US" altLang="en-US" sz="1000" b="0" i="0" u="none" strike="noStrike" cap="none" normalizeH="0" baseline="0">
+                <a:ln>
+                  <a:noFill/>
+                </a:ln>
+                <a:solidFill>
+                  <a:srgbClr val="A9B7C6"/>
+                </a:solidFill>
+                <a:effectLst/>
+                <a:latin typeface="Arial Unicode MS"/>
+              </a:rPr>
+              <a:t>        </a:t>
+            </a:r>
+            <a:r>
+              <a:rPr kumimoji="0" lang="en-US" altLang="en-US" sz="1000" b="0" i="0" u="none" strike="noStrike" cap="none" normalizeH="0" baseline="0">
+                <a:ln>
+                  <a:noFill/>
+                </a:ln>
+                <a:solidFill>
+                  <a:srgbClr val="94558D"/>
+                </a:solidFill>
+                <a:effectLst/>
+                <a:latin typeface="Arial Unicode MS"/>
+              </a:rPr>
+              <a:t>self</a:t>
+            </a:r>
+            <a:r>
+              <a:rPr kumimoji="0" lang="en-US" altLang="en-US" sz="1000" b="0" i="0" u="none" strike="noStrike" cap="none" normalizeH="0" baseline="0">
+                <a:ln>
+                  <a:noFill/>
+                </a:ln>
+                <a:solidFill>
+                  <a:srgbClr val="A9B7C6"/>
+                </a:solidFill>
+                <a:effectLst/>
+                <a:latin typeface="Arial Unicode MS"/>
+              </a:rPr>
+              <a:t>.driver.find_element(*LocatorsCeMerita.BIFARE_ACORD_NEWSLETTER).click()</a:t>
+            </a:r>
+            <a:br>
+              <a:rPr kumimoji="0" lang="en-US" altLang="en-US" sz="1000" b="0" i="0" u="none" strike="noStrike" cap="none" normalizeH="0" baseline="0">
+                <a:ln>
+                  <a:noFill/>
+                </a:ln>
+                <a:solidFill>
+                  <a:srgbClr val="A9B7C6"/>
+                </a:solidFill>
+                <a:effectLst/>
+                <a:latin typeface="Arial Unicode MS"/>
+              </a:rPr>
+            </a:br>
+            <a:r>
+              <a:rPr kumimoji="0" lang="en-US" altLang="en-US" sz="1000" b="0" i="0" u="none" strike="noStrike" cap="none" normalizeH="0" baseline="0">
+                <a:ln>
+                  <a:noFill/>
+                </a:ln>
+                <a:solidFill>
+                  <a:srgbClr val="A9B7C6"/>
+                </a:solidFill>
+                <a:effectLst/>
+                <a:latin typeface="Arial Unicode MS"/>
+              </a:rPr>
+              <a:t>        </a:t>
+            </a:r>
+            <a:r>
+              <a:rPr kumimoji="0" lang="en-US" altLang="en-US" sz="1000" b="0" i="0" u="none" strike="noStrike" cap="none" normalizeH="0" baseline="0">
+                <a:ln>
+                  <a:noFill/>
+                </a:ln>
+                <a:solidFill>
+                  <a:srgbClr val="94558D"/>
+                </a:solidFill>
+                <a:effectLst/>
+                <a:latin typeface="Arial Unicode MS"/>
+              </a:rPr>
+              <a:t>self</a:t>
+            </a:r>
+            <a:r>
+              <a:rPr kumimoji="0" lang="en-US" altLang="en-US" sz="1000" b="0" i="0" u="none" strike="noStrike" cap="none" normalizeH="0" baseline="0">
+                <a:ln>
+                  <a:noFill/>
+                </a:ln>
+                <a:solidFill>
+                  <a:srgbClr val="A9B7C6"/>
+                </a:solidFill>
+                <a:effectLst/>
+                <a:latin typeface="Arial Unicode MS"/>
+              </a:rPr>
+              <a:t>.driver.find_element(*LocatorsCeMerita.CLICK_VREAU_SA_AFLU_CE_MERITA).click()</a:t>
+            </a:r>
+            <a:br>
+              <a:rPr kumimoji="0" lang="en-US" altLang="en-US" sz="1000" b="0" i="0" u="none" strike="noStrike" cap="none" normalizeH="0" baseline="0">
+                <a:ln>
+                  <a:noFill/>
+                </a:ln>
+                <a:solidFill>
+                  <a:srgbClr val="A9B7C6"/>
+                </a:solidFill>
+                <a:effectLst/>
+                <a:latin typeface="Arial Unicode MS"/>
+              </a:rPr>
+            </a:br>
+            <a:r>
+              <a:rPr kumimoji="0" lang="en-US" altLang="en-US" sz="1000" b="0" i="0" u="none" strike="noStrike" cap="none" normalizeH="0" baseline="0">
+                <a:ln>
+                  <a:noFill/>
+                </a:ln>
+                <a:solidFill>
+                  <a:srgbClr val="A9B7C6"/>
+                </a:solidFill>
+                <a:effectLst/>
+                <a:latin typeface="Arial Unicode MS"/>
+              </a:rPr>
+              <a:t>        time.sleep(</a:t>
+            </a:r>
+            <a:r>
+              <a:rPr kumimoji="0" lang="en-US" altLang="en-US" sz="1000" b="0" i="0" u="none" strike="noStrike" cap="none" normalizeH="0" baseline="0">
+                <a:ln>
+                  <a:noFill/>
+                </a:ln>
+                <a:solidFill>
+                  <a:srgbClr val="6897BB"/>
+                </a:solidFill>
+                <a:effectLst/>
+                <a:latin typeface="Arial Unicode MS"/>
+              </a:rPr>
+              <a:t>3</a:t>
+            </a:r>
+            <a:r>
+              <a:rPr kumimoji="0" lang="en-US" altLang="en-US" sz="1000" b="0" i="0" u="none" strike="noStrike" cap="none" normalizeH="0" baseline="0">
+                <a:ln>
+                  <a:noFill/>
+                </a:ln>
+                <a:solidFill>
+                  <a:srgbClr val="A9B7C6"/>
+                </a:solidFill>
+                <a:effectLst/>
+                <a:latin typeface="Arial Unicode MS"/>
+              </a:rPr>
+              <a:t>)</a:t>
+            </a:r>
+            <a:br>
+              <a:rPr kumimoji="0" lang="en-US" altLang="en-US" sz="1000" b="0" i="0" u="none" strike="noStrike" cap="none" normalizeH="0" baseline="0">
+                <a:ln>
+                  <a:noFill/>
+                </a:ln>
+                <a:solidFill>
+                  <a:srgbClr val="A9B7C6"/>
+                </a:solidFill>
+                <a:effectLst/>
+                <a:latin typeface="Arial Unicode MS"/>
+              </a:rPr>
+            </a:br>
+            <a:r>
+              <a:rPr kumimoji="0" lang="en-US" altLang="en-US" sz="1000" b="0" i="0" u="none" strike="noStrike" cap="none" normalizeH="0" baseline="0">
+                <a:ln>
+                  <a:noFill/>
+                </a:ln>
+                <a:solidFill>
+                  <a:srgbClr val="A9B7C6"/>
+                </a:solidFill>
+                <a:effectLst/>
+                <a:latin typeface="Arial Unicode MS"/>
+              </a:rPr>
+              <a:t>        mesaj_de_succes = </a:t>
+            </a:r>
+            <a:r>
+              <a:rPr kumimoji="0" lang="en-US" altLang="en-US" sz="1000" b="0" i="0" u="none" strike="noStrike" cap="none" normalizeH="0" baseline="0">
+                <a:ln>
+                  <a:noFill/>
+                </a:ln>
+                <a:solidFill>
+                  <a:srgbClr val="94558D"/>
+                </a:solidFill>
+                <a:effectLst/>
+                <a:latin typeface="Arial Unicode MS"/>
+              </a:rPr>
+              <a:t>self</a:t>
+            </a:r>
+            <a:r>
+              <a:rPr kumimoji="0" lang="en-US" altLang="en-US" sz="1000" b="0" i="0" u="none" strike="noStrike" cap="none" normalizeH="0" baseline="0">
+                <a:ln>
+                  <a:noFill/>
+                </a:ln>
+                <a:solidFill>
+                  <a:srgbClr val="A9B7C6"/>
+                </a:solidFill>
+                <a:effectLst/>
+                <a:latin typeface="Arial Unicode MS"/>
+              </a:rPr>
+              <a:t>.driver.find_element(*LocatorsCeMerita.MESAJ_DE_SUCCESS).text</a:t>
+            </a:r>
+            <a:br>
+              <a:rPr kumimoji="0" lang="en-US" altLang="en-US" sz="1000" b="0" i="0" u="none" strike="noStrike" cap="none" normalizeH="0" baseline="0">
+                <a:ln>
+                  <a:noFill/>
+                </a:ln>
+                <a:solidFill>
+                  <a:srgbClr val="A9B7C6"/>
+                </a:solidFill>
+                <a:effectLst/>
+                <a:latin typeface="Arial Unicode MS"/>
+              </a:rPr>
+            </a:br>
+            <a:r>
+              <a:rPr kumimoji="0" lang="en-US" altLang="en-US" sz="1000" b="0" i="0" u="none" strike="noStrike" cap="none" normalizeH="0" baseline="0">
+                <a:ln>
+                  <a:noFill/>
+                </a:ln>
+                <a:solidFill>
+                  <a:srgbClr val="A9B7C6"/>
+                </a:solidFill>
+                <a:effectLst/>
+                <a:latin typeface="Arial Unicode MS"/>
+              </a:rPr>
+              <a:t>        </a:t>
+            </a:r>
+            <a:r>
+              <a:rPr kumimoji="0" lang="en-US" altLang="en-US" sz="1000" b="0" i="0" u="none" strike="noStrike" cap="none" normalizeH="0" baseline="0">
+                <a:ln>
+                  <a:noFill/>
+                </a:ln>
+                <a:solidFill>
+                  <a:srgbClr val="94558D"/>
+                </a:solidFill>
+                <a:effectLst/>
+                <a:latin typeface="Arial Unicode MS"/>
+              </a:rPr>
+              <a:t>self</a:t>
+            </a:r>
+            <a:r>
+              <a:rPr kumimoji="0" lang="en-US" altLang="en-US" sz="1000" b="0" i="0" u="none" strike="noStrike" cap="none" normalizeH="0" baseline="0">
+                <a:ln>
+                  <a:noFill/>
+                </a:ln>
+                <a:solidFill>
+                  <a:srgbClr val="A9B7C6"/>
+                </a:solidFill>
+                <a:effectLst/>
+                <a:latin typeface="Arial Unicode MS"/>
+              </a:rPr>
+              <a:t>.assertEqual(mesaj_de_succes</a:t>
+            </a:r>
+            <a:r>
+              <a:rPr kumimoji="0" lang="en-US" altLang="en-US" sz="1000" b="0" i="0" u="none" strike="noStrike" cap="none" normalizeH="0" baseline="0">
                 <a:ln>
                   <a:noFill/>
                 </a:ln>
@@ -32861,36 +33617,138 @@
                 <a:effectLst/>
                 <a:latin typeface="Arial Unicode MS"/>
               </a:rPr>
-              <a:t>from </a:t>
-            </a:r>
-            <a:r>
-              <a:rPr kumimoji="0" lang="en-US" altLang="en-US" sz="1000" b="0" i="0" u="none" strike="noStrike" cap="none" normalizeH="0" baseline="0" dirty="0" err="1">
-                <a:ln>
-                  <a:noFill/>
-                </a:ln>
-                <a:solidFill>
-                  <a:srgbClr val="A9B7C6"/>
-                </a:solidFill>
-                <a:effectLst/>
-                <a:latin typeface="Arial Unicode MS"/>
-              </a:rPr>
-              <a:t>selenium.webdriver.support</a:t>
-            </a:r>
-            <a:r>
-              <a:rPr kumimoji="0" lang="en-US" altLang="en-US" sz="1000" b="0" i="0" u="none" strike="noStrike" cap="none" normalizeH="0" baseline="0" dirty="0">
-                <a:ln>
-                  <a:noFill/>
-                </a:ln>
-                <a:solidFill>
-                  <a:srgbClr val="A9B7C6"/>
-                </a:solidFill>
-                <a:effectLst/>
-                <a:latin typeface="Arial Unicode MS"/>
-              </a:rPr>
-              <a:t> </a:t>
-            </a:r>
-            <a:r>
-              <a:rPr kumimoji="0" lang="en-US" altLang="en-US" sz="1000" b="0" i="0" u="none" strike="noStrike" cap="none" normalizeH="0" baseline="0" dirty="0">
+              <a:t>, </a:t>
+            </a:r>
+            <a:r>
+              <a:rPr kumimoji="0" lang="en-US" altLang="en-US" sz="1000" b="0" i="0" u="none" strike="noStrike" cap="none" normalizeH="0" baseline="0">
+                <a:ln>
+                  <a:noFill/>
+                </a:ln>
+                <a:solidFill>
+                  <a:srgbClr val="6A8759"/>
+                </a:solidFill>
+                <a:effectLst/>
+                <a:latin typeface="Arial Unicode MS"/>
+              </a:rPr>
+              <a:t>'Gata! Primul e-mail e deja pe drum.'</a:t>
+            </a:r>
+            <a:r>
+              <a:rPr kumimoji="0" lang="en-US" altLang="en-US" sz="1000" b="0" i="0" u="none" strike="noStrike" cap="none" normalizeH="0" baseline="0">
+                <a:ln>
+                  <a:noFill/>
+                </a:ln>
+                <a:solidFill>
+                  <a:srgbClr val="A9B7C6"/>
+                </a:solidFill>
+                <a:effectLst/>
+                <a:latin typeface="Arial Unicode MS"/>
+              </a:rPr>
+              <a:t>)</a:t>
+            </a:r>
+            <a:br>
+              <a:rPr kumimoji="0" lang="en-US" altLang="en-US" sz="1000" b="0" i="0" u="none" strike="noStrike" cap="none" normalizeH="0" baseline="0">
+                <a:ln>
+                  <a:noFill/>
+                </a:ln>
+                <a:solidFill>
+                  <a:srgbClr val="A9B7C6"/>
+                </a:solidFill>
+                <a:effectLst/>
+                <a:latin typeface="Arial Unicode MS"/>
+              </a:rPr>
+            </a:br>
+            <a:r>
+              <a:rPr kumimoji="0" lang="en-US" altLang="en-US" sz="1000" b="0" i="0" u="none" strike="noStrike" cap="none" normalizeH="0" baseline="0">
+                <a:ln>
+                  <a:noFill/>
+                </a:ln>
+                <a:solidFill>
+                  <a:srgbClr val="A9B7C6"/>
+                </a:solidFill>
+                <a:effectLst/>
+                <a:latin typeface="Arial Unicode MS"/>
+              </a:rPr>
+              <a:t>        time.sleep(</a:t>
+            </a:r>
+            <a:r>
+              <a:rPr kumimoji="0" lang="en-US" altLang="en-US" sz="1000" b="0" i="0" u="none" strike="noStrike" cap="none" normalizeH="0" baseline="0">
+                <a:ln>
+                  <a:noFill/>
+                </a:ln>
+                <a:solidFill>
+                  <a:srgbClr val="6897BB"/>
+                </a:solidFill>
+                <a:effectLst/>
+                <a:latin typeface="Arial Unicode MS"/>
+              </a:rPr>
+              <a:t>3</a:t>
+            </a:r>
+            <a:r>
+              <a:rPr kumimoji="0" lang="en-US" altLang="en-US" sz="1000" b="0" i="0" u="none" strike="noStrike" cap="none" normalizeH="0" baseline="0">
+                <a:ln>
+                  <a:noFill/>
+                </a:ln>
+                <a:solidFill>
+                  <a:srgbClr val="A9B7C6"/>
+                </a:solidFill>
+                <a:effectLst/>
+                <a:latin typeface="Arial Unicode MS"/>
+              </a:rPr>
+              <a:t>)</a:t>
+            </a:r>
+            <a:br>
+              <a:rPr kumimoji="0" lang="en-US" altLang="en-US" sz="1000" b="0" i="0" u="none" strike="noStrike" cap="none" normalizeH="0" baseline="0">
+                <a:ln>
+                  <a:noFill/>
+                </a:ln>
+                <a:solidFill>
+                  <a:srgbClr val="A9B7C6"/>
+                </a:solidFill>
+                <a:effectLst/>
+                <a:latin typeface="Arial Unicode MS"/>
+              </a:rPr>
+            </a:br>
+            <a:r>
+              <a:rPr kumimoji="0" lang="en-US" altLang="en-US" sz="1000" b="0" i="0" u="none" strike="noStrike" cap="none" normalizeH="0" baseline="0">
+                <a:ln>
+                  <a:noFill/>
+                </a:ln>
+                <a:solidFill>
+                  <a:srgbClr val="A9B7C6"/>
+                </a:solidFill>
+                <a:effectLst/>
+                <a:latin typeface="Arial Unicode MS"/>
+              </a:rPr>
+              <a:t>        WebDriverWait(</a:t>
+            </a:r>
+            <a:r>
+              <a:rPr kumimoji="0" lang="en-US" altLang="en-US" sz="1000" b="0" i="0" u="none" strike="noStrike" cap="none" normalizeH="0" baseline="0">
+                <a:ln>
+                  <a:noFill/>
+                </a:ln>
+                <a:solidFill>
+                  <a:srgbClr val="94558D"/>
+                </a:solidFill>
+                <a:effectLst/>
+                <a:latin typeface="Arial Unicode MS"/>
+              </a:rPr>
+              <a:t>self</a:t>
+            </a:r>
+            <a:r>
+              <a:rPr kumimoji="0" lang="en-US" altLang="en-US" sz="1000" b="0" i="0" u="none" strike="noStrike" cap="none" normalizeH="0" baseline="0">
+                <a:ln>
+                  <a:noFill/>
+                </a:ln>
+                <a:solidFill>
+                  <a:srgbClr val="A9B7C6"/>
+                </a:solidFill>
+                <a:effectLst/>
+                <a:latin typeface="Arial Unicode MS"/>
+              </a:rPr>
+              <a:t>.driver</a:t>
+            </a:r>
+            <a:r>
+              <a:rPr kumimoji="0" lang="en-US" altLang="en-US" sz="1000" b="0" i="0" u="none" strike="noStrike" cap="none" normalizeH="0" baseline="0">
                 <a:ln>
                   <a:noFill/>
                 </a:ln>
@@ -32900,216 +33758,36 @@
                 <a:effectLst/>
                 <a:latin typeface="Arial Unicode MS"/>
               </a:rPr>
-              <a:t>import </a:t>
-            </a:r>
-            <a:r>
-              <a:rPr kumimoji="0" lang="en-US" altLang="en-US" sz="1000" b="0" i="0" u="none" strike="noStrike" cap="none" normalizeH="0" baseline="0" dirty="0" err="1">
-                <a:ln>
-                  <a:noFill/>
-                </a:ln>
-                <a:solidFill>
-                  <a:srgbClr val="A9B7C6"/>
-                </a:solidFill>
-                <a:effectLst/>
-                <a:latin typeface="Arial Unicode MS"/>
-              </a:rPr>
-              <a:t>expected_conditions</a:t>
-            </a:r>
-            <a:r>
-              <a:rPr kumimoji="0" lang="en-US" altLang="en-US" sz="1000" b="0" i="0" u="none" strike="noStrike" cap="none" normalizeH="0" baseline="0" dirty="0">
-                <a:ln>
-                  <a:noFill/>
-                </a:ln>
-                <a:solidFill>
-                  <a:srgbClr val="A9B7C6"/>
-                </a:solidFill>
-                <a:effectLst/>
-                <a:latin typeface="Arial Unicode MS"/>
-              </a:rPr>
-              <a:t> </a:t>
-            </a:r>
-            <a:r>
-              <a:rPr kumimoji="0" lang="en-US" altLang="en-US" sz="1000" b="0" i="0" u="none" strike="noStrike" cap="none" normalizeH="0" baseline="0" dirty="0">
-                <a:ln>
-                  <a:noFill/>
-                </a:ln>
-                <a:solidFill>
-                  <a:srgbClr val="CC7832"/>
-                </a:solidFill>
-                <a:effectLst/>
-                <a:latin typeface="Arial Unicode MS"/>
-              </a:rPr>
-              <a:t>as </a:t>
-            </a:r>
-            <a:r>
-              <a:rPr kumimoji="0" lang="en-US" altLang="en-US" sz="1000" b="0" i="0" u="none" strike="noStrike" cap="none" normalizeH="0" baseline="0" dirty="0">
-                <a:ln>
-                  <a:noFill/>
-                </a:ln>
-                <a:solidFill>
-                  <a:srgbClr val="A9B7C6"/>
-                </a:solidFill>
-                <a:effectLst/>
-                <a:latin typeface="Arial Unicode MS"/>
-              </a:rPr>
-              <a:t>EC</a:t>
+              <a:t>, </a:t>
+            </a:r>
+            <a:r>
+              <a:rPr kumimoji="0" lang="en-US" altLang="en-US" sz="1000" b="0" i="0" u="none" strike="noStrike" cap="none" normalizeH="0" baseline="0">
+                <a:ln>
+                  <a:noFill/>
+                </a:ln>
+                <a:solidFill>
+                  <a:srgbClr val="6897BB"/>
+                </a:solidFill>
+                <a:effectLst/>
+                <a:latin typeface="Arial Unicode MS"/>
+              </a:rPr>
+              <a:t>10</a:t>
+            </a:r>
+            <a:r>
+              <a:rPr kumimoji="0" lang="en-US" altLang="en-US" sz="1000" b="0" i="0" u="none" strike="noStrike" cap="none" normalizeH="0" baseline="0">
+                <a:ln>
+                  <a:noFill/>
+                </a:ln>
+                <a:solidFill>
+                  <a:srgbClr val="A9B7C6"/>
+                </a:solidFill>
+                <a:effectLst/>
+                <a:latin typeface="Arial Unicode MS"/>
+              </a:rPr>
+              <a:t>).until(EC.presence_of_element_located(LocatorsCeMerita.MESAJ_DE_SUCCESS))</a:t>
             </a:r>
             <a:br>
-              <a:rPr kumimoji="0" lang="en-US" altLang="en-US" sz="1000" b="0" i="0" u="none" strike="noStrike" cap="none" normalizeH="0" baseline="0" dirty="0">
-                <a:ln>
-                  <a:noFill/>
-                </a:ln>
-                <a:solidFill>
-                  <a:srgbClr val="A9B7C6"/>
-                </a:solidFill>
-                <a:effectLst/>
-                <a:latin typeface="Arial Unicode MS"/>
-              </a:rPr>
-            </a:br>
-            <a:r>
-              <a:rPr kumimoji="0" lang="en-US" altLang="en-US" sz="1000" b="0" i="0" u="none" strike="noStrike" cap="none" normalizeH="0" baseline="0" dirty="0">
-                <a:ln>
-                  <a:noFill/>
-                </a:ln>
-                <a:solidFill>
-                  <a:srgbClr val="CC7832"/>
-                </a:solidFill>
-                <a:effectLst/>
-                <a:latin typeface="Arial Unicode MS"/>
-              </a:rPr>
-              <a:t>from </a:t>
-            </a:r>
-            <a:r>
-              <a:rPr kumimoji="0" lang="en-US" altLang="en-US" sz="1000" b="0" i="0" u="none" strike="noStrike" cap="none" normalizeH="0" baseline="0" dirty="0" err="1">
-                <a:ln>
-                  <a:noFill/>
-                </a:ln>
-                <a:solidFill>
-                  <a:srgbClr val="A9B7C6"/>
-                </a:solidFill>
-                <a:effectLst/>
-                <a:latin typeface="Arial Unicode MS"/>
-              </a:rPr>
-              <a:t>proiect_unittest.home_page_medtinker</a:t>
-            </a:r>
-            <a:r>
-              <a:rPr kumimoji="0" lang="en-US" altLang="en-US" sz="1000" b="0" i="0" u="none" strike="noStrike" cap="none" normalizeH="0" baseline="0" dirty="0">
-                <a:ln>
-                  <a:noFill/>
-                </a:ln>
-                <a:solidFill>
-                  <a:srgbClr val="A9B7C6"/>
-                </a:solidFill>
-                <a:effectLst/>
-                <a:latin typeface="Arial Unicode MS"/>
-              </a:rPr>
-              <a:t> </a:t>
-            </a:r>
-            <a:r>
-              <a:rPr kumimoji="0" lang="en-US" altLang="en-US" sz="1000" b="0" i="0" u="none" strike="noStrike" cap="none" normalizeH="0" baseline="0" dirty="0">
-                <a:ln>
-                  <a:noFill/>
-                </a:ln>
-                <a:solidFill>
-                  <a:srgbClr val="CC7832"/>
-                </a:solidFill>
-                <a:effectLst/>
-                <a:latin typeface="Arial Unicode MS"/>
-              </a:rPr>
-              <a:t>import </a:t>
-            </a:r>
-            <a:r>
-              <a:rPr kumimoji="0" lang="en-US" altLang="en-US" sz="1000" b="0" i="0" u="none" strike="noStrike" cap="none" normalizeH="0" baseline="0" dirty="0" err="1">
-                <a:ln>
-                  <a:noFill/>
-                </a:ln>
-                <a:solidFill>
-                  <a:srgbClr val="A9B7C6"/>
-                </a:solidFill>
-                <a:effectLst/>
-                <a:latin typeface="Arial Unicode MS"/>
-              </a:rPr>
-              <a:t>HomeMedtinkerChrome</a:t>
-            </a:r>
-            <a:br>
-              <a:rPr kumimoji="0" lang="en-US" altLang="en-US" sz="1000" b="0" i="0" u="none" strike="noStrike" cap="none" normalizeH="0" baseline="0" dirty="0">
-                <a:ln>
-                  <a:noFill/>
-                </a:ln>
-                <a:solidFill>
-                  <a:srgbClr val="A9B7C6"/>
-                </a:solidFill>
-                <a:effectLst/>
-                <a:latin typeface="Arial Unicode MS"/>
-              </a:rPr>
-            </a:br>
-            <a:r>
-              <a:rPr kumimoji="0" lang="en-US" altLang="en-US" sz="1000" b="0" i="0" u="none" strike="noStrike" cap="none" normalizeH="0" baseline="0" dirty="0">
-                <a:ln>
-                  <a:noFill/>
-                </a:ln>
-                <a:solidFill>
-                  <a:srgbClr val="CC7832"/>
-                </a:solidFill>
-                <a:effectLst/>
-                <a:latin typeface="Arial Unicode MS"/>
-              </a:rPr>
-              <a:t>from </a:t>
-            </a:r>
-            <a:r>
-              <a:rPr kumimoji="0" lang="en-US" altLang="en-US" sz="1000" b="0" i="0" u="none" strike="noStrike" cap="none" normalizeH="0" baseline="0" dirty="0" err="1">
-                <a:ln>
-                  <a:noFill/>
-                </a:ln>
-                <a:solidFill>
-                  <a:srgbClr val="A9B7C6"/>
-                </a:solidFill>
-                <a:effectLst/>
-                <a:latin typeface="Arial Unicode MS"/>
-              </a:rPr>
-              <a:t>proiect_unittest.locators_medtinker</a:t>
-            </a:r>
-            <a:r>
-              <a:rPr kumimoji="0" lang="en-US" altLang="en-US" sz="1000" b="0" i="0" u="none" strike="noStrike" cap="none" normalizeH="0" baseline="0" dirty="0">
-                <a:ln>
-                  <a:noFill/>
-                </a:ln>
-                <a:solidFill>
-                  <a:srgbClr val="A9B7C6"/>
-                </a:solidFill>
-                <a:effectLst/>
-                <a:latin typeface="Arial Unicode MS"/>
-              </a:rPr>
-              <a:t> </a:t>
-            </a:r>
-            <a:r>
-              <a:rPr kumimoji="0" lang="en-US" altLang="en-US" sz="1000" b="0" i="0" u="none" strike="noStrike" cap="none" normalizeH="0" baseline="0" dirty="0">
-                <a:ln>
-                  <a:noFill/>
-                </a:ln>
-                <a:solidFill>
-                  <a:srgbClr val="CC7832"/>
-                </a:solidFill>
-                <a:effectLst/>
-                <a:latin typeface="Arial Unicode MS"/>
-              </a:rPr>
-              <a:t>import </a:t>
-            </a:r>
-            <a:r>
-              <a:rPr kumimoji="0" lang="en-US" altLang="en-US" sz="1000" b="0" i="0" u="none" strike="noStrike" cap="none" normalizeH="0" baseline="0" dirty="0" err="1">
-                <a:ln>
-                  <a:noFill/>
-                </a:ln>
-                <a:solidFill>
-                  <a:srgbClr val="A9B7C6"/>
-                </a:solidFill>
-                <a:effectLst/>
-                <a:latin typeface="Arial Unicode MS"/>
-              </a:rPr>
-              <a:t>LocatorsCeMerita</a:t>
-            </a:r>
-            <a:br>
-              <a:rPr kumimoji="0" lang="en-US" altLang="en-US" sz="1000" b="0" i="0" u="none" strike="noStrike" cap="none" normalizeH="0" baseline="0" dirty="0">
+              <a:rPr kumimoji="0" lang="en-US" altLang="en-US" sz="1000" b="0" i="0" u="none" strike="noStrike" cap="none" normalizeH="0" baseline="0">
                 <a:ln>
                   <a:noFill/>
                 </a:ln>
@@ -33121,7 +33799,7 @@
               </a:rPr>
             </a:br>
             <a:br>
-              <a:rPr kumimoji="0" lang="en-US" altLang="en-US" sz="1000" b="0" i="0" u="none" strike="noStrike" cap="none" normalizeH="0" baseline="0" dirty="0">
+              <a:rPr kumimoji="0" lang="en-US" altLang="en-US" sz="1000" b="0" i="0" u="none" strike="noStrike" cap="none" normalizeH="0" baseline="0">
                 <a:ln>
                   <a:noFill/>
                 </a:ln>
@@ -33133,7 +33811,20 @@
               </a:rPr>
             </a:br>
             <a:r>
-              <a:rPr kumimoji="0" lang="en-US" altLang="en-US" sz="1000" b="0" i="0" u="none" strike="noStrike" cap="none" normalizeH="0" baseline="0" dirty="0">
+              <a:rPr kumimoji="0" lang="en-US" altLang="en-US" sz="1000" b="0" i="0" u="none" strike="noStrike" cap="none" normalizeH="0" baseline="0">
+                <a:ln>
+                  <a:noFill/>
+                </a:ln>
+                <a:solidFill>
+                  <a:srgbClr val="A9B7C6"/>
+                </a:solidFill>
+                <a:effectLst/>
+                <a:latin typeface="Arial Unicode MS"/>
+              </a:rPr>
+              <a:t>    </a:t>
+            </a:r>
+            <a:r>
+              <a:rPr kumimoji="0" lang="en-US" altLang="en-US" sz="1000" b="0" i="0" u="none" strike="noStrike" cap="none" normalizeH="0" baseline="0">
                 <a:ln>
                   <a:noFill/>
                 </a:ln>
@@ -33143,23 +33834,23 @@
                 <a:effectLst/>
                 <a:latin typeface="Arial Unicode MS"/>
               </a:rPr>
-              <a:t>class </a:t>
-            </a:r>
-            <a:r>
-              <a:rPr kumimoji="0" lang="en-US" altLang="en-US" sz="1000" b="0" i="0" u="none" strike="noStrike" cap="none" normalizeH="0" baseline="0" dirty="0" err="1">
-                <a:ln>
-                  <a:noFill/>
-                </a:ln>
-                <a:solidFill>
-                  <a:srgbClr val="A9B7C6"/>
-                </a:solidFill>
-                <a:effectLst/>
-                <a:latin typeface="Arial Unicode MS"/>
-              </a:rPr>
-              <a:t>CeMeritaPage</a:t>
-            </a:r>
-            <a:r>
-              <a:rPr kumimoji="0" lang="en-US" altLang="en-US" sz="1000" b="0" i="0" u="none" strike="noStrike" cap="none" normalizeH="0" baseline="0" dirty="0">
+              <a:t>def </a:t>
+            </a:r>
+            <a:r>
+              <a:rPr kumimoji="0" lang="en-US" altLang="en-US" sz="1000" b="0" i="0" u="none" strike="noStrike" cap="none" normalizeH="0" baseline="0">
+                <a:ln>
+                  <a:noFill/>
+                </a:ln>
+                <a:solidFill>
+                  <a:srgbClr val="FFC66D"/>
+                </a:solidFill>
+                <a:effectLst/>
+                <a:latin typeface="Arial Unicode MS"/>
+              </a:rPr>
+              <a:t>test_2_abonare_la_ce_merita_cu_valid_email</a:t>
+            </a:r>
+            <a:r>
+              <a:rPr kumimoji="0" lang="en-US" altLang="en-US" sz="1000" b="0" i="0" u="none" strike="noStrike" cap="none" normalizeH="0" baseline="0">
                 <a:ln>
                   <a:noFill/>
                 </a:ln>
@@ -33172,20 +33863,20 @@
               <a:t>(</a:t>
             </a:r>
             <a:r>
-              <a:rPr kumimoji="0" lang="en-US" altLang="en-US" sz="1000" b="0" i="0" u="none" strike="noStrike" cap="none" normalizeH="0" baseline="0" dirty="0" err="1">
-                <a:ln>
-                  <a:noFill/>
-                </a:ln>
-                <a:solidFill>
-                  <a:srgbClr val="A9B7C6"/>
-                </a:solidFill>
-                <a:effectLst/>
-                <a:latin typeface="Arial Unicode MS"/>
-              </a:rPr>
-              <a:t>HomeMedtinkerChrome</a:t>
-            </a:r>
-            <a:r>
-              <a:rPr kumimoji="0" lang="en-US" altLang="en-US" sz="1000" b="0" i="0" u="none" strike="noStrike" cap="none" normalizeH="0" baseline="0" dirty="0">
+              <a:rPr kumimoji="0" lang="en-US" altLang="en-US" sz="1000" b="0" i="0" u="none" strike="noStrike" cap="none" normalizeH="0" baseline="0">
+                <a:ln>
+                  <a:noFill/>
+                </a:ln>
+                <a:solidFill>
+                  <a:srgbClr val="94558D"/>
+                </a:solidFill>
+                <a:effectLst/>
+                <a:latin typeface="Arial Unicode MS"/>
+              </a:rPr>
+              <a:t>self</a:t>
+            </a:r>
+            <a:r>
+              <a:rPr kumimoji="0" lang="en-US" altLang="en-US" sz="1000" b="0" i="0" u="none" strike="noStrike" cap="none" normalizeH="0" baseline="0">
                 <a:ln>
                   <a:noFill/>
                 </a:ln>
@@ -33198,7 +33889,7 @@
               <a:t>):</a:t>
             </a:r>
             <a:br>
-              <a:rPr kumimoji="0" lang="en-US" altLang="en-US" sz="1000" b="0" i="0" u="none" strike="noStrike" cap="none" normalizeH="0" baseline="0" dirty="0">
+              <a:rPr kumimoji="0" lang="en-US" altLang="en-US" sz="1000" b="0" i="0" u="none" strike="noStrike" cap="none" normalizeH="0" baseline="0">
                 <a:ln>
                   <a:noFill/>
                 </a:ln>
@@ -33210,20 +33901,225 @@
               </a:rPr>
             </a:br>
             <a:r>
-              <a:rPr kumimoji="0" lang="en-US" altLang="en-US" sz="1000" b="0" i="0" u="none" strike="noStrike" cap="none" normalizeH="0" baseline="0" dirty="0">
-                <a:ln>
-                  <a:noFill/>
-                </a:ln>
-                <a:solidFill>
-                  <a:srgbClr val="A9B7C6"/>
-                </a:solidFill>
-                <a:effectLst/>
-                <a:latin typeface="Arial Unicode MS"/>
-              </a:rPr>
-              <a:t>    </a:t>
-            </a:r>
-            <a:r>
-              <a:rPr kumimoji="0" lang="en-US" altLang="en-US" sz="1000" b="0" i="0" u="none" strike="noStrike" cap="none" normalizeH="0" baseline="0" dirty="0">
+              <a:rPr kumimoji="0" lang="en-US" altLang="en-US" sz="1000" b="0" i="0" u="none" strike="noStrike" cap="none" normalizeH="0" baseline="0">
+                <a:ln>
+                  <a:noFill/>
+                </a:ln>
+                <a:solidFill>
+                  <a:srgbClr val="A9B7C6"/>
+                </a:solidFill>
+                <a:effectLst/>
+                <a:latin typeface="Arial Unicode MS"/>
+              </a:rPr>
+              <a:t>        </a:t>
+            </a:r>
+            <a:r>
+              <a:rPr kumimoji="0" lang="en-US" altLang="en-US" sz="1000" b="0" i="0" u="none" strike="noStrike" cap="none" normalizeH="0" baseline="0">
+                <a:ln>
+                  <a:noFill/>
+                </a:ln>
+                <a:solidFill>
+                  <a:srgbClr val="94558D"/>
+                </a:solidFill>
+                <a:effectLst/>
+                <a:latin typeface="Arial Unicode MS"/>
+              </a:rPr>
+              <a:t>self</a:t>
+            </a:r>
+            <a:r>
+              <a:rPr kumimoji="0" lang="en-US" altLang="en-US" sz="1000" b="0" i="0" u="none" strike="noStrike" cap="none" normalizeH="0" baseline="0">
+                <a:ln>
+                  <a:noFill/>
+                </a:ln>
+                <a:solidFill>
+                  <a:srgbClr val="A9B7C6"/>
+                </a:solidFill>
+                <a:effectLst/>
+                <a:latin typeface="Arial Unicode MS"/>
+              </a:rPr>
+              <a:t>.driver.find_element(*LocatorsCeMerita.RUBRICA_SOCIAL).click()</a:t>
+            </a:r>
+            <a:br>
+              <a:rPr kumimoji="0" lang="en-US" altLang="en-US" sz="1000" b="0" i="0" u="none" strike="noStrike" cap="none" normalizeH="0" baseline="0">
+                <a:ln>
+                  <a:noFill/>
+                </a:ln>
+                <a:solidFill>
+                  <a:srgbClr val="A9B7C6"/>
+                </a:solidFill>
+                <a:effectLst/>
+                <a:latin typeface="Arial Unicode MS"/>
+              </a:rPr>
+            </a:br>
+            <a:r>
+              <a:rPr kumimoji="0" lang="en-US" altLang="en-US" sz="1000" b="0" i="0" u="none" strike="noStrike" cap="none" normalizeH="0" baseline="0">
+                <a:ln>
+                  <a:noFill/>
+                </a:ln>
+                <a:solidFill>
+                  <a:srgbClr val="A9B7C6"/>
+                </a:solidFill>
+                <a:effectLst/>
+                <a:latin typeface="Arial Unicode MS"/>
+              </a:rPr>
+              <a:t>        </a:t>
+            </a:r>
+            <a:r>
+              <a:rPr kumimoji="0" lang="en-US" altLang="en-US" sz="1000" b="0" i="0" u="none" strike="noStrike" cap="none" normalizeH="0" baseline="0">
+                <a:ln>
+                  <a:noFill/>
+                </a:ln>
+                <a:solidFill>
+                  <a:srgbClr val="94558D"/>
+                </a:solidFill>
+                <a:effectLst/>
+                <a:latin typeface="Arial Unicode MS"/>
+              </a:rPr>
+              <a:t>self</a:t>
+            </a:r>
+            <a:r>
+              <a:rPr kumimoji="0" lang="en-US" altLang="en-US" sz="1000" b="0" i="0" u="none" strike="noStrike" cap="none" normalizeH="0" baseline="0">
+                <a:ln>
+                  <a:noFill/>
+                </a:ln>
+                <a:solidFill>
+                  <a:srgbClr val="A9B7C6"/>
+                </a:solidFill>
+                <a:effectLst/>
+                <a:latin typeface="Arial Unicode MS"/>
+              </a:rPr>
+              <a:t>.driver.find_element(*LocatorsCeMerita.NEWSLETTER).click()</a:t>
+            </a:r>
+            <a:br>
+              <a:rPr kumimoji="0" lang="en-US" altLang="en-US" sz="1000" b="0" i="0" u="none" strike="noStrike" cap="none" normalizeH="0" baseline="0">
+                <a:ln>
+                  <a:noFill/>
+                </a:ln>
+                <a:solidFill>
+                  <a:srgbClr val="A9B7C6"/>
+                </a:solidFill>
+                <a:effectLst/>
+                <a:latin typeface="Arial Unicode MS"/>
+              </a:rPr>
+            </a:br>
+            <a:r>
+              <a:rPr kumimoji="0" lang="en-US" altLang="en-US" sz="1000" b="0" i="0" u="none" strike="noStrike" cap="none" normalizeH="0" baseline="0">
+                <a:ln>
+                  <a:noFill/>
+                </a:ln>
+                <a:solidFill>
+                  <a:srgbClr val="A9B7C6"/>
+                </a:solidFill>
+                <a:effectLst/>
+                <a:latin typeface="Arial Unicode MS"/>
+              </a:rPr>
+              <a:t>        </a:t>
+            </a:r>
+            <a:r>
+              <a:rPr kumimoji="0" lang="en-US" altLang="en-US" sz="1000" b="0" i="0" u="none" strike="noStrike" cap="none" normalizeH="0" baseline="0">
+                <a:ln>
+                  <a:noFill/>
+                </a:ln>
+                <a:solidFill>
+                  <a:srgbClr val="94558D"/>
+                </a:solidFill>
+                <a:effectLst/>
+                <a:latin typeface="Arial Unicode MS"/>
+              </a:rPr>
+              <a:t>self</a:t>
+            </a:r>
+            <a:r>
+              <a:rPr kumimoji="0" lang="en-US" altLang="en-US" sz="1000" b="0" i="0" u="none" strike="noStrike" cap="none" normalizeH="0" baseline="0">
+                <a:ln>
+                  <a:noFill/>
+                </a:ln>
+                <a:solidFill>
+                  <a:srgbClr val="A9B7C6"/>
+                </a:solidFill>
+                <a:effectLst/>
+                <a:latin typeface="Arial Unicode MS"/>
+              </a:rPr>
+              <a:t>.driver.find_element(*LocatorsCeMerita.CE_MERITA_PAGE).click()</a:t>
+            </a:r>
+            <a:br>
+              <a:rPr kumimoji="0" lang="en-US" altLang="en-US" sz="1000" b="0" i="0" u="none" strike="noStrike" cap="none" normalizeH="0" baseline="0">
+                <a:ln>
+                  <a:noFill/>
+                </a:ln>
+                <a:solidFill>
+                  <a:srgbClr val="A9B7C6"/>
+                </a:solidFill>
+                <a:effectLst/>
+                <a:latin typeface="Arial Unicode MS"/>
+              </a:rPr>
+            </a:br>
+            <a:r>
+              <a:rPr kumimoji="0" lang="en-US" altLang="en-US" sz="1000" b="0" i="0" u="none" strike="noStrike" cap="none" normalizeH="0" baseline="0">
+                <a:ln>
+                  <a:noFill/>
+                </a:ln>
+                <a:solidFill>
+                  <a:srgbClr val="A9B7C6"/>
+                </a:solidFill>
+                <a:effectLst/>
+                <a:latin typeface="Arial Unicode MS"/>
+              </a:rPr>
+              <a:t>        </a:t>
+            </a:r>
+            <a:r>
+              <a:rPr kumimoji="0" lang="en-US" altLang="en-US" sz="1000" b="0" i="0" u="none" strike="noStrike" cap="none" normalizeH="0" baseline="0">
+                <a:ln>
+                  <a:noFill/>
+                </a:ln>
+                <a:solidFill>
+                  <a:srgbClr val="94558D"/>
+                </a:solidFill>
+                <a:effectLst/>
+                <a:latin typeface="Arial Unicode MS"/>
+              </a:rPr>
+              <a:t>self</a:t>
+            </a:r>
+            <a:r>
+              <a:rPr kumimoji="0" lang="en-US" altLang="en-US" sz="1000" b="0" i="0" u="none" strike="noStrike" cap="none" normalizeH="0" baseline="0">
+                <a:ln>
+                  <a:noFill/>
+                </a:ln>
+                <a:solidFill>
+                  <a:srgbClr val="A9B7C6"/>
+                </a:solidFill>
+                <a:effectLst/>
+                <a:latin typeface="Arial Unicode MS"/>
+              </a:rPr>
+              <a:t>.assertEqual(</a:t>
+            </a:r>
+            <a:r>
+              <a:rPr kumimoji="0" lang="en-US" altLang="en-US" sz="1000" b="0" i="0" u="none" strike="noStrike" cap="none" normalizeH="0" baseline="0">
+                <a:ln>
+                  <a:noFill/>
+                </a:ln>
+                <a:solidFill>
+                  <a:srgbClr val="94558D"/>
+                </a:solidFill>
+                <a:effectLst/>
+                <a:latin typeface="Arial Unicode MS"/>
+              </a:rPr>
+              <a:t>self</a:t>
+            </a:r>
+            <a:r>
+              <a:rPr kumimoji="0" lang="en-US" altLang="en-US" sz="1000" b="0" i="0" u="none" strike="noStrike" cap="none" normalizeH="0" baseline="0">
+                <a:ln>
+                  <a:noFill/>
+                </a:ln>
+                <a:solidFill>
+                  <a:srgbClr val="A9B7C6"/>
+                </a:solidFill>
+                <a:effectLst/>
+                <a:latin typeface="Arial Unicode MS"/>
+              </a:rPr>
+              <a:t>.driver.current_url</a:t>
+            </a:r>
+            <a:r>
+              <a:rPr kumimoji="0" lang="en-US" altLang="en-US" sz="1000" b="0" i="0" u="none" strike="noStrike" cap="none" normalizeH="0" baseline="0">
                 <a:ln>
                   <a:noFill/>
                 </a:ln>
@@ -33233,36 +34129,61 @@
                 <a:effectLst/>
                 <a:latin typeface="Arial Unicode MS"/>
               </a:rPr>
-              <a:t>def </a:t>
-            </a:r>
-            <a:r>
-              <a:rPr kumimoji="0" lang="en-US" altLang="en-US" sz="1000" b="0" i="0" u="none" strike="noStrike" cap="none" normalizeH="0" baseline="0" dirty="0">
-                <a:ln>
-                  <a:noFill/>
-                </a:ln>
-                <a:solidFill>
-                  <a:srgbClr val="FFC66D"/>
-                </a:solidFill>
-                <a:effectLst/>
-                <a:latin typeface="Arial Unicode MS"/>
-              </a:rPr>
-              <a:t>test_1_abonare_la_ce_merita_cu_invalid_email</a:t>
-            </a:r>
-            <a:r>
-              <a:rPr kumimoji="0" lang="en-US" altLang="en-US" sz="1000" b="0" i="0" u="none" strike="noStrike" cap="none" normalizeH="0" baseline="0" dirty="0">
-                <a:ln>
-                  <a:noFill/>
-                </a:ln>
-                <a:solidFill>
-                  <a:srgbClr val="A9B7C6"/>
-                </a:solidFill>
-                <a:effectLst/>
-                <a:latin typeface="Arial Unicode MS"/>
-              </a:rPr>
-              <a:t>(</a:t>
-            </a:r>
-            <a:r>
-              <a:rPr kumimoji="0" lang="en-US" altLang="en-US" sz="1000" b="0" i="0" u="none" strike="noStrike" cap="none" normalizeH="0" baseline="0" dirty="0">
+              <a:t>, </a:t>
+            </a:r>
+            <a:r>
+              <a:rPr kumimoji="0" lang="en-US" altLang="en-US" sz="1000" b="0" i="0" u="none" strike="noStrike" cap="none" normalizeH="0" baseline="0">
+                <a:ln>
+                  <a:noFill/>
+                </a:ln>
+                <a:solidFill>
+                  <a:srgbClr val="6A8759"/>
+                </a:solidFill>
+                <a:effectLst/>
+                <a:latin typeface="Arial Unicode MS"/>
+              </a:rPr>
+              <a:t>'https://medtinker.ro/ce-merita/'</a:t>
+            </a:r>
+            <a:r>
+              <a:rPr kumimoji="0" lang="en-US" altLang="en-US" sz="1000" b="0" i="0" u="none" strike="noStrike" cap="none" normalizeH="0" baseline="0">
+                <a:ln>
+                  <a:noFill/>
+                </a:ln>
+                <a:solidFill>
+                  <a:srgbClr val="A9B7C6"/>
+                </a:solidFill>
+                <a:effectLst/>
+                <a:latin typeface="Arial Unicode MS"/>
+              </a:rPr>
+              <a:t>)</a:t>
+            </a:r>
+            <a:br>
+              <a:rPr kumimoji="0" lang="en-US" altLang="en-US" sz="1000" b="0" i="0" u="none" strike="noStrike" cap="none" normalizeH="0" baseline="0">
+                <a:ln>
+                  <a:noFill/>
+                </a:ln>
+                <a:solidFill>
+                  <a:srgbClr val="A9B7C6"/>
+                </a:solidFill>
+                <a:effectLst/>
+                <a:latin typeface="Arial Unicode MS"/>
+              </a:rPr>
+            </a:br>
+            <a:r>
+              <a:rPr kumimoji="0" lang="en-US" altLang="en-US" sz="1000" b="0" i="0" u="none" strike="noStrike" cap="none" normalizeH="0" baseline="0">
+                <a:ln>
+                  <a:noFill/>
+                </a:ln>
+                <a:solidFill>
+                  <a:srgbClr val="A9B7C6"/>
+                </a:solidFill>
+                <a:effectLst/>
+                <a:latin typeface="Arial Unicode MS"/>
+              </a:rPr>
+              <a:t>        </a:t>
+            </a:r>
+            <a:r>
+              <a:rPr kumimoji="0" lang="en-US" altLang="en-US" sz="1000" b="0" i="0" u="none" strike="noStrike" cap="none" normalizeH="0" baseline="0">
                 <a:ln>
                   <a:noFill/>
                 </a:ln>
@@ -33275,20 +34196,72 @@
               <a:t>self</a:t>
             </a:r>
             <a:r>
-              <a:rPr kumimoji="0" lang="en-US" altLang="en-US" sz="1000" b="0" i="0" u="none" strike="noStrike" cap="none" normalizeH="0" baseline="0" dirty="0">
-                <a:ln>
-                  <a:noFill/>
-                </a:ln>
-                <a:solidFill>
-                  <a:srgbClr val="A9B7C6"/>
-                </a:solidFill>
-                <a:effectLst/>
-                <a:latin typeface="Arial Unicode MS"/>
-              </a:rPr>
-              <a:t>):</a:t>
+              <a:rPr kumimoji="0" lang="en-US" altLang="en-US" sz="1000" b="0" i="0" u="none" strike="noStrike" cap="none" normalizeH="0" baseline="0">
+                <a:ln>
+                  <a:noFill/>
+                </a:ln>
+                <a:solidFill>
+                  <a:srgbClr val="A9B7C6"/>
+                </a:solidFill>
+                <a:effectLst/>
+                <a:latin typeface="Arial Unicode MS"/>
+              </a:rPr>
+              <a:t>.driver.find_elements(*LocatorsCeMerita.CUM_TE_CHEAMA)[</a:t>
+            </a:r>
+            <a:r>
+              <a:rPr kumimoji="0" lang="en-US" altLang="en-US" sz="1000" b="0" i="0" u="none" strike="noStrike" cap="none" normalizeH="0" baseline="0">
+                <a:ln>
+                  <a:noFill/>
+                </a:ln>
+                <a:solidFill>
+                  <a:srgbClr val="6897BB"/>
+                </a:solidFill>
+                <a:effectLst/>
+                <a:latin typeface="Arial Unicode MS"/>
+              </a:rPr>
+              <a:t>0</a:t>
+            </a:r>
+            <a:r>
+              <a:rPr kumimoji="0" lang="en-US" altLang="en-US" sz="1000" b="0" i="0" u="none" strike="noStrike" cap="none" normalizeH="0" baseline="0">
+                <a:ln>
+                  <a:noFill/>
+                </a:ln>
+                <a:solidFill>
+                  <a:srgbClr val="A9B7C6"/>
+                </a:solidFill>
+                <a:effectLst/>
+                <a:latin typeface="Arial Unicode MS"/>
+              </a:rPr>
+              <a:t>].send_keys(</a:t>
+            </a:r>
+            <a:r>
+              <a:rPr kumimoji="0" lang="en-US" altLang="en-US" sz="1000" b="0" i="0" u="none" strike="noStrike" cap="none" normalizeH="0" baseline="0">
+                <a:ln>
+                  <a:noFill/>
+                </a:ln>
+                <a:solidFill>
+                  <a:srgbClr val="6A8759"/>
+                </a:solidFill>
+                <a:effectLst/>
+                <a:latin typeface="Arial Unicode MS"/>
+              </a:rPr>
+              <a:t>'david'</a:t>
+            </a:r>
+            <a:r>
+              <a:rPr kumimoji="0" lang="en-US" altLang="en-US" sz="1000" b="0" i="0" u="none" strike="noStrike" cap="none" normalizeH="0" baseline="0">
+                <a:ln>
+                  <a:noFill/>
+                </a:ln>
+                <a:solidFill>
+                  <a:srgbClr val="A9B7C6"/>
+                </a:solidFill>
+                <a:effectLst/>
+                <a:latin typeface="Arial Unicode MS"/>
+              </a:rPr>
+              <a:t>)</a:t>
             </a:r>
             <a:br>
-              <a:rPr kumimoji="0" lang="en-US" altLang="en-US" sz="1000" b="0" i="0" u="none" strike="noStrike" cap="none" normalizeH="0" baseline="0" dirty="0">
+              <a:rPr kumimoji="0" lang="en-US" altLang="en-US" sz="1000" b="0" i="0" u="none" strike="noStrike" cap="none" normalizeH="0" baseline="0">
                 <a:ln>
                   <a:noFill/>
                 </a:ln>
@@ -33300,7 +34273,7 @@
               </a:rPr>
             </a:br>
             <a:r>
-              <a:rPr kumimoji="0" lang="en-US" altLang="en-US" sz="1000" b="0" i="0" u="none" strike="noStrike" cap="none" normalizeH="0" baseline="0" dirty="0">
+              <a:rPr kumimoji="0" lang="en-US" altLang="en-US" sz="1000" b="0" i="0" u="none" strike="noStrike" cap="none" normalizeH="0" baseline="0">
                 <a:ln>
                   <a:noFill/>
                 </a:ln>
@@ -33313,7 +34286,7 @@
               <a:t>        </a:t>
             </a:r>
             <a:r>
-              <a:rPr kumimoji="0" lang="en-US" altLang="en-US" sz="1000" b="0" i="0" u="none" strike="noStrike" cap="none" normalizeH="0" baseline="0" dirty="0" err="1">
+              <a:rPr kumimoji="0" lang="en-US" altLang="en-US" sz="1000" b="0" i="0" u="none" strike="noStrike" cap="none" normalizeH="0" baseline="0">
                 <a:ln>
                   <a:noFill/>
                 </a:ln>
@@ -33326,59 +34299,46 @@
               <a:t>self</a:t>
             </a:r>
             <a:r>
-              <a:rPr kumimoji="0" lang="en-US" altLang="en-US" sz="1000" b="0" i="0" u="none" strike="noStrike" cap="none" normalizeH="0" baseline="0" dirty="0" err="1">
-                <a:ln>
-                  <a:noFill/>
-                </a:ln>
-                <a:solidFill>
-                  <a:srgbClr val="A9B7C6"/>
-                </a:solidFill>
-                <a:effectLst/>
-                <a:latin typeface="Arial Unicode MS"/>
-              </a:rPr>
-              <a:t>.driver.find_element</a:t>
-            </a:r>
-            <a:r>
-              <a:rPr kumimoji="0" lang="en-US" altLang="en-US" sz="1000" b="0" i="0" u="none" strike="noStrike" cap="none" normalizeH="0" baseline="0" dirty="0">
-                <a:ln>
-                  <a:noFill/>
-                </a:ln>
-                <a:solidFill>
-                  <a:srgbClr val="A9B7C6"/>
-                </a:solidFill>
-                <a:effectLst/>
-                <a:latin typeface="Arial Unicode MS"/>
-              </a:rPr>
-              <a:t>(*</a:t>
-            </a:r>
-            <a:r>
-              <a:rPr kumimoji="0" lang="en-US" altLang="en-US" sz="1000" b="0" i="0" u="none" strike="noStrike" cap="none" normalizeH="0" baseline="0" dirty="0" err="1">
-                <a:ln>
-                  <a:noFill/>
-                </a:ln>
-                <a:solidFill>
-                  <a:srgbClr val="A9B7C6"/>
-                </a:solidFill>
-                <a:effectLst/>
-                <a:latin typeface="Arial Unicode MS"/>
-              </a:rPr>
-              <a:t>LocatorsCeMerita.CE_MERITA_PAGE</a:t>
-            </a:r>
-            <a:r>
-              <a:rPr kumimoji="0" lang="en-US" altLang="en-US" sz="1000" b="0" i="0" u="none" strike="noStrike" cap="none" normalizeH="0" baseline="0" dirty="0">
-                <a:ln>
-                  <a:noFill/>
-                </a:ln>
-                <a:solidFill>
-                  <a:srgbClr val="A9B7C6"/>
-                </a:solidFill>
-                <a:effectLst/>
-                <a:latin typeface="Arial Unicode MS"/>
-              </a:rPr>
-              <a:t>).click()</a:t>
+              <a:rPr kumimoji="0" lang="en-US" altLang="en-US" sz="1000" b="0" i="0" u="none" strike="noStrike" cap="none" normalizeH="0" baseline="0">
+                <a:ln>
+                  <a:noFill/>
+                </a:ln>
+                <a:solidFill>
+                  <a:srgbClr val="A9B7C6"/>
+                </a:solidFill>
+                <a:effectLst/>
+                <a:latin typeface="Arial Unicode MS"/>
+              </a:rPr>
+              <a:t>.driver.find_element(*LocatorsCeMerita.ADRESA_EMAIL).send_keys(</a:t>
+            </a:r>
+            <a:r>
+              <a:rPr kumimoji="0" lang="en-US" altLang="en-US" sz="1000" b="0" i="0" u="none" strike="noStrike" cap="none" normalizeH="0" baseline="0">
+                <a:ln>
+                  <a:noFill/>
+                </a:ln>
+                <a:solidFill>
+                  <a:srgbClr val="6A8759"/>
+                </a:solidFill>
+                <a:effectLst/>
+                <a:latin typeface="Arial Unicode MS"/>
+              </a:rPr>
+              <a:t>'godavid128@gmail.com'</a:t>
+            </a:r>
+            <a:r>
+              <a:rPr kumimoji="0" lang="en-US" altLang="en-US" sz="1000" b="0" i="0" u="none" strike="noStrike" cap="none" normalizeH="0" baseline="0">
+                <a:ln>
+                  <a:noFill/>
+                </a:ln>
+                <a:solidFill>
+                  <a:srgbClr val="A9B7C6"/>
+                </a:solidFill>
+                <a:effectLst/>
+                <a:latin typeface="Arial Unicode MS"/>
+              </a:rPr>
+              <a:t>)</a:t>
             </a:r>
             <a:br>
-              <a:rPr kumimoji="0" lang="en-US" altLang="en-US" sz="1000" b="0" i="0" u="none" strike="noStrike" cap="none" normalizeH="0" baseline="0" dirty="0">
+              <a:rPr kumimoji="0" lang="en-US" altLang="en-US" sz="1000" b="0" i="0" u="none" strike="noStrike" cap="none" normalizeH="0" baseline="0">
                 <a:ln>
                   <a:noFill/>
                 </a:ln>
@@ -33390,7 +34350,7 @@
               </a:rPr>
             </a:br>
             <a:r>
-              <a:rPr kumimoji="0" lang="en-US" altLang="en-US" sz="1000" b="0" i="0" u="none" strike="noStrike" cap="none" normalizeH="0" baseline="0" dirty="0">
+              <a:rPr kumimoji="0" lang="en-US" altLang="en-US" sz="1000" b="0" i="0" u="none" strike="noStrike" cap="none" normalizeH="0" baseline="0">
                 <a:ln>
                   <a:noFill/>
                 </a:ln>
@@ -33403,7 +34363,7 @@
               <a:t>        </a:t>
             </a:r>
             <a:r>
-              <a:rPr kumimoji="0" lang="en-US" altLang="en-US" sz="1000" b="0" i="0" u="none" strike="noStrike" cap="none" normalizeH="0" baseline="0" dirty="0" err="1">
+              <a:rPr kumimoji="0" lang="en-US" altLang="en-US" sz="1000" b="0" i="0" u="none" strike="noStrike" cap="none" normalizeH="0" baseline="0">
                 <a:ln>
                   <a:noFill/>
                 </a:ln>
@@ -33416,33 +34376,45 @@
               <a:t>self</a:t>
             </a:r>
             <a:r>
-              <a:rPr kumimoji="0" lang="en-US" altLang="en-US" sz="1000" b="0" i="0" u="none" strike="noStrike" cap="none" normalizeH="0" baseline="0" dirty="0" err="1">
-                <a:ln>
-                  <a:noFill/>
-                </a:ln>
-                <a:solidFill>
-                  <a:srgbClr val="A9B7C6"/>
-                </a:solidFill>
-                <a:effectLst/>
-                <a:latin typeface="Arial Unicode MS"/>
-              </a:rPr>
-              <a:t>.assertEqual</a:t>
-            </a:r>
-            <a:r>
-              <a:rPr kumimoji="0" lang="en-US" altLang="en-US" sz="1000" b="0" i="0" u="none" strike="noStrike" cap="none" normalizeH="0" baseline="0" dirty="0">
-                <a:ln>
-                  <a:noFill/>
-                </a:ln>
-                <a:solidFill>
-                  <a:srgbClr val="A9B7C6"/>
-                </a:solidFill>
-                <a:effectLst/>
-                <a:latin typeface="Arial Unicode MS"/>
-              </a:rPr>
-              <a:t>(</a:t>
-            </a:r>
-            <a:r>
-              <a:rPr kumimoji="0" lang="en-US" altLang="en-US" sz="1000" b="0" i="0" u="none" strike="noStrike" cap="none" normalizeH="0" baseline="0" dirty="0" err="1">
+              <a:rPr kumimoji="0" lang="en-US" altLang="en-US" sz="1000" b="0" i="0" u="none" strike="noStrike" cap="none" normalizeH="0" baseline="0">
+                <a:ln>
+                  <a:noFill/>
+                </a:ln>
+                <a:solidFill>
+                  <a:srgbClr val="A9B7C6"/>
+                </a:solidFill>
+                <a:effectLst/>
+                <a:latin typeface="Arial Unicode MS"/>
+              </a:rPr>
+              <a:t>.driver.find_element(*LocatorsCeMerita.BIFARE_TERM_COND_CE_MERITA).click()</a:t>
+            </a:r>
+            <a:br>
+              <a:rPr kumimoji="0" lang="en-US" altLang="en-US" sz="1000" b="0" i="0" u="none" strike="noStrike" cap="none" normalizeH="0" baseline="0">
+                <a:ln>
+                  <a:noFill/>
+                </a:ln>
+                <a:solidFill>
+                  <a:srgbClr val="A9B7C6"/>
+                </a:solidFill>
+                <a:effectLst/>
+                <a:latin typeface="Arial Unicode MS"/>
+              </a:rPr>
+            </a:br>
+            <a:r>
+              <a:rPr kumimoji="0" lang="en-US" altLang="en-US" sz="1000" b="0" i="0" u="none" strike="noStrike" cap="none" normalizeH="0" baseline="0">
+                <a:ln>
+                  <a:noFill/>
+                </a:ln>
+                <a:solidFill>
+                  <a:srgbClr val="A9B7C6"/>
+                </a:solidFill>
+                <a:effectLst/>
+                <a:latin typeface="Arial Unicode MS"/>
+              </a:rPr>
+              <a:t>        </a:t>
+            </a:r>
+            <a:r>
+              <a:rPr kumimoji="0" lang="en-US" altLang="en-US" sz="1000" b="0" i="0" u="none" strike="noStrike" cap="none" normalizeH="0" baseline="0">
                 <a:ln>
                   <a:noFill/>
                 </a:ln>
@@ -33455,20 +34427,224 @@
               <a:t>self</a:t>
             </a:r>
             <a:r>
-              <a:rPr kumimoji="0" lang="en-US" altLang="en-US" sz="1000" b="0" i="0" u="none" strike="noStrike" cap="none" normalizeH="0" baseline="0" dirty="0" err="1">
-                <a:ln>
-                  <a:noFill/>
-                </a:ln>
-                <a:solidFill>
-                  <a:srgbClr val="A9B7C6"/>
-                </a:solidFill>
-                <a:effectLst/>
-                <a:latin typeface="Arial Unicode MS"/>
-              </a:rPr>
-              <a:t>.driver.current_url</a:t>
-            </a:r>
-            <a:r>
-              <a:rPr kumimoji="0" lang="en-US" altLang="en-US" sz="1000" b="0" i="0" u="none" strike="noStrike" cap="none" normalizeH="0" baseline="0" dirty="0">
+              <a:rPr kumimoji="0" lang="en-US" altLang="en-US" sz="1000" b="0" i="0" u="none" strike="noStrike" cap="none" normalizeH="0" baseline="0">
+                <a:ln>
+                  <a:noFill/>
+                </a:ln>
+                <a:solidFill>
+                  <a:srgbClr val="A9B7C6"/>
+                </a:solidFill>
+                <a:effectLst/>
+                <a:latin typeface="Arial Unicode MS"/>
+              </a:rPr>
+              <a:t>.driver.find_element(*LocatorsCeMerita.BIFARE_ACORD_NEWSLETTER).click()</a:t>
+            </a:r>
+            <a:br>
+              <a:rPr kumimoji="0" lang="en-US" altLang="en-US" sz="1000" b="0" i="0" u="none" strike="noStrike" cap="none" normalizeH="0" baseline="0">
+                <a:ln>
+                  <a:noFill/>
+                </a:ln>
+                <a:solidFill>
+                  <a:srgbClr val="A9B7C6"/>
+                </a:solidFill>
+                <a:effectLst/>
+                <a:latin typeface="Arial Unicode MS"/>
+              </a:rPr>
+            </a:br>
+            <a:r>
+              <a:rPr kumimoji="0" lang="en-US" altLang="en-US" sz="1000" b="0" i="0" u="none" strike="noStrike" cap="none" normalizeH="0" baseline="0">
+                <a:ln>
+                  <a:noFill/>
+                </a:ln>
+                <a:solidFill>
+                  <a:srgbClr val="A9B7C6"/>
+                </a:solidFill>
+                <a:effectLst/>
+                <a:latin typeface="Arial Unicode MS"/>
+              </a:rPr>
+              <a:t>        </a:t>
+            </a:r>
+            <a:r>
+              <a:rPr kumimoji="0" lang="en-US" altLang="en-US" sz="1000" b="0" i="0" u="none" strike="noStrike" cap="none" normalizeH="0" baseline="0">
+                <a:ln>
+                  <a:noFill/>
+                </a:ln>
+                <a:solidFill>
+                  <a:srgbClr val="94558D"/>
+                </a:solidFill>
+                <a:effectLst/>
+                <a:latin typeface="Arial Unicode MS"/>
+              </a:rPr>
+              <a:t>self</a:t>
+            </a:r>
+            <a:r>
+              <a:rPr kumimoji="0" lang="en-US" altLang="en-US" sz="1000" b="0" i="0" u="none" strike="noStrike" cap="none" normalizeH="0" baseline="0">
+                <a:ln>
+                  <a:noFill/>
+                </a:ln>
+                <a:solidFill>
+                  <a:srgbClr val="A9B7C6"/>
+                </a:solidFill>
+                <a:effectLst/>
+                <a:latin typeface="Arial Unicode MS"/>
+              </a:rPr>
+              <a:t>.driver.find_element(*LocatorsCeMerita.CLICK_VREAU_SA_AFLU_CE_MERITA).click()</a:t>
+            </a:r>
+            <a:br>
+              <a:rPr kumimoji="0" lang="en-US" altLang="en-US" sz="1000" b="0" i="0" u="none" strike="noStrike" cap="none" normalizeH="0" baseline="0">
+                <a:ln>
+                  <a:noFill/>
+                </a:ln>
+                <a:solidFill>
+                  <a:srgbClr val="A9B7C6"/>
+                </a:solidFill>
+                <a:effectLst/>
+                <a:latin typeface="Arial Unicode MS"/>
+              </a:rPr>
+            </a:br>
+            <a:r>
+              <a:rPr kumimoji="0" lang="en-US" altLang="en-US" sz="1000" b="0" i="0" u="none" strike="noStrike" cap="none" normalizeH="0" baseline="0">
+                <a:ln>
+                  <a:noFill/>
+                </a:ln>
+                <a:solidFill>
+                  <a:srgbClr val="A9B7C6"/>
+                </a:solidFill>
+                <a:effectLst/>
+                <a:latin typeface="Arial Unicode MS"/>
+              </a:rPr>
+              <a:t>        time.sleep(</a:t>
+            </a:r>
+            <a:r>
+              <a:rPr kumimoji="0" lang="en-US" altLang="en-US" sz="1000" b="0" i="0" u="none" strike="noStrike" cap="none" normalizeH="0" baseline="0">
+                <a:ln>
+                  <a:noFill/>
+                </a:ln>
+                <a:solidFill>
+                  <a:srgbClr val="6897BB"/>
+                </a:solidFill>
+                <a:effectLst/>
+                <a:latin typeface="Arial Unicode MS"/>
+              </a:rPr>
+              <a:t>3</a:t>
+            </a:r>
+            <a:r>
+              <a:rPr kumimoji="0" lang="en-US" altLang="en-US" sz="1000" b="0" i="0" u="none" strike="noStrike" cap="none" normalizeH="0" baseline="0">
+                <a:ln>
+                  <a:noFill/>
+                </a:ln>
+                <a:solidFill>
+                  <a:srgbClr val="A9B7C6"/>
+                </a:solidFill>
+                <a:effectLst/>
+                <a:latin typeface="Arial Unicode MS"/>
+              </a:rPr>
+              <a:t>)</a:t>
+            </a:r>
+            <a:br>
+              <a:rPr kumimoji="0" lang="en-US" altLang="en-US" sz="1000" b="0" i="0" u="none" strike="noStrike" cap="none" normalizeH="0" baseline="0">
+                <a:ln>
+                  <a:noFill/>
+                </a:ln>
+                <a:solidFill>
+                  <a:srgbClr val="A9B7C6"/>
+                </a:solidFill>
+                <a:effectLst/>
+                <a:latin typeface="Arial Unicode MS"/>
+              </a:rPr>
+            </a:br>
+            <a:r>
+              <a:rPr kumimoji="0" lang="en-US" altLang="en-US" sz="1000" b="0" i="0" u="none" strike="noStrike" cap="none" normalizeH="0" baseline="0">
+                <a:ln>
+                  <a:noFill/>
+                </a:ln>
+                <a:solidFill>
+                  <a:srgbClr val="A9B7C6"/>
+                </a:solidFill>
+                <a:effectLst/>
+                <a:latin typeface="Arial Unicode MS"/>
+              </a:rPr>
+              <a:t>        mesaj_de_succes = </a:t>
+            </a:r>
+            <a:r>
+              <a:rPr kumimoji="0" lang="en-US" altLang="en-US" sz="1000" b="0" i="0" u="none" strike="noStrike" cap="none" normalizeH="0" baseline="0">
+                <a:ln>
+                  <a:noFill/>
+                </a:ln>
+                <a:solidFill>
+                  <a:srgbClr val="94558D"/>
+                </a:solidFill>
+                <a:effectLst/>
+                <a:latin typeface="Arial Unicode MS"/>
+              </a:rPr>
+              <a:t>self</a:t>
+            </a:r>
+            <a:r>
+              <a:rPr kumimoji="0" lang="en-US" altLang="en-US" sz="1000" b="0" i="0" u="none" strike="noStrike" cap="none" normalizeH="0" baseline="0">
+                <a:ln>
+                  <a:noFill/>
+                </a:ln>
+                <a:solidFill>
+                  <a:srgbClr val="A9B7C6"/>
+                </a:solidFill>
+                <a:effectLst/>
+                <a:latin typeface="Arial Unicode MS"/>
+              </a:rPr>
+              <a:t>.driver.find_element(*LocatorsCeMerita.MESAJ_DE_SUCCESS).text</a:t>
+            </a:r>
+            <a:br>
+              <a:rPr kumimoji="0" lang="en-US" altLang="en-US" sz="1000" b="0" i="0" u="none" strike="noStrike" cap="none" normalizeH="0" baseline="0">
+                <a:ln>
+                  <a:noFill/>
+                </a:ln>
+                <a:solidFill>
+                  <a:srgbClr val="A9B7C6"/>
+                </a:solidFill>
+                <a:effectLst/>
+                <a:latin typeface="Arial Unicode MS"/>
+              </a:rPr>
+            </a:br>
+            <a:r>
+              <a:rPr kumimoji="0" lang="en-US" altLang="en-US" sz="1000" b="0" i="0" u="none" strike="noStrike" cap="none" normalizeH="0" baseline="0">
+                <a:ln>
+                  <a:noFill/>
+                </a:ln>
+                <a:solidFill>
+                  <a:srgbClr val="A9B7C6"/>
+                </a:solidFill>
+                <a:effectLst/>
+                <a:latin typeface="Arial Unicode MS"/>
+              </a:rPr>
+              <a:t>        </a:t>
+            </a:r>
+            <a:r>
+              <a:rPr kumimoji="0" lang="en-US" altLang="en-US" sz="1000" b="0" i="0" u="none" strike="noStrike" cap="none" normalizeH="0" baseline="0">
+                <a:ln>
+                  <a:noFill/>
+                </a:ln>
+                <a:solidFill>
+                  <a:srgbClr val="94558D"/>
+                </a:solidFill>
+                <a:effectLst/>
+                <a:latin typeface="Arial Unicode MS"/>
+              </a:rPr>
+              <a:t>self</a:t>
+            </a:r>
+            <a:r>
+              <a:rPr kumimoji="0" lang="en-US" altLang="en-US" sz="1000" b="0" i="0" u="none" strike="noStrike" cap="none" normalizeH="0" baseline="0">
+                <a:ln>
+                  <a:noFill/>
+                </a:ln>
+                <a:solidFill>
+                  <a:srgbClr val="A9B7C6"/>
+                </a:solidFill>
+                <a:effectLst/>
+                <a:latin typeface="Arial Unicode MS"/>
+              </a:rPr>
+              <a:t>.assertEqual(mesaj_de_succes</a:t>
+            </a:r>
+            <a:r>
+              <a:rPr kumimoji="0" lang="en-US" altLang="en-US" sz="1000" b="0" i="0" u="none" strike="noStrike" cap="none" normalizeH="0" baseline="0">
                 <a:ln>
                   <a:noFill/>
                 </a:ln>
@@ -33481,7 +34657,7 @@
               <a:t>, </a:t>
             </a:r>
             <a:r>
-              <a:rPr kumimoji="0" lang="en-US" altLang="en-US" sz="1000" b="0" i="0" u="none" strike="noStrike" cap="none" normalizeH="0" baseline="0" dirty="0">
+              <a:rPr kumimoji="0" lang="en-US" altLang="en-US" sz="1000" b="0" i="0" u="none" strike="noStrike" cap="none" normalizeH="0" baseline="0">
                 <a:ln>
                   <a:noFill/>
                 </a:ln>
@@ -33491,36 +34667,10 @@
                 <a:effectLst/>
                 <a:latin typeface="Arial Unicode MS"/>
               </a:rPr>
-              <a:t>'https://medtinker.ro/</a:t>
-            </a:r>
-            <a:r>
-              <a:rPr kumimoji="0" lang="en-US" altLang="en-US" sz="1000" b="0" i="0" u="none" strike="noStrike" cap="none" normalizeH="0" baseline="0" dirty="0" err="1">
-                <a:ln>
-                  <a:noFill/>
-                </a:ln>
-                <a:solidFill>
-                  <a:srgbClr val="6A8759"/>
-                </a:solidFill>
-                <a:effectLst/>
-                <a:latin typeface="Arial Unicode MS"/>
-              </a:rPr>
-              <a:t>ce-merita</a:t>
-            </a:r>
-            <a:r>
-              <a:rPr kumimoji="0" lang="en-US" altLang="en-US" sz="1000" b="0" i="0" u="none" strike="noStrike" cap="none" normalizeH="0" baseline="0" dirty="0">
-                <a:ln>
-                  <a:noFill/>
-                </a:ln>
-                <a:solidFill>
-                  <a:srgbClr val="6A8759"/>
-                </a:solidFill>
-                <a:effectLst/>
-                <a:latin typeface="Arial Unicode MS"/>
-              </a:rPr>
-              <a:t>/'</a:t>
-            </a:r>
-            <a:r>
-              <a:rPr kumimoji="0" lang="en-US" altLang="en-US" sz="1000" b="0" i="0" u="none" strike="noStrike" cap="none" normalizeH="0" baseline="0" dirty="0">
+              <a:t>'Gata! Primul e-mail e deja pe drum.'</a:t>
+            </a:r>
+            <a:r>
+              <a:rPr kumimoji="0" lang="en-US" altLang="en-US" sz="1000" b="0" i="0" u="none" strike="noStrike" cap="none" normalizeH="0" baseline="0">
                 <a:ln>
                   <a:noFill/>
                 </a:ln>
@@ -33533,7 +34683,7 @@
               <a:t>)</a:t>
             </a:r>
             <a:br>
-              <a:rPr kumimoji="0" lang="en-US" altLang="en-US" sz="1000" b="0" i="0" u="none" strike="noStrike" cap="none" normalizeH="0" baseline="0" dirty="0">
+              <a:rPr kumimoji="0" lang="en-US" altLang="en-US" sz="1000" b="0" i="0" u="none" strike="noStrike" cap="none" normalizeH="0" baseline="0">
                 <a:ln>
                   <a:noFill/>
                 </a:ln>
@@ -33544,2443 +34694,7 @@
                 <a:latin typeface="Arial Unicode MS"/>
               </a:rPr>
             </a:br>
-            <a:r>
-              <a:rPr kumimoji="0" lang="en-US" altLang="en-US" sz="1000" b="0" i="0" u="none" strike="noStrike" cap="none" normalizeH="0" baseline="0" dirty="0">
-                <a:ln>
-                  <a:noFill/>
-                </a:ln>
-                <a:solidFill>
-                  <a:srgbClr val="A9B7C6"/>
-                </a:solidFill>
-                <a:effectLst/>
-                <a:latin typeface="Arial Unicode MS"/>
-              </a:rPr>
-              <a:t>        </a:t>
-            </a:r>
-            <a:r>
-              <a:rPr kumimoji="0" lang="en-US" altLang="en-US" sz="1000" b="0" i="0" u="none" strike="noStrike" cap="none" normalizeH="0" baseline="0" dirty="0" err="1">
-                <a:ln>
-                  <a:noFill/>
-                </a:ln>
-                <a:solidFill>
-                  <a:srgbClr val="94558D"/>
-                </a:solidFill>
-                <a:effectLst/>
-                <a:latin typeface="Arial Unicode MS"/>
-              </a:rPr>
-              <a:t>self</a:t>
-            </a:r>
-            <a:r>
-              <a:rPr kumimoji="0" lang="en-US" altLang="en-US" sz="1000" b="0" i="0" u="none" strike="noStrike" cap="none" normalizeH="0" baseline="0" dirty="0" err="1">
-                <a:ln>
-                  <a:noFill/>
-                </a:ln>
-                <a:solidFill>
-                  <a:srgbClr val="A9B7C6"/>
-                </a:solidFill>
-                <a:effectLst/>
-                <a:latin typeface="Arial Unicode MS"/>
-              </a:rPr>
-              <a:t>.driver.find_elements</a:t>
-            </a:r>
-            <a:r>
-              <a:rPr kumimoji="0" lang="en-US" altLang="en-US" sz="1000" b="0" i="0" u="none" strike="noStrike" cap="none" normalizeH="0" baseline="0" dirty="0">
-                <a:ln>
-                  <a:noFill/>
-                </a:ln>
-                <a:solidFill>
-                  <a:srgbClr val="A9B7C6"/>
-                </a:solidFill>
-                <a:effectLst/>
-                <a:latin typeface="Arial Unicode MS"/>
-              </a:rPr>
-              <a:t>(*</a:t>
-            </a:r>
-            <a:r>
-              <a:rPr kumimoji="0" lang="en-US" altLang="en-US" sz="1000" b="0" i="0" u="none" strike="noStrike" cap="none" normalizeH="0" baseline="0" dirty="0" err="1">
-                <a:ln>
-                  <a:noFill/>
-                </a:ln>
-                <a:solidFill>
-                  <a:srgbClr val="A9B7C6"/>
-                </a:solidFill>
-                <a:effectLst/>
-                <a:latin typeface="Arial Unicode MS"/>
-              </a:rPr>
-              <a:t>LocatorsCeMerita.CUM_TE_CHEAMA</a:t>
-            </a:r>
-            <a:r>
-              <a:rPr kumimoji="0" lang="en-US" altLang="en-US" sz="1000" b="0" i="0" u="none" strike="noStrike" cap="none" normalizeH="0" baseline="0" dirty="0">
-                <a:ln>
-                  <a:noFill/>
-                </a:ln>
-                <a:solidFill>
-                  <a:srgbClr val="A9B7C6"/>
-                </a:solidFill>
-                <a:effectLst/>
-                <a:latin typeface="Arial Unicode MS"/>
-              </a:rPr>
-              <a:t>)[</a:t>
-            </a:r>
-            <a:r>
-              <a:rPr kumimoji="0" lang="en-US" altLang="en-US" sz="1000" b="0" i="0" u="none" strike="noStrike" cap="none" normalizeH="0" baseline="0" dirty="0">
-                <a:ln>
-                  <a:noFill/>
-                </a:ln>
-                <a:solidFill>
-                  <a:srgbClr val="6897BB"/>
-                </a:solidFill>
-                <a:effectLst/>
-                <a:latin typeface="Arial Unicode MS"/>
-              </a:rPr>
-              <a:t>0</a:t>
-            </a:r>
-            <a:r>
-              <a:rPr kumimoji="0" lang="en-US" altLang="en-US" sz="1000" b="0" i="0" u="none" strike="noStrike" cap="none" normalizeH="0" baseline="0" dirty="0">
-                <a:ln>
-                  <a:noFill/>
-                </a:ln>
-                <a:solidFill>
-                  <a:srgbClr val="A9B7C6"/>
-                </a:solidFill>
-                <a:effectLst/>
-                <a:latin typeface="Arial Unicode MS"/>
-              </a:rPr>
-              <a:t>].</a:t>
-            </a:r>
-            <a:r>
-              <a:rPr kumimoji="0" lang="en-US" altLang="en-US" sz="1000" b="0" i="0" u="none" strike="noStrike" cap="none" normalizeH="0" baseline="0" dirty="0" err="1">
-                <a:ln>
-                  <a:noFill/>
-                </a:ln>
-                <a:solidFill>
-                  <a:srgbClr val="A9B7C6"/>
-                </a:solidFill>
-                <a:effectLst/>
-                <a:latin typeface="Arial Unicode MS"/>
-              </a:rPr>
-              <a:t>send_keys</a:t>
-            </a:r>
-            <a:r>
-              <a:rPr kumimoji="0" lang="en-US" altLang="en-US" sz="1000" b="0" i="0" u="none" strike="noStrike" cap="none" normalizeH="0" baseline="0" dirty="0">
-                <a:ln>
-                  <a:noFill/>
-                </a:ln>
-                <a:solidFill>
-                  <a:srgbClr val="A9B7C6"/>
-                </a:solidFill>
-                <a:effectLst/>
-                <a:latin typeface="Arial Unicode MS"/>
-              </a:rPr>
-              <a:t>(</a:t>
-            </a:r>
-            <a:r>
-              <a:rPr kumimoji="0" lang="en-US" altLang="en-US" sz="1000" b="0" i="0" u="none" strike="noStrike" cap="none" normalizeH="0" baseline="0" dirty="0">
-                <a:ln>
-                  <a:noFill/>
-                </a:ln>
-                <a:solidFill>
-                  <a:srgbClr val="6A8759"/>
-                </a:solidFill>
-                <a:effectLst/>
-                <a:latin typeface="Arial Unicode MS"/>
-              </a:rPr>
-              <a:t>'david'</a:t>
-            </a:r>
-            <a:r>
-              <a:rPr kumimoji="0" lang="en-US" altLang="en-US" sz="1000" b="0" i="0" u="none" strike="noStrike" cap="none" normalizeH="0" baseline="0" dirty="0">
-                <a:ln>
-                  <a:noFill/>
-                </a:ln>
-                <a:solidFill>
-                  <a:srgbClr val="A9B7C6"/>
-                </a:solidFill>
-                <a:effectLst/>
-                <a:latin typeface="Arial Unicode MS"/>
-              </a:rPr>
-              <a:t>)</a:t>
-            </a:r>
-            <a:br>
-              <a:rPr kumimoji="0" lang="en-US" altLang="en-US" sz="1000" b="0" i="0" u="none" strike="noStrike" cap="none" normalizeH="0" baseline="0" dirty="0">
-                <a:ln>
-                  <a:noFill/>
-                </a:ln>
-                <a:solidFill>
-                  <a:srgbClr val="A9B7C6"/>
-                </a:solidFill>
-                <a:effectLst/>
-                <a:latin typeface="Arial Unicode MS"/>
-              </a:rPr>
-            </a:br>
-            <a:r>
-              <a:rPr kumimoji="0" lang="en-US" altLang="en-US" sz="1000" b="0" i="0" u="none" strike="noStrike" cap="none" normalizeH="0" baseline="0" dirty="0">
-                <a:ln>
-                  <a:noFill/>
-                </a:ln>
-                <a:solidFill>
-                  <a:srgbClr val="A9B7C6"/>
-                </a:solidFill>
-                <a:effectLst/>
-                <a:latin typeface="Arial Unicode MS"/>
-              </a:rPr>
-              <a:t>        </a:t>
-            </a:r>
-            <a:r>
-              <a:rPr kumimoji="0" lang="en-US" altLang="en-US" sz="1000" b="0" i="0" u="none" strike="noStrike" cap="none" normalizeH="0" baseline="0" dirty="0" err="1">
-                <a:ln>
-                  <a:noFill/>
-                </a:ln>
-                <a:solidFill>
-                  <a:srgbClr val="94558D"/>
-                </a:solidFill>
-                <a:effectLst/>
-                <a:latin typeface="Arial Unicode MS"/>
-              </a:rPr>
-              <a:t>self</a:t>
-            </a:r>
-            <a:r>
-              <a:rPr kumimoji="0" lang="en-US" altLang="en-US" sz="1000" b="0" i="0" u="none" strike="noStrike" cap="none" normalizeH="0" baseline="0" dirty="0" err="1">
-                <a:ln>
-                  <a:noFill/>
-                </a:ln>
-                <a:solidFill>
-                  <a:srgbClr val="A9B7C6"/>
-                </a:solidFill>
-                <a:effectLst/>
-                <a:latin typeface="Arial Unicode MS"/>
-              </a:rPr>
-              <a:t>.driver.find_element</a:t>
-            </a:r>
-            <a:r>
-              <a:rPr kumimoji="0" lang="en-US" altLang="en-US" sz="1000" b="0" i="0" u="none" strike="noStrike" cap="none" normalizeH="0" baseline="0" dirty="0">
-                <a:ln>
-                  <a:noFill/>
-                </a:ln>
-                <a:solidFill>
-                  <a:srgbClr val="A9B7C6"/>
-                </a:solidFill>
-                <a:effectLst/>
-                <a:latin typeface="Arial Unicode MS"/>
-              </a:rPr>
-              <a:t>(*</a:t>
-            </a:r>
-            <a:r>
-              <a:rPr kumimoji="0" lang="en-US" altLang="en-US" sz="1000" b="0" i="0" u="none" strike="noStrike" cap="none" normalizeH="0" baseline="0" dirty="0" err="1">
-                <a:ln>
-                  <a:noFill/>
-                </a:ln>
-                <a:solidFill>
-                  <a:srgbClr val="A9B7C6"/>
-                </a:solidFill>
-                <a:effectLst/>
-                <a:latin typeface="Arial Unicode MS"/>
-              </a:rPr>
-              <a:t>LocatorsCeMerita.ADRESA_EMAIL</a:t>
-            </a:r>
-            <a:r>
-              <a:rPr kumimoji="0" lang="en-US" altLang="en-US" sz="1000" b="0" i="0" u="none" strike="noStrike" cap="none" normalizeH="0" baseline="0" dirty="0">
-                <a:ln>
-                  <a:noFill/>
-                </a:ln>
-                <a:solidFill>
-                  <a:srgbClr val="A9B7C6"/>
-                </a:solidFill>
-                <a:effectLst/>
-                <a:latin typeface="Arial Unicode MS"/>
-              </a:rPr>
-              <a:t>).</a:t>
-            </a:r>
-            <a:r>
-              <a:rPr kumimoji="0" lang="en-US" altLang="en-US" sz="1000" b="0" i="0" u="none" strike="noStrike" cap="none" normalizeH="0" baseline="0" dirty="0" err="1">
-                <a:ln>
-                  <a:noFill/>
-                </a:ln>
-                <a:solidFill>
-                  <a:srgbClr val="A9B7C6"/>
-                </a:solidFill>
-                <a:effectLst/>
-                <a:latin typeface="Arial Unicode MS"/>
-              </a:rPr>
-              <a:t>send_keys</a:t>
-            </a:r>
-            <a:r>
-              <a:rPr kumimoji="0" lang="en-US" altLang="en-US" sz="1000" b="0" i="0" u="none" strike="noStrike" cap="none" normalizeH="0" baseline="0" dirty="0">
-                <a:ln>
-                  <a:noFill/>
-                </a:ln>
-                <a:solidFill>
-                  <a:srgbClr val="A9B7C6"/>
-                </a:solidFill>
-                <a:effectLst/>
-                <a:latin typeface="Arial Unicode MS"/>
-              </a:rPr>
-              <a:t>(</a:t>
-            </a:r>
-            <a:r>
-              <a:rPr kumimoji="0" lang="en-US" altLang="en-US" sz="1000" b="0" i="0" u="none" strike="noStrike" cap="none" normalizeH="0" baseline="0" dirty="0">
-                <a:ln>
-                  <a:noFill/>
-                </a:ln>
-                <a:solidFill>
-                  <a:srgbClr val="6A8759"/>
-                </a:solidFill>
-                <a:effectLst/>
-                <a:latin typeface="Arial Unicode MS"/>
-              </a:rPr>
-              <a:t>'invalid_email@gmail.com'</a:t>
-            </a:r>
-            <a:r>
-              <a:rPr kumimoji="0" lang="en-US" altLang="en-US" sz="1000" b="0" i="0" u="none" strike="noStrike" cap="none" normalizeH="0" baseline="0" dirty="0">
-                <a:ln>
-                  <a:noFill/>
-                </a:ln>
-                <a:solidFill>
-                  <a:srgbClr val="A9B7C6"/>
-                </a:solidFill>
-                <a:effectLst/>
-                <a:latin typeface="Arial Unicode MS"/>
-              </a:rPr>
-              <a:t>)</a:t>
-            </a:r>
-            <a:br>
-              <a:rPr kumimoji="0" lang="en-US" altLang="en-US" sz="1000" b="0" i="0" u="none" strike="noStrike" cap="none" normalizeH="0" baseline="0" dirty="0">
-                <a:ln>
-                  <a:noFill/>
-                </a:ln>
-                <a:solidFill>
-                  <a:srgbClr val="A9B7C6"/>
-                </a:solidFill>
-                <a:effectLst/>
-                <a:latin typeface="Arial Unicode MS"/>
-              </a:rPr>
-            </a:br>
-            <a:r>
-              <a:rPr kumimoji="0" lang="en-US" altLang="en-US" sz="1000" b="0" i="0" u="none" strike="noStrike" cap="none" normalizeH="0" baseline="0" dirty="0">
-                <a:ln>
-                  <a:noFill/>
-                </a:ln>
-                <a:solidFill>
-                  <a:srgbClr val="A9B7C6"/>
-                </a:solidFill>
-                <a:effectLst/>
-                <a:latin typeface="Arial Unicode MS"/>
-              </a:rPr>
-              <a:t>        </a:t>
-            </a:r>
-            <a:r>
-              <a:rPr kumimoji="0" lang="en-US" altLang="en-US" sz="1000" b="0" i="0" u="none" strike="noStrike" cap="none" normalizeH="0" baseline="0" dirty="0" err="1">
-                <a:ln>
-                  <a:noFill/>
-                </a:ln>
-                <a:solidFill>
-                  <a:srgbClr val="94558D"/>
-                </a:solidFill>
-                <a:effectLst/>
-                <a:latin typeface="Arial Unicode MS"/>
-              </a:rPr>
-              <a:t>self</a:t>
-            </a:r>
-            <a:r>
-              <a:rPr kumimoji="0" lang="en-US" altLang="en-US" sz="1000" b="0" i="0" u="none" strike="noStrike" cap="none" normalizeH="0" baseline="0" dirty="0" err="1">
-                <a:ln>
-                  <a:noFill/>
-                </a:ln>
-                <a:solidFill>
-                  <a:srgbClr val="A9B7C6"/>
-                </a:solidFill>
-                <a:effectLst/>
-                <a:latin typeface="Arial Unicode MS"/>
-              </a:rPr>
-              <a:t>.driver.find_element</a:t>
-            </a:r>
-            <a:r>
-              <a:rPr kumimoji="0" lang="en-US" altLang="en-US" sz="1000" b="0" i="0" u="none" strike="noStrike" cap="none" normalizeH="0" baseline="0" dirty="0">
-                <a:ln>
-                  <a:noFill/>
-                </a:ln>
-                <a:solidFill>
-                  <a:srgbClr val="A9B7C6"/>
-                </a:solidFill>
-                <a:effectLst/>
-                <a:latin typeface="Arial Unicode MS"/>
-              </a:rPr>
-              <a:t>(*</a:t>
-            </a:r>
-            <a:r>
-              <a:rPr kumimoji="0" lang="en-US" altLang="en-US" sz="1000" b="0" i="0" u="none" strike="noStrike" cap="none" normalizeH="0" baseline="0" dirty="0" err="1">
-                <a:ln>
-                  <a:noFill/>
-                </a:ln>
-                <a:solidFill>
-                  <a:srgbClr val="A9B7C6"/>
-                </a:solidFill>
-                <a:effectLst/>
-                <a:latin typeface="Arial Unicode MS"/>
-              </a:rPr>
-              <a:t>LocatorsCeMerita.BIFARE_TERM_COND_CE_MERITA</a:t>
-            </a:r>
-            <a:r>
-              <a:rPr kumimoji="0" lang="en-US" altLang="en-US" sz="1000" b="0" i="0" u="none" strike="noStrike" cap="none" normalizeH="0" baseline="0" dirty="0">
-                <a:ln>
-                  <a:noFill/>
-                </a:ln>
-                <a:solidFill>
-                  <a:srgbClr val="A9B7C6"/>
-                </a:solidFill>
-                <a:effectLst/>
-                <a:latin typeface="Arial Unicode MS"/>
-              </a:rPr>
-              <a:t>).click()</a:t>
-            </a:r>
-            <a:br>
-              <a:rPr kumimoji="0" lang="en-US" altLang="en-US" sz="1000" b="0" i="0" u="none" strike="noStrike" cap="none" normalizeH="0" baseline="0" dirty="0">
-                <a:ln>
-                  <a:noFill/>
-                </a:ln>
-                <a:solidFill>
-                  <a:srgbClr val="A9B7C6"/>
-                </a:solidFill>
-                <a:effectLst/>
-                <a:latin typeface="Arial Unicode MS"/>
-              </a:rPr>
-            </a:br>
-            <a:r>
-              <a:rPr kumimoji="0" lang="en-US" altLang="en-US" sz="1000" b="0" i="0" u="none" strike="noStrike" cap="none" normalizeH="0" baseline="0" dirty="0">
-                <a:ln>
-                  <a:noFill/>
-                </a:ln>
-                <a:solidFill>
-                  <a:srgbClr val="A9B7C6"/>
-                </a:solidFill>
-                <a:effectLst/>
-                <a:latin typeface="Arial Unicode MS"/>
-              </a:rPr>
-              <a:t>        </a:t>
-            </a:r>
-            <a:r>
-              <a:rPr kumimoji="0" lang="en-US" altLang="en-US" sz="1000" b="0" i="0" u="none" strike="noStrike" cap="none" normalizeH="0" baseline="0" dirty="0" err="1">
-                <a:ln>
-                  <a:noFill/>
-                </a:ln>
-                <a:solidFill>
-                  <a:srgbClr val="94558D"/>
-                </a:solidFill>
-                <a:effectLst/>
-                <a:latin typeface="Arial Unicode MS"/>
-              </a:rPr>
-              <a:t>self</a:t>
-            </a:r>
-            <a:r>
-              <a:rPr kumimoji="0" lang="en-US" altLang="en-US" sz="1000" b="0" i="0" u="none" strike="noStrike" cap="none" normalizeH="0" baseline="0" dirty="0" err="1">
-                <a:ln>
-                  <a:noFill/>
-                </a:ln>
-                <a:solidFill>
-                  <a:srgbClr val="A9B7C6"/>
-                </a:solidFill>
-                <a:effectLst/>
-                <a:latin typeface="Arial Unicode MS"/>
-              </a:rPr>
-              <a:t>.driver.find_element</a:t>
-            </a:r>
-            <a:r>
-              <a:rPr kumimoji="0" lang="en-US" altLang="en-US" sz="1000" b="0" i="0" u="none" strike="noStrike" cap="none" normalizeH="0" baseline="0" dirty="0">
-                <a:ln>
-                  <a:noFill/>
-                </a:ln>
-                <a:solidFill>
-                  <a:srgbClr val="A9B7C6"/>
-                </a:solidFill>
-                <a:effectLst/>
-                <a:latin typeface="Arial Unicode MS"/>
-              </a:rPr>
-              <a:t>(*</a:t>
-            </a:r>
-            <a:r>
-              <a:rPr kumimoji="0" lang="en-US" altLang="en-US" sz="1000" b="0" i="0" u="none" strike="noStrike" cap="none" normalizeH="0" baseline="0" dirty="0" err="1">
-                <a:ln>
-                  <a:noFill/>
-                </a:ln>
-                <a:solidFill>
-                  <a:srgbClr val="A9B7C6"/>
-                </a:solidFill>
-                <a:effectLst/>
-                <a:latin typeface="Arial Unicode MS"/>
-              </a:rPr>
-              <a:t>LocatorsCeMerita.BIFARE_ACORD_NEWSLETTER</a:t>
-            </a:r>
-            <a:r>
-              <a:rPr kumimoji="0" lang="en-US" altLang="en-US" sz="1000" b="0" i="0" u="none" strike="noStrike" cap="none" normalizeH="0" baseline="0" dirty="0">
-                <a:ln>
-                  <a:noFill/>
-                </a:ln>
-                <a:solidFill>
-                  <a:srgbClr val="A9B7C6"/>
-                </a:solidFill>
-                <a:effectLst/>
-                <a:latin typeface="Arial Unicode MS"/>
-              </a:rPr>
-              <a:t>).click()</a:t>
-            </a:r>
-            <a:br>
-              <a:rPr kumimoji="0" lang="en-US" altLang="en-US" sz="1000" b="0" i="0" u="none" strike="noStrike" cap="none" normalizeH="0" baseline="0" dirty="0">
-                <a:ln>
-                  <a:noFill/>
-                </a:ln>
-                <a:solidFill>
-                  <a:srgbClr val="A9B7C6"/>
-                </a:solidFill>
-                <a:effectLst/>
-                <a:latin typeface="Arial Unicode MS"/>
-              </a:rPr>
-            </a:br>
-            <a:r>
-              <a:rPr kumimoji="0" lang="en-US" altLang="en-US" sz="1000" b="0" i="0" u="none" strike="noStrike" cap="none" normalizeH="0" baseline="0" dirty="0">
-                <a:ln>
-                  <a:noFill/>
-                </a:ln>
-                <a:solidFill>
-                  <a:srgbClr val="A9B7C6"/>
-                </a:solidFill>
-                <a:effectLst/>
-                <a:latin typeface="Arial Unicode MS"/>
-              </a:rPr>
-              <a:t>        </a:t>
-            </a:r>
-            <a:r>
-              <a:rPr kumimoji="0" lang="en-US" altLang="en-US" sz="1000" b="0" i="0" u="none" strike="noStrike" cap="none" normalizeH="0" baseline="0" dirty="0" err="1">
-                <a:ln>
-                  <a:noFill/>
-                </a:ln>
-                <a:solidFill>
-                  <a:srgbClr val="94558D"/>
-                </a:solidFill>
-                <a:effectLst/>
-                <a:latin typeface="Arial Unicode MS"/>
-              </a:rPr>
-              <a:t>self</a:t>
-            </a:r>
-            <a:r>
-              <a:rPr kumimoji="0" lang="en-US" altLang="en-US" sz="1000" b="0" i="0" u="none" strike="noStrike" cap="none" normalizeH="0" baseline="0" dirty="0" err="1">
-                <a:ln>
-                  <a:noFill/>
-                </a:ln>
-                <a:solidFill>
-                  <a:srgbClr val="A9B7C6"/>
-                </a:solidFill>
-                <a:effectLst/>
-                <a:latin typeface="Arial Unicode MS"/>
-              </a:rPr>
-              <a:t>.driver.find_element</a:t>
-            </a:r>
-            <a:r>
-              <a:rPr kumimoji="0" lang="en-US" altLang="en-US" sz="1000" b="0" i="0" u="none" strike="noStrike" cap="none" normalizeH="0" baseline="0" dirty="0">
-                <a:ln>
-                  <a:noFill/>
-                </a:ln>
-                <a:solidFill>
-                  <a:srgbClr val="A9B7C6"/>
-                </a:solidFill>
-                <a:effectLst/>
-                <a:latin typeface="Arial Unicode MS"/>
-              </a:rPr>
-              <a:t>(*</a:t>
-            </a:r>
-            <a:r>
-              <a:rPr kumimoji="0" lang="en-US" altLang="en-US" sz="1000" b="0" i="0" u="none" strike="noStrike" cap="none" normalizeH="0" baseline="0" dirty="0" err="1">
-                <a:ln>
-                  <a:noFill/>
-                </a:ln>
-                <a:solidFill>
-                  <a:srgbClr val="A9B7C6"/>
-                </a:solidFill>
-                <a:effectLst/>
-                <a:latin typeface="Arial Unicode MS"/>
-              </a:rPr>
-              <a:t>LocatorsCeMerita.CLICK_VREAU_SA_AFLU_CE_MERITA</a:t>
-            </a:r>
-            <a:r>
-              <a:rPr kumimoji="0" lang="en-US" altLang="en-US" sz="1000" b="0" i="0" u="none" strike="noStrike" cap="none" normalizeH="0" baseline="0" dirty="0">
-                <a:ln>
-                  <a:noFill/>
-                </a:ln>
-                <a:solidFill>
-                  <a:srgbClr val="A9B7C6"/>
-                </a:solidFill>
-                <a:effectLst/>
-                <a:latin typeface="Arial Unicode MS"/>
-              </a:rPr>
-              <a:t>).click()</a:t>
-            </a:r>
-            <a:br>
-              <a:rPr kumimoji="0" lang="en-US" altLang="en-US" sz="1000" b="0" i="0" u="none" strike="noStrike" cap="none" normalizeH="0" baseline="0" dirty="0">
-                <a:ln>
-                  <a:noFill/>
-                </a:ln>
-                <a:solidFill>
-                  <a:srgbClr val="A9B7C6"/>
-                </a:solidFill>
-                <a:effectLst/>
-                <a:latin typeface="Arial Unicode MS"/>
-              </a:rPr>
-            </a:br>
-            <a:r>
-              <a:rPr kumimoji="0" lang="en-US" altLang="en-US" sz="1000" b="0" i="0" u="none" strike="noStrike" cap="none" normalizeH="0" baseline="0" dirty="0">
-                <a:ln>
-                  <a:noFill/>
-                </a:ln>
-                <a:solidFill>
-                  <a:srgbClr val="A9B7C6"/>
-                </a:solidFill>
-                <a:effectLst/>
-                <a:latin typeface="Arial Unicode MS"/>
-              </a:rPr>
-              <a:t>        </a:t>
-            </a:r>
-            <a:r>
-              <a:rPr kumimoji="0" lang="en-US" altLang="en-US" sz="1000" b="0" i="0" u="none" strike="noStrike" cap="none" normalizeH="0" baseline="0" dirty="0" err="1">
-                <a:ln>
-                  <a:noFill/>
-                </a:ln>
-                <a:solidFill>
-                  <a:srgbClr val="A9B7C6"/>
-                </a:solidFill>
-                <a:effectLst/>
-                <a:latin typeface="Arial Unicode MS"/>
-              </a:rPr>
-              <a:t>time.sleep</a:t>
-            </a:r>
-            <a:r>
-              <a:rPr kumimoji="0" lang="en-US" altLang="en-US" sz="1000" b="0" i="0" u="none" strike="noStrike" cap="none" normalizeH="0" baseline="0" dirty="0">
-                <a:ln>
-                  <a:noFill/>
-                </a:ln>
-                <a:solidFill>
-                  <a:srgbClr val="A9B7C6"/>
-                </a:solidFill>
-                <a:effectLst/>
-                <a:latin typeface="Arial Unicode MS"/>
-              </a:rPr>
-              <a:t>(</a:t>
-            </a:r>
-            <a:r>
-              <a:rPr kumimoji="0" lang="en-US" altLang="en-US" sz="1000" b="0" i="0" u="none" strike="noStrike" cap="none" normalizeH="0" baseline="0" dirty="0">
-                <a:ln>
-                  <a:noFill/>
-                </a:ln>
-                <a:solidFill>
-                  <a:srgbClr val="6897BB"/>
-                </a:solidFill>
-                <a:effectLst/>
-                <a:latin typeface="Arial Unicode MS"/>
-              </a:rPr>
-              <a:t>3</a:t>
-            </a:r>
-            <a:r>
-              <a:rPr kumimoji="0" lang="en-US" altLang="en-US" sz="1000" b="0" i="0" u="none" strike="noStrike" cap="none" normalizeH="0" baseline="0" dirty="0">
-                <a:ln>
-                  <a:noFill/>
-                </a:ln>
-                <a:solidFill>
-                  <a:srgbClr val="A9B7C6"/>
-                </a:solidFill>
-                <a:effectLst/>
-                <a:latin typeface="Arial Unicode MS"/>
-              </a:rPr>
-              <a:t>)</a:t>
-            </a:r>
-            <a:br>
-              <a:rPr kumimoji="0" lang="en-US" altLang="en-US" sz="1000" b="0" i="0" u="none" strike="noStrike" cap="none" normalizeH="0" baseline="0" dirty="0">
-                <a:ln>
-                  <a:noFill/>
-                </a:ln>
-                <a:solidFill>
-                  <a:srgbClr val="A9B7C6"/>
-                </a:solidFill>
-                <a:effectLst/>
-                <a:latin typeface="Arial Unicode MS"/>
-              </a:rPr>
-            </a:br>
-            <a:r>
-              <a:rPr kumimoji="0" lang="en-US" altLang="en-US" sz="1000" b="0" i="0" u="none" strike="noStrike" cap="none" normalizeH="0" baseline="0" dirty="0">
-                <a:ln>
-                  <a:noFill/>
-                </a:ln>
-                <a:solidFill>
-                  <a:srgbClr val="A9B7C6"/>
-                </a:solidFill>
-                <a:effectLst/>
-                <a:latin typeface="Arial Unicode MS"/>
-              </a:rPr>
-              <a:t>        </a:t>
-            </a:r>
-            <a:r>
-              <a:rPr kumimoji="0" lang="en-US" altLang="en-US" sz="1000" b="0" i="0" u="none" strike="noStrike" cap="none" normalizeH="0" baseline="0" dirty="0" err="1">
-                <a:ln>
-                  <a:noFill/>
-                </a:ln>
-                <a:solidFill>
-                  <a:srgbClr val="94558D"/>
-                </a:solidFill>
-                <a:effectLst/>
-                <a:latin typeface="Arial Unicode MS"/>
-              </a:rPr>
-              <a:t>self</a:t>
-            </a:r>
-            <a:r>
-              <a:rPr kumimoji="0" lang="en-US" altLang="en-US" sz="1000" b="0" i="0" u="none" strike="noStrike" cap="none" normalizeH="0" baseline="0" dirty="0" err="1">
-                <a:ln>
-                  <a:noFill/>
-                </a:ln>
-                <a:solidFill>
-                  <a:srgbClr val="A9B7C6"/>
-                </a:solidFill>
-                <a:effectLst/>
-                <a:latin typeface="Arial Unicode MS"/>
-              </a:rPr>
-              <a:t>.assertEqual</a:t>
-            </a:r>
-            <a:r>
-              <a:rPr kumimoji="0" lang="en-US" altLang="en-US" sz="1000" b="0" i="0" u="none" strike="noStrike" cap="none" normalizeH="0" baseline="0" dirty="0">
-                <a:ln>
-                  <a:noFill/>
-                </a:ln>
-                <a:solidFill>
-                  <a:srgbClr val="A9B7C6"/>
-                </a:solidFill>
-                <a:effectLst/>
-                <a:latin typeface="Arial Unicode MS"/>
-              </a:rPr>
-              <a:t>(</a:t>
-            </a:r>
-            <a:r>
-              <a:rPr kumimoji="0" lang="en-US" altLang="en-US" sz="1000" b="0" i="0" u="none" strike="noStrike" cap="none" normalizeH="0" baseline="0" dirty="0" err="1">
-                <a:ln>
-                  <a:noFill/>
-                </a:ln>
-                <a:solidFill>
-                  <a:srgbClr val="94558D"/>
-                </a:solidFill>
-                <a:effectLst/>
-                <a:latin typeface="Arial Unicode MS"/>
-              </a:rPr>
-              <a:t>self</a:t>
-            </a:r>
-            <a:r>
-              <a:rPr kumimoji="0" lang="en-US" altLang="en-US" sz="1000" b="0" i="0" u="none" strike="noStrike" cap="none" normalizeH="0" baseline="0" dirty="0" err="1">
-                <a:ln>
-                  <a:noFill/>
-                </a:ln>
-                <a:solidFill>
-                  <a:srgbClr val="A9B7C6"/>
-                </a:solidFill>
-                <a:effectLst/>
-                <a:latin typeface="Arial Unicode MS"/>
-              </a:rPr>
-              <a:t>.driver.find_element</a:t>
-            </a:r>
-            <a:r>
-              <a:rPr kumimoji="0" lang="en-US" altLang="en-US" sz="1000" b="0" i="0" u="none" strike="noStrike" cap="none" normalizeH="0" baseline="0" dirty="0">
-                <a:ln>
-                  <a:noFill/>
-                </a:ln>
-                <a:solidFill>
-                  <a:srgbClr val="A9B7C6"/>
-                </a:solidFill>
-                <a:effectLst/>
-                <a:latin typeface="Arial Unicode MS"/>
-              </a:rPr>
-              <a:t>(*</a:t>
-            </a:r>
-            <a:r>
-              <a:rPr kumimoji="0" lang="en-US" altLang="en-US" sz="1000" b="0" i="0" u="none" strike="noStrike" cap="none" normalizeH="0" baseline="0" dirty="0" err="1">
-                <a:ln>
-                  <a:noFill/>
-                </a:ln>
-                <a:solidFill>
-                  <a:srgbClr val="A9B7C6"/>
-                </a:solidFill>
-                <a:effectLst/>
-                <a:latin typeface="Arial Unicode MS"/>
-              </a:rPr>
-              <a:t>LocatorsCeMerita.MESAJ_DE_SUCCESS</a:t>
-            </a:r>
-            <a:r>
-              <a:rPr kumimoji="0" lang="en-US" altLang="en-US" sz="1000" b="0" i="0" u="none" strike="noStrike" cap="none" normalizeH="0" baseline="0" dirty="0">
-                <a:ln>
-                  <a:noFill/>
-                </a:ln>
-                <a:solidFill>
-                  <a:srgbClr val="A9B7C6"/>
-                </a:solidFill>
-                <a:effectLst/>
-                <a:latin typeface="Arial Unicode MS"/>
-              </a:rPr>
-              <a:t>).</a:t>
-            </a:r>
-            <a:br>
-              <a:rPr kumimoji="0" lang="en-US" altLang="en-US" sz="1000" b="0" i="0" u="none" strike="noStrike" cap="none" normalizeH="0" baseline="0" dirty="0">
-                <a:ln>
-                  <a:noFill/>
-                </a:ln>
-                <a:solidFill>
-                  <a:srgbClr val="A9B7C6"/>
-                </a:solidFill>
-                <a:effectLst/>
-                <a:latin typeface="Arial Unicode MS"/>
-              </a:rPr>
-            </a:br>
-            <a:r>
-              <a:rPr kumimoji="0" lang="en-US" altLang="en-US" sz="1000" b="0" i="0" u="none" strike="noStrike" cap="none" normalizeH="0" baseline="0" dirty="0">
-                <a:ln>
-                  <a:noFill/>
-                </a:ln>
-                <a:solidFill>
-                  <a:srgbClr val="A9B7C6"/>
-                </a:solidFill>
-                <a:effectLst/>
-                <a:latin typeface="Arial Unicode MS"/>
-              </a:rPr>
-              <a:t>                         text</a:t>
-            </a:r>
-            <a:r>
-              <a:rPr kumimoji="0" lang="en-US" altLang="en-US" sz="1000" b="0" i="0" u="none" strike="noStrike" cap="none" normalizeH="0" baseline="0" dirty="0">
-                <a:ln>
-                  <a:noFill/>
-                </a:ln>
-                <a:solidFill>
-                  <a:srgbClr val="CC7832"/>
-                </a:solidFill>
-                <a:effectLst/>
-                <a:latin typeface="Arial Unicode MS"/>
-              </a:rPr>
-              <a:t>, </a:t>
-            </a:r>
-            <a:r>
-              <a:rPr kumimoji="0" lang="en-US" altLang="en-US" sz="1000" b="0" i="0" u="none" strike="noStrike" cap="none" normalizeH="0" baseline="0" dirty="0">
-                <a:ln>
-                  <a:noFill/>
-                </a:ln>
-                <a:solidFill>
-                  <a:srgbClr val="6A8759"/>
-                </a:solidFill>
-                <a:effectLst/>
-                <a:latin typeface="Arial Unicode MS"/>
-              </a:rPr>
-              <a:t>'</a:t>
-            </a:r>
-            <a:r>
-              <a:rPr kumimoji="0" lang="en-US" altLang="en-US" sz="1000" b="0" i="0" u="none" strike="noStrike" cap="none" normalizeH="0" baseline="0" dirty="0" err="1">
-                <a:ln>
-                  <a:noFill/>
-                </a:ln>
-                <a:solidFill>
-                  <a:srgbClr val="6A8759"/>
-                </a:solidFill>
-                <a:effectLst/>
-                <a:latin typeface="Arial Unicode MS"/>
-              </a:rPr>
-              <a:t>Gata</a:t>
-            </a:r>
-            <a:r>
-              <a:rPr kumimoji="0" lang="en-US" altLang="en-US" sz="1000" b="0" i="0" u="none" strike="noStrike" cap="none" normalizeH="0" baseline="0" dirty="0">
-                <a:ln>
-                  <a:noFill/>
-                </a:ln>
-                <a:solidFill>
-                  <a:srgbClr val="6A8759"/>
-                </a:solidFill>
-                <a:effectLst/>
-                <a:latin typeface="Arial Unicode MS"/>
-              </a:rPr>
-              <a:t>! </a:t>
-            </a:r>
-            <a:r>
-              <a:rPr kumimoji="0" lang="en-US" altLang="en-US" sz="1000" b="0" i="0" u="none" strike="noStrike" cap="none" normalizeH="0" baseline="0" dirty="0" err="1">
-                <a:ln>
-                  <a:noFill/>
-                </a:ln>
-                <a:solidFill>
-                  <a:srgbClr val="6A8759"/>
-                </a:solidFill>
-                <a:effectLst/>
-                <a:latin typeface="Arial Unicode MS"/>
-              </a:rPr>
-              <a:t>Primul</a:t>
-            </a:r>
-            <a:r>
-              <a:rPr kumimoji="0" lang="en-US" altLang="en-US" sz="1000" b="0" i="0" u="none" strike="noStrike" cap="none" normalizeH="0" baseline="0" dirty="0">
-                <a:ln>
-                  <a:noFill/>
-                </a:ln>
-                <a:solidFill>
-                  <a:srgbClr val="6A8759"/>
-                </a:solidFill>
-                <a:effectLst/>
-                <a:latin typeface="Arial Unicode MS"/>
-              </a:rPr>
-              <a:t> e-mail e </a:t>
-            </a:r>
-            <a:r>
-              <a:rPr kumimoji="0" lang="en-US" altLang="en-US" sz="1000" b="0" i="0" u="none" strike="noStrike" cap="none" normalizeH="0" baseline="0" dirty="0" err="1">
-                <a:ln>
-                  <a:noFill/>
-                </a:ln>
-                <a:solidFill>
-                  <a:srgbClr val="6A8759"/>
-                </a:solidFill>
-                <a:effectLst/>
-                <a:latin typeface="Arial Unicode MS"/>
-              </a:rPr>
-              <a:t>deja</a:t>
-            </a:r>
-            <a:r>
-              <a:rPr kumimoji="0" lang="en-US" altLang="en-US" sz="1000" b="0" i="0" u="none" strike="noStrike" cap="none" normalizeH="0" baseline="0" dirty="0">
-                <a:ln>
-                  <a:noFill/>
-                </a:ln>
-                <a:solidFill>
-                  <a:srgbClr val="6A8759"/>
-                </a:solidFill>
-                <a:effectLst/>
-                <a:latin typeface="Arial Unicode MS"/>
-              </a:rPr>
-              <a:t> pe drum.'</a:t>
-            </a:r>
-            <a:r>
-              <a:rPr kumimoji="0" lang="en-US" altLang="en-US" sz="1000" b="0" i="0" u="none" strike="noStrike" cap="none" normalizeH="0" baseline="0" dirty="0">
-                <a:ln>
-                  <a:noFill/>
-                </a:ln>
-                <a:solidFill>
-                  <a:srgbClr val="A9B7C6"/>
-                </a:solidFill>
-                <a:effectLst/>
-                <a:latin typeface="Arial Unicode MS"/>
-              </a:rPr>
-              <a:t>)</a:t>
-            </a:r>
-            <a:br>
-              <a:rPr kumimoji="0" lang="en-US" altLang="en-US" sz="1000" b="0" i="0" u="none" strike="noStrike" cap="none" normalizeH="0" baseline="0" dirty="0">
-                <a:ln>
-                  <a:noFill/>
-                </a:ln>
-                <a:solidFill>
-                  <a:srgbClr val="A9B7C6"/>
-                </a:solidFill>
-                <a:effectLst/>
-                <a:latin typeface="Arial Unicode MS"/>
-              </a:rPr>
-            </a:br>
-            <a:r>
-              <a:rPr kumimoji="0" lang="en-US" altLang="en-US" sz="1000" b="0" i="0" u="none" strike="noStrike" cap="none" normalizeH="0" baseline="0" dirty="0">
-                <a:ln>
-                  <a:noFill/>
-                </a:ln>
-                <a:solidFill>
-                  <a:srgbClr val="A9B7C6"/>
-                </a:solidFill>
-                <a:effectLst/>
-                <a:latin typeface="Arial Unicode MS"/>
-              </a:rPr>
-              <a:t>        </a:t>
-            </a:r>
-            <a:r>
-              <a:rPr kumimoji="0" lang="en-US" altLang="en-US" sz="1000" b="0" i="0" u="none" strike="noStrike" cap="none" normalizeH="0" baseline="0" dirty="0" err="1">
-                <a:ln>
-                  <a:noFill/>
-                </a:ln>
-                <a:solidFill>
-                  <a:srgbClr val="A9B7C6"/>
-                </a:solidFill>
-                <a:effectLst/>
-                <a:latin typeface="Arial Unicode MS"/>
-              </a:rPr>
-              <a:t>time.sleep</a:t>
-            </a:r>
-            <a:r>
-              <a:rPr kumimoji="0" lang="en-US" altLang="en-US" sz="1000" b="0" i="0" u="none" strike="noStrike" cap="none" normalizeH="0" baseline="0" dirty="0">
-                <a:ln>
-                  <a:noFill/>
-                </a:ln>
-                <a:solidFill>
-                  <a:srgbClr val="A9B7C6"/>
-                </a:solidFill>
-                <a:effectLst/>
-                <a:latin typeface="Arial Unicode MS"/>
-              </a:rPr>
-              <a:t>(</a:t>
-            </a:r>
-            <a:r>
-              <a:rPr kumimoji="0" lang="en-US" altLang="en-US" sz="1000" b="0" i="0" u="none" strike="noStrike" cap="none" normalizeH="0" baseline="0" dirty="0">
-                <a:ln>
-                  <a:noFill/>
-                </a:ln>
-                <a:solidFill>
-                  <a:srgbClr val="6897BB"/>
-                </a:solidFill>
-                <a:effectLst/>
-                <a:latin typeface="Arial Unicode MS"/>
-              </a:rPr>
-              <a:t>3</a:t>
-            </a:r>
-            <a:r>
-              <a:rPr kumimoji="0" lang="en-US" altLang="en-US" sz="1000" b="0" i="0" u="none" strike="noStrike" cap="none" normalizeH="0" baseline="0" dirty="0">
-                <a:ln>
-                  <a:noFill/>
-                </a:ln>
-                <a:solidFill>
-                  <a:srgbClr val="A9B7C6"/>
-                </a:solidFill>
-                <a:effectLst/>
-                <a:latin typeface="Arial Unicode MS"/>
-              </a:rPr>
-              <a:t>)</a:t>
-            </a:r>
-            <a:br>
-              <a:rPr kumimoji="0" lang="en-US" altLang="en-US" sz="1000" b="0" i="0" u="none" strike="noStrike" cap="none" normalizeH="0" baseline="0" dirty="0">
-                <a:ln>
-                  <a:noFill/>
-                </a:ln>
-                <a:solidFill>
-                  <a:srgbClr val="A9B7C6"/>
-                </a:solidFill>
-                <a:effectLst/>
-                <a:latin typeface="Arial Unicode MS"/>
-              </a:rPr>
-            </a:br>
-            <a:r>
-              <a:rPr kumimoji="0" lang="en-US" altLang="en-US" sz="1000" b="0" i="0" u="none" strike="noStrike" cap="none" normalizeH="0" baseline="0" dirty="0">
-                <a:ln>
-                  <a:noFill/>
-                </a:ln>
-                <a:solidFill>
-                  <a:srgbClr val="A9B7C6"/>
-                </a:solidFill>
-                <a:effectLst/>
-                <a:latin typeface="Arial Unicode MS"/>
-              </a:rPr>
-              <a:t>        </a:t>
-            </a:r>
-            <a:r>
-              <a:rPr kumimoji="0" lang="en-US" altLang="en-US" sz="1000" b="0" i="0" u="none" strike="noStrike" cap="none" normalizeH="0" baseline="0" dirty="0" err="1">
-                <a:ln>
-                  <a:noFill/>
-                </a:ln>
-                <a:solidFill>
-                  <a:srgbClr val="A9B7C6"/>
-                </a:solidFill>
-                <a:effectLst/>
-                <a:latin typeface="Arial Unicode MS"/>
-              </a:rPr>
-              <a:t>WebDriverWait</a:t>
-            </a:r>
-            <a:r>
-              <a:rPr kumimoji="0" lang="en-US" altLang="en-US" sz="1000" b="0" i="0" u="none" strike="noStrike" cap="none" normalizeH="0" baseline="0" dirty="0">
-                <a:ln>
-                  <a:noFill/>
-                </a:ln>
-                <a:solidFill>
-                  <a:srgbClr val="A9B7C6"/>
-                </a:solidFill>
-                <a:effectLst/>
-                <a:latin typeface="Arial Unicode MS"/>
-              </a:rPr>
-              <a:t>(</a:t>
-            </a:r>
-            <a:r>
-              <a:rPr kumimoji="0" lang="en-US" altLang="en-US" sz="1000" b="0" i="0" u="none" strike="noStrike" cap="none" normalizeH="0" baseline="0" dirty="0" err="1">
-                <a:ln>
-                  <a:noFill/>
-                </a:ln>
-                <a:solidFill>
-                  <a:srgbClr val="94558D"/>
-                </a:solidFill>
-                <a:effectLst/>
-                <a:latin typeface="Arial Unicode MS"/>
-              </a:rPr>
-              <a:t>self</a:t>
-            </a:r>
-            <a:r>
-              <a:rPr kumimoji="0" lang="en-US" altLang="en-US" sz="1000" b="0" i="0" u="none" strike="noStrike" cap="none" normalizeH="0" baseline="0" dirty="0" err="1">
-                <a:ln>
-                  <a:noFill/>
-                </a:ln>
-                <a:solidFill>
-                  <a:srgbClr val="A9B7C6"/>
-                </a:solidFill>
-                <a:effectLst/>
-                <a:latin typeface="Arial Unicode MS"/>
-              </a:rPr>
-              <a:t>.driver</a:t>
-            </a:r>
-            <a:r>
-              <a:rPr kumimoji="0" lang="en-US" altLang="en-US" sz="1000" b="0" i="0" u="none" strike="noStrike" cap="none" normalizeH="0" baseline="0" dirty="0">
-                <a:ln>
-                  <a:noFill/>
-                </a:ln>
-                <a:solidFill>
-                  <a:srgbClr val="CC7832"/>
-                </a:solidFill>
-                <a:effectLst/>
-                <a:latin typeface="Arial Unicode MS"/>
-              </a:rPr>
-              <a:t>, </a:t>
-            </a:r>
-            <a:r>
-              <a:rPr kumimoji="0" lang="en-US" altLang="en-US" sz="1000" b="0" i="0" u="none" strike="noStrike" cap="none" normalizeH="0" baseline="0" dirty="0">
-                <a:ln>
-                  <a:noFill/>
-                </a:ln>
-                <a:solidFill>
-                  <a:srgbClr val="6897BB"/>
-                </a:solidFill>
-                <a:effectLst/>
-                <a:latin typeface="Arial Unicode MS"/>
-              </a:rPr>
-              <a:t>10</a:t>
-            </a:r>
-            <a:r>
-              <a:rPr kumimoji="0" lang="en-US" altLang="en-US" sz="1000" b="0" i="0" u="none" strike="noStrike" cap="none" normalizeH="0" baseline="0" dirty="0">
-                <a:ln>
-                  <a:noFill/>
-                </a:ln>
-                <a:solidFill>
-                  <a:srgbClr val="A9B7C6"/>
-                </a:solidFill>
-                <a:effectLst/>
-                <a:latin typeface="Arial Unicode MS"/>
-              </a:rPr>
-              <a:t>).until(</a:t>
-            </a:r>
-            <a:r>
-              <a:rPr kumimoji="0" lang="en-US" altLang="en-US" sz="1000" b="0" i="0" u="none" strike="noStrike" cap="none" normalizeH="0" baseline="0" dirty="0" err="1">
-                <a:ln>
-                  <a:noFill/>
-                </a:ln>
-                <a:solidFill>
-                  <a:srgbClr val="A9B7C6"/>
-                </a:solidFill>
-                <a:effectLst/>
-                <a:latin typeface="Arial Unicode MS"/>
-              </a:rPr>
-              <a:t>EC.presence_of_element_located</a:t>
-            </a:r>
-            <a:r>
-              <a:rPr kumimoji="0" lang="en-US" altLang="en-US" sz="1000" b="0" i="0" u="none" strike="noStrike" cap="none" normalizeH="0" baseline="0" dirty="0">
-                <a:ln>
-                  <a:noFill/>
-                </a:ln>
-                <a:solidFill>
-                  <a:srgbClr val="A9B7C6"/>
-                </a:solidFill>
-                <a:effectLst/>
-                <a:latin typeface="Arial Unicode MS"/>
-              </a:rPr>
-              <a:t>(</a:t>
-            </a:r>
-            <a:r>
-              <a:rPr kumimoji="0" lang="en-US" altLang="en-US" sz="1000" b="0" i="0" u="none" strike="noStrike" cap="none" normalizeH="0" baseline="0" dirty="0" err="1">
-                <a:ln>
-                  <a:noFill/>
-                </a:ln>
-                <a:solidFill>
-                  <a:srgbClr val="A9B7C6"/>
-                </a:solidFill>
-                <a:effectLst/>
-                <a:latin typeface="Arial Unicode MS"/>
-              </a:rPr>
-              <a:t>LocatorsCeMerita.MESAJ_DE_SUCCESS</a:t>
-            </a:r>
-            <a:r>
-              <a:rPr kumimoji="0" lang="en-US" altLang="en-US" sz="1000" b="0" i="0" u="none" strike="noStrike" cap="none" normalizeH="0" baseline="0" dirty="0">
-                <a:ln>
-                  <a:noFill/>
-                </a:ln>
-                <a:solidFill>
-                  <a:srgbClr val="A9B7C6"/>
-                </a:solidFill>
-                <a:effectLst/>
-                <a:latin typeface="Arial Unicode MS"/>
-              </a:rPr>
-              <a:t>))</a:t>
-            </a:r>
-            <a:br>
-              <a:rPr kumimoji="0" lang="en-US" altLang="en-US" sz="1000" b="0" i="0" u="none" strike="noStrike" cap="none" normalizeH="0" baseline="0" dirty="0">
-                <a:ln>
-                  <a:noFill/>
-                </a:ln>
-                <a:solidFill>
-                  <a:srgbClr val="A9B7C6"/>
-                </a:solidFill>
-                <a:effectLst/>
-                <a:latin typeface="Arial Unicode MS"/>
-              </a:rPr>
-            </a:br>
-            <a:br>
-              <a:rPr kumimoji="0" lang="en-US" altLang="en-US" sz="1000" b="0" i="0" u="none" strike="noStrike" cap="none" normalizeH="0" baseline="0" dirty="0">
-                <a:ln>
-                  <a:noFill/>
-                </a:ln>
-                <a:solidFill>
-                  <a:srgbClr val="A9B7C6"/>
-                </a:solidFill>
-                <a:effectLst/>
-                <a:latin typeface="Arial Unicode MS"/>
-              </a:rPr>
-            </a:br>
-            <a:r>
-              <a:rPr kumimoji="0" lang="en-US" altLang="en-US" sz="1000" b="0" i="0" u="none" strike="noStrike" cap="none" normalizeH="0" baseline="0" dirty="0">
-                <a:ln>
-                  <a:noFill/>
-                </a:ln>
-                <a:solidFill>
-                  <a:srgbClr val="A9B7C6"/>
-                </a:solidFill>
-                <a:effectLst/>
-                <a:latin typeface="Arial Unicode MS"/>
-              </a:rPr>
-              <a:t>    </a:t>
-            </a:r>
-            <a:r>
-              <a:rPr kumimoji="0" lang="en-US" altLang="en-US" sz="1000" b="0" i="0" u="none" strike="noStrike" cap="none" normalizeH="0" baseline="0" dirty="0">
-                <a:ln>
-                  <a:noFill/>
-                </a:ln>
-                <a:solidFill>
-                  <a:srgbClr val="CC7832"/>
-                </a:solidFill>
-                <a:effectLst/>
-                <a:latin typeface="Arial Unicode MS"/>
-              </a:rPr>
-              <a:t>def </a:t>
-            </a:r>
-            <a:r>
-              <a:rPr kumimoji="0" lang="en-US" altLang="en-US" sz="1000" b="0" i="0" u="none" strike="noStrike" cap="none" normalizeH="0" baseline="0" dirty="0">
-                <a:ln>
-                  <a:noFill/>
-                </a:ln>
-                <a:solidFill>
-                  <a:srgbClr val="FFC66D"/>
-                </a:solidFill>
-                <a:effectLst/>
-                <a:latin typeface="Arial Unicode MS"/>
-              </a:rPr>
-              <a:t>test_2_abonare_la_ce_merita_cu_valid_email</a:t>
-            </a:r>
-            <a:r>
-              <a:rPr kumimoji="0" lang="en-US" altLang="en-US" sz="1000" b="0" i="0" u="none" strike="noStrike" cap="none" normalizeH="0" baseline="0" dirty="0">
-                <a:ln>
-                  <a:noFill/>
-                </a:ln>
-                <a:solidFill>
-                  <a:srgbClr val="A9B7C6"/>
-                </a:solidFill>
-                <a:effectLst/>
-                <a:latin typeface="Arial Unicode MS"/>
-              </a:rPr>
-              <a:t>(</a:t>
-            </a:r>
-            <a:r>
-              <a:rPr kumimoji="0" lang="en-US" altLang="en-US" sz="1000" b="0" i="0" u="none" strike="noStrike" cap="none" normalizeH="0" baseline="0" dirty="0">
-                <a:ln>
-                  <a:noFill/>
-                </a:ln>
-                <a:solidFill>
-                  <a:srgbClr val="94558D"/>
-                </a:solidFill>
-                <a:effectLst/>
-                <a:latin typeface="Arial Unicode MS"/>
-              </a:rPr>
-              <a:t>self</a:t>
-            </a:r>
-            <a:r>
-              <a:rPr kumimoji="0" lang="en-US" altLang="en-US" sz="1000" b="0" i="0" u="none" strike="noStrike" cap="none" normalizeH="0" baseline="0" dirty="0">
-                <a:ln>
-                  <a:noFill/>
-                </a:ln>
-                <a:solidFill>
-                  <a:srgbClr val="A9B7C6"/>
-                </a:solidFill>
-                <a:effectLst/>
-                <a:latin typeface="Arial Unicode MS"/>
-              </a:rPr>
-              <a:t>):</a:t>
-            </a:r>
-            <a:br>
-              <a:rPr kumimoji="0" lang="en-US" altLang="en-US" sz="1000" b="0" i="0" u="none" strike="noStrike" cap="none" normalizeH="0" baseline="0" dirty="0">
-                <a:ln>
-                  <a:noFill/>
-                </a:ln>
-                <a:solidFill>
-                  <a:srgbClr val="A9B7C6"/>
-                </a:solidFill>
-                <a:effectLst/>
-                <a:latin typeface="Arial Unicode MS"/>
-              </a:rPr>
-            </a:br>
-            <a:r>
-              <a:rPr kumimoji="0" lang="en-US" altLang="en-US" sz="1000" b="0" i="0" u="none" strike="noStrike" cap="none" normalizeH="0" baseline="0" dirty="0">
-                <a:ln>
-                  <a:noFill/>
-                </a:ln>
-                <a:solidFill>
-                  <a:srgbClr val="A9B7C6"/>
-                </a:solidFill>
-                <a:effectLst/>
-                <a:latin typeface="Arial Unicode MS"/>
-              </a:rPr>
-              <a:t>        </a:t>
-            </a:r>
-            <a:r>
-              <a:rPr kumimoji="0" lang="en-US" altLang="en-US" sz="1000" b="0" i="0" u="none" strike="noStrike" cap="none" normalizeH="0" baseline="0" dirty="0" err="1">
-                <a:ln>
-                  <a:noFill/>
-                </a:ln>
-                <a:solidFill>
-                  <a:srgbClr val="94558D"/>
-                </a:solidFill>
-                <a:effectLst/>
-                <a:latin typeface="Arial Unicode MS"/>
-              </a:rPr>
-              <a:t>self</a:t>
-            </a:r>
-            <a:r>
-              <a:rPr kumimoji="0" lang="en-US" altLang="en-US" sz="1000" b="0" i="0" u="none" strike="noStrike" cap="none" normalizeH="0" baseline="0" dirty="0" err="1">
-                <a:ln>
-                  <a:noFill/>
-                </a:ln>
-                <a:solidFill>
-                  <a:srgbClr val="A9B7C6"/>
-                </a:solidFill>
-                <a:effectLst/>
-                <a:latin typeface="Arial Unicode MS"/>
-              </a:rPr>
-              <a:t>.driver.find_element</a:t>
-            </a:r>
-            <a:r>
-              <a:rPr kumimoji="0" lang="en-US" altLang="en-US" sz="1000" b="0" i="0" u="none" strike="noStrike" cap="none" normalizeH="0" baseline="0" dirty="0">
-                <a:ln>
-                  <a:noFill/>
-                </a:ln>
-                <a:solidFill>
-                  <a:srgbClr val="A9B7C6"/>
-                </a:solidFill>
-                <a:effectLst/>
-                <a:latin typeface="Arial Unicode MS"/>
-              </a:rPr>
-              <a:t>(*</a:t>
-            </a:r>
-            <a:r>
-              <a:rPr kumimoji="0" lang="en-US" altLang="en-US" sz="1000" b="0" i="0" u="none" strike="noStrike" cap="none" normalizeH="0" baseline="0" dirty="0" err="1">
-                <a:ln>
-                  <a:noFill/>
-                </a:ln>
-                <a:solidFill>
-                  <a:srgbClr val="A9B7C6"/>
-                </a:solidFill>
-                <a:effectLst/>
-                <a:latin typeface="Arial Unicode MS"/>
-              </a:rPr>
-              <a:t>LocatorsCeMerita.CE_MERITA_PAGE</a:t>
-            </a:r>
-            <a:r>
-              <a:rPr kumimoji="0" lang="en-US" altLang="en-US" sz="1000" b="0" i="0" u="none" strike="noStrike" cap="none" normalizeH="0" baseline="0" dirty="0">
-                <a:ln>
-                  <a:noFill/>
-                </a:ln>
-                <a:solidFill>
-                  <a:srgbClr val="A9B7C6"/>
-                </a:solidFill>
-                <a:effectLst/>
-                <a:latin typeface="Arial Unicode MS"/>
-              </a:rPr>
-              <a:t>).click()</a:t>
-            </a:r>
-            <a:br>
-              <a:rPr kumimoji="0" lang="en-US" altLang="en-US" sz="1000" b="0" i="0" u="none" strike="noStrike" cap="none" normalizeH="0" baseline="0" dirty="0">
-                <a:ln>
-                  <a:noFill/>
-                </a:ln>
-                <a:solidFill>
-                  <a:srgbClr val="A9B7C6"/>
-                </a:solidFill>
-                <a:effectLst/>
-                <a:latin typeface="Arial Unicode MS"/>
-              </a:rPr>
-            </a:br>
-            <a:r>
-              <a:rPr kumimoji="0" lang="en-US" altLang="en-US" sz="1000" b="0" i="0" u="none" strike="noStrike" cap="none" normalizeH="0" baseline="0" dirty="0">
-                <a:ln>
-                  <a:noFill/>
-                </a:ln>
-                <a:solidFill>
-                  <a:srgbClr val="A9B7C6"/>
-                </a:solidFill>
-                <a:effectLst/>
-                <a:latin typeface="Arial Unicode MS"/>
-              </a:rPr>
-              <a:t>        </a:t>
-            </a:r>
-            <a:r>
-              <a:rPr kumimoji="0" lang="en-US" altLang="en-US" sz="1000" b="0" i="0" u="none" strike="noStrike" cap="none" normalizeH="0" baseline="0" dirty="0" err="1">
-                <a:ln>
-                  <a:noFill/>
-                </a:ln>
-                <a:solidFill>
-                  <a:srgbClr val="94558D"/>
-                </a:solidFill>
-                <a:effectLst/>
-                <a:latin typeface="Arial Unicode MS"/>
-              </a:rPr>
-              <a:t>self</a:t>
-            </a:r>
-            <a:r>
-              <a:rPr kumimoji="0" lang="en-US" altLang="en-US" sz="1000" b="0" i="0" u="none" strike="noStrike" cap="none" normalizeH="0" baseline="0" dirty="0" err="1">
-                <a:ln>
-                  <a:noFill/>
-                </a:ln>
-                <a:solidFill>
-                  <a:srgbClr val="A9B7C6"/>
-                </a:solidFill>
-                <a:effectLst/>
-                <a:latin typeface="Arial Unicode MS"/>
-              </a:rPr>
-              <a:t>.assertEqual</a:t>
-            </a:r>
-            <a:r>
-              <a:rPr kumimoji="0" lang="en-US" altLang="en-US" sz="1000" b="0" i="0" u="none" strike="noStrike" cap="none" normalizeH="0" baseline="0" dirty="0">
-                <a:ln>
-                  <a:noFill/>
-                </a:ln>
-                <a:solidFill>
-                  <a:srgbClr val="A9B7C6"/>
-                </a:solidFill>
-                <a:effectLst/>
-                <a:latin typeface="Arial Unicode MS"/>
-              </a:rPr>
-              <a:t>(</a:t>
-            </a:r>
-            <a:r>
-              <a:rPr kumimoji="0" lang="en-US" altLang="en-US" sz="1000" b="0" i="0" u="none" strike="noStrike" cap="none" normalizeH="0" baseline="0" dirty="0" err="1">
-                <a:ln>
-                  <a:noFill/>
-                </a:ln>
-                <a:solidFill>
-                  <a:srgbClr val="94558D"/>
-                </a:solidFill>
-                <a:effectLst/>
-                <a:latin typeface="Arial Unicode MS"/>
-              </a:rPr>
-              <a:t>self</a:t>
-            </a:r>
-            <a:r>
-              <a:rPr kumimoji="0" lang="en-US" altLang="en-US" sz="1000" b="0" i="0" u="none" strike="noStrike" cap="none" normalizeH="0" baseline="0" dirty="0" err="1">
-                <a:ln>
-                  <a:noFill/>
-                </a:ln>
-                <a:solidFill>
-                  <a:srgbClr val="A9B7C6"/>
-                </a:solidFill>
-                <a:effectLst/>
-                <a:latin typeface="Arial Unicode MS"/>
-              </a:rPr>
-              <a:t>.driver.current_url</a:t>
-            </a:r>
-            <a:r>
-              <a:rPr kumimoji="0" lang="en-US" altLang="en-US" sz="1000" b="0" i="0" u="none" strike="noStrike" cap="none" normalizeH="0" baseline="0" dirty="0">
-                <a:ln>
-                  <a:noFill/>
-                </a:ln>
-                <a:solidFill>
-                  <a:srgbClr val="CC7832"/>
-                </a:solidFill>
-                <a:effectLst/>
-                <a:latin typeface="Arial Unicode MS"/>
-              </a:rPr>
-              <a:t>, </a:t>
-            </a:r>
-            <a:r>
-              <a:rPr kumimoji="0" lang="en-US" altLang="en-US" sz="1000" b="0" i="0" u="none" strike="noStrike" cap="none" normalizeH="0" baseline="0" dirty="0">
-                <a:ln>
-                  <a:noFill/>
-                </a:ln>
-                <a:solidFill>
-                  <a:srgbClr val="6A8759"/>
-                </a:solidFill>
-                <a:effectLst/>
-                <a:latin typeface="Arial Unicode MS"/>
-              </a:rPr>
-              <a:t>'https://medtinker.ro/</a:t>
-            </a:r>
-            <a:r>
-              <a:rPr kumimoji="0" lang="en-US" altLang="en-US" sz="1000" b="0" i="0" u="none" strike="noStrike" cap="none" normalizeH="0" baseline="0" dirty="0" err="1">
-                <a:ln>
-                  <a:noFill/>
-                </a:ln>
-                <a:solidFill>
-                  <a:srgbClr val="6A8759"/>
-                </a:solidFill>
-                <a:effectLst/>
-                <a:latin typeface="Arial Unicode MS"/>
-              </a:rPr>
-              <a:t>ce-merita</a:t>
-            </a:r>
-            <a:r>
-              <a:rPr kumimoji="0" lang="en-US" altLang="en-US" sz="1000" b="0" i="0" u="none" strike="noStrike" cap="none" normalizeH="0" baseline="0" dirty="0">
-                <a:ln>
-                  <a:noFill/>
-                </a:ln>
-                <a:solidFill>
-                  <a:srgbClr val="6A8759"/>
-                </a:solidFill>
-                <a:effectLst/>
-                <a:latin typeface="Arial Unicode MS"/>
-              </a:rPr>
-              <a:t>/'</a:t>
-            </a:r>
-            <a:r>
-              <a:rPr kumimoji="0" lang="en-US" altLang="en-US" sz="1000" b="0" i="0" u="none" strike="noStrike" cap="none" normalizeH="0" baseline="0" dirty="0">
-                <a:ln>
-                  <a:noFill/>
-                </a:ln>
-                <a:solidFill>
-                  <a:srgbClr val="A9B7C6"/>
-                </a:solidFill>
-                <a:effectLst/>
-                <a:latin typeface="Arial Unicode MS"/>
-              </a:rPr>
-              <a:t>)</a:t>
-            </a:r>
-            <a:br>
-              <a:rPr kumimoji="0" lang="en-US" altLang="en-US" sz="1000" b="0" i="0" u="none" strike="noStrike" cap="none" normalizeH="0" baseline="0" dirty="0">
-                <a:ln>
-                  <a:noFill/>
-                </a:ln>
-                <a:solidFill>
-                  <a:srgbClr val="A9B7C6"/>
-                </a:solidFill>
-                <a:effectLst/>
-                <a:latin typeface="Arial Unicode MS"/>
-              </a:rPr>
-            </a:br>
-            <a:r>
-              <a:rPr kumimoji="0" lang="en-US" altLang="en-US" sz="1000" b="0" i="0" u="none" strike="noStrike" cap="none" normalizeH="0" baseline="0" dirty="0">
-                <a:ln>
-                  <a:noFill/>
-                </a:ln>
-                <a:solidFill>
-                  <a:srgbClr val="A9B7C6"/>
-                </a:solidFill>
-                <a:effectLst/>
-                <a:latin typeface="Arial Unicode MS"/>
-              </a:rPr>
-              <a:t>        </a:t>
-            </a:r>
-            <a:r>
-              <a:rPr kumimoji="0" lang="en-US" altLang="en-US" sz="1000" b="0" i="0" u="none" strike="noStrike" cap="none" normalizeH="0" baseline="0" dirty="0" err="1">
-                <a:ln>
-                  <a:noFill/>
-                </a:ln>
-                <a:solidFill>
-                  <a:srgbClr val="94558D"/>
-                </a:solidFill>
-                <a:effectLst/>
-                <a:latin typeface="Arial Unicode MS"/>
-              </a:rPr>
-              <a:t>self</a:t>
-            </a:r>
-            <a:r>
-              <a:rPr kumimoji="0" lang="en-US" altLang="en-US" sz="1000" b="0" i="0" u="none" strike="noStrike" cap="none" normalizeH="0" baseline="0" dirty="0" err="1">
-                <a:ln>
-                  <a:noFill/>
-                </a:ln>
-                <a:solidFill>
-                  <a:srgbClr val="A9B7C6"/>
-                </a:solidFill>
-                <a:effectLst/>
-                <a:latin typeface="Arial Unicode MS"/>
-              </a:rPr>
-              <a:t>.driver.find_elements</a:t>
-            </a:r>
-            <a:r>
-              <a:rPr kumimoji="0" lang="en-US" altLang="en-US" sz="1000" b="0" i="0" u="none" strike="noStrike" cap="none" normalizeH="0" baseline="0" dirty="0">
-                <a:ln>
-                  <a:noFill/>
-                </a:ln>
-                <a:solidFill>
-                  <a:srgbClr val="A9B7C6"/>
-                </a:solidFill>
-                <a:effectLst/>
-                <a:latin typeface="Arial Unicode MS"/>
-              </a:rPr>
-              <a:t>(*</a:t>
-            </a:r>
-            <a:r>
-              <a:rPr kumimoji="0" lang="en-US" altLang="en-US" sz="1000" b="0" i="0" u="none" strike="noStrike" cap="none" normalizeH="0" baseline="0" dirty="0" err="1">
-                <a:ln>
-                  <a:noFill/>
-                </a:ln>
-                <a:solidFill>
-                  <a:srgbClr val="A9B7C6"/>
-                </a:solidFill>
-                <a:effectLst/>
-                <a:latin typeface="Arial Unicode MS"/>
-              </a:rPr>
-              <a:t>LocatorsCeMerita.CUM_TE_CHEAMA</a:t>
-            </a:r>
-            <a:r>
-              <a:rPr kumimoji="0" lang="en-US" altLang="en-US" sz="1000" b="0" i="0" u="none" strike="noStrike" cap="none" normalizeH="0" baseline="0" dirty="0">
-                <a:ln>
-                  <a:noFill/>
-                </a:ln>
-                <a:solidFill>
-                  <a:srgbClr val="A9B7C6"/>
-                </a:solidFill>
-                <a:effectLst/>
-                <a:latin typeface="Arial Unicode MS"/>
-              </a:rPr>
-              <a:t>)[</a:t>
-            </a:r>
-            <a:r>
-              <a:rPr kumimoji="0" lang="en-US" altLang="en-US" sz="1000" b="0" i="0" u="none" strike="noStrike" cap="none" normalizeH="0" baseline="0" dirty="0">
-                <a:ln>
-                  <a:noFill/>
-                </a:ln>
-                <a:solidFill>
-                  <a:srgbClr val="6897BB"/>
-                </a:solidFill>
-                <a:effectLst/>
-                <a:latin typeface="Arial Unicode MS"/>
-              </a:rPr>
-              <a:t>0</a:t>
-            </a:r>
-            <a:r>
-              <a:rPr kumimoji="0" lang="en-US" altLang="en-US" sz="1000" b="0" i="0" u="none" strike="noStrike" cap="none" normalizeH="0" baseline="0" dirty="0">
-                <a:ln>
-                  <a:noFill/>
-                </a:ln>
-                <a:solidFill>
-                  <a:srgbClr val="A9B7C6"/>
-                </a:solidFill>
-                <a:effectLst/>
-                <a:latin typeface="Arial Unicode MS"/>
-              </a:rPr>
-              <a:t>].</a:t>
-            </a:r>
-            <a:r>
-              <a:rPr kumimoji="0" lang="en-US" altLang="en-US" sz="1000" b="0" i="0" u="none" strike="noStrike" cap="none" normalizeH="0" baseline="0" dirty="0" err="1">
-                <a:ln>
-                  <a:noFill/>
-                </a:ln>
-                <a:solidFill>
-                  <a:srgbClr val="A9B7C6"/>
-                </a:solidFill>
-                <a:effectLst/>
-                <a:latin typeface="Arial Unicode MS"/>
-              </a:rPr>
-              <a:t>send_keys</a:t>
-            </a:r>
-            <a:r>
-              <a:rPr kumimoji="0" lang="en-US" altLang="en-US" sz="1000" b="0" i="0" u="none" strike="noStrike" cap="none" normalizeH="0" baseline="0" dirty="0">
-                <a:ln>
-                  <a:noFill/>
-                </a:ln>
-                <a:solidFill>
-                  <a:srgbClr val="A9B7C6"/>
-                </a:solidFill>
-                <a:effectLst/>
-                <a:latin typeface="Arial Unicode MS"/>
-              </a:rPr>
-              <a:t>(</a:t>
-            </a:r>
-            <a:r>
-              <a:rPr kumimoji="0" lang="en-US" altLang="en-US" sz="1000" b="0" i="0" u="none" strike="noStrike" cap="none" normalizeH="0" baseline="0" dirty="0">
-                <a:ln>
-                  <a:noFill/>
-                </a:ln>
-                <a:solidFill>
-                  <a:srgbClr val="6A8759"/>
-                </a:solidFill>
-                <a:effectLst/>
-                <a:latin typeface="Arial Unicode MS"/>
-              </a:rPr>
-              <a:t>'david'</a:t>
-            </a:r>
-            <a:r>
-              <a:rPr kumimoji="0" lang="en-US" altLang="en-US" sz="1000" b="0" i="0" u="none" strike="noStrike" cap="none" normalizeH="0" baseline="0" dirty="0">
-                <a:ln>
-                  <a:noFill/>
-                </a:ln>
-                <a:solidFill>
-                  <a:srgbClr val="A9B7C6"/>
-                </a:solidFill>
-                <a:effectLst/>
-                <a:latin typeface="Arial Unicode MS"/>
-              </a:rPr>
-              <a:t>)</a:t>
-            </a:r>
-            <a:br>
-              <a:rPr kumimoji="0" lang="en-US" altLang="en-US" sz="1000" b="0" i="0" u="none" strike="noStrike" cap="none" normalizeH="0" baseline="0" dirty="0">
-                <a:ln>
-                  <a:noFill/>
-                </a:ln>
-                <a:solidFill>
-                  <a:srgbClr val="A9B7C6"/>
-                </a:solidFill>
-                <a:effectLst/>
-                <a:latin typeface="Arial Unicode MS"/>
-              </a:rPr>
-            </a:br>
-            <a:r>
-              <a:rPr kumimoji="0" lang="en-US" altLang="en-US" sz="1000" b="0" i="0" u="none" strike="noStrike" cap="none" normalizeH="0" baseline="0" dirty="0">
-                <a:ln>
-                  <a:noFill/>
-                </a:ln>
-                <a:solidFill>
-                  <a:srgbClr val="A9B7C6"/>
-                </a:solidFill>
-                <a:effectLst/>
-                <a:latin typeface="Arial Unicode MS"/>
-              </a:rPr>
-              <a:t>        </a:t>
-            </a:r>
-            <a:r>
-              <a:rPr kumimoji="0" lang="en-US" altLang="en-US" sz="1000" b="0" i="0" u="none" strike="noStrike" cap="none" normalizeH="0" baseline="0" dirty="0" err="1">
-                <a:ln>
-                  <a:noFill/>
-                </a:ln>
-                <a:solidFill>
-                  <a:srgbClr val="94558D"/>
-                </a:solidFill>
-                <a:effectLst/>
-                <a:latin typeface="Arial Unicode MS"/>
-              </a:rPr>
-              <a:t>self</a:t>
-            </a:r>
-            <a:r>
-              <a:rPr kumimoji="0" lang="en-US" altLang="en-US" sz="1000" b="0" i="0" u="none" strike="noStrike" cap="none" normalizeH="0" baseline="0" dirty="0" err="1">
-                <a:ln>
-                  <a:noFill/>
-                </a:ln>
-                <a:solidFill>
-                  <a:srgbClr val="A9B7C6"/>
-                </a:solidFill>
-                <a:effectLst/>
-                <a:latin typeface="Arial Unicode MS"/>
-              </a:rPr>
-              <a:t>.driver.find_element</a:t>
-            </a:r>
-            <a:r>
-              <a:rPr kumimoji="0" lang="en-US" altLang="en-US" sz="1000" b="0" i="0" u="none" strike="noStrike" cap="none" normalizeH="0" baseline="0" dirty="0">
-                <a:ln>
-                  <a:noFill/>
-                </a:ln>
-                <a:solidFill>
-                  <a:srgbClr val="A9B7C6"/>
-                </a:solidFill>
-                <a:effectLst/>
-                <a:latin typeface="Arial Unicode MS"/>
-              </a:rPr>
-              <a:t>(*</a:t>
-            </a:r>
-            <a:r>
-              <a:rPr kumimoji="0" lang="en-US" altLang="en-US" sz="1000" b="0" i="0" u="none" strike="noStrike" cap="none" normalizeH="0" baseline="0" dirty="0" err="1">
-                <a:ln>
-                  <a:noFill/>
-                </a:ln>
-                <a:solidFill>
-                  <a:srgbClr val="A9B7C6"/>
-                </a:solidFill>
-                <a:effectLst/>
-                <a:latin typeface="Arial Unicode MS"/>
-              </a:rPr>
-              <a:t>LocatorsCeMerita.ADRESA_EMAIL</a:t>
-            </a:r>
-            <a:r>
-              <a:rPr kumimoji="0" lang="en-US" altLang="en-US" sz="1000" b="0" i="0" u="none" strike="noStrike" cap="none" normalizeH="0" baseline="0" dirty="0">
-                <a:ln>
-                  <a:noFill/>
-                </a:ln>
-                <a:solidFill>
-                  <a:srgbClr val="A9B7C6"/>
-                </a:solidFill>
-                <a:effectLst/>
-                <a:latin typeface="Arial Unicode MS"/>
-              </a:rPr>
-              <a:t>).</a:t>
-            </a:r>
-            <a:r>
-              <a:rPr kumimoji="0" lang="en-US" altLang="en-US" sz="1000" b="0" i="0" u="none" strike="noStrike" cap="none" normalizeH="0" baseline="0" dirty="0" err="1">
-                <a:ln>
-                  <a:noFill/>
-                </a:ln>
-                <a:solidFill>
-                  <a:srgbClr val="A9B7C6"/>
-                </a:solidFill>
-                <a:effectLst/>
-                <a:latin typeface="Arial Unicode MS"/>
-              </a:rPr>
-              <a:t>send_keys</a:t>
-            </a:r>
-            <a:r>
-              <a:rPr kumimoji="0" lang="en-US" altLang="en-US" sz="1000" b="0" i="0" u="none" strike="noStrike" cap="none" normalizeH="0" baseline="0" dirty="0">
-                <a:ln>
-                  <a:noFill/>
-                </a:ln>
-                <a:solidFill>
-                  <a:srgbClr val="A9B7C6"/>
-                </a:solidFill>
-                <a:effectLst/>
-                <a:latin typeface="Arial Unicode MS"/>
-              </a:rPr>
-              <a:t>(</a:t>
-            </a:r>
-            <a:r>
-              <a:rPr kumimoji="0" lang="en-US" altLang="en-US" sz="1000" b="0" i="0" u="none" strike="noStrike" cap="none" normalizeH="0" baseline="0" dirty="0">
-                <a:ln>
-                  <a:noFill/>
-                </a:ln>
-                <a:solidFill>
-                  <a:srgbClr val="6A8759"/>
-                </a:solidFill>
-                <a:effectLst/>
-                <a:latin typeface="Arial Unicode MS"/>
-              </a:rPr>
-              <a:t>'godavid128@gmail.com'</a:t>
-            </a:r>
-            <a:r>
-              <a:rPr kumimoji="0" lang="en-US" altLang="en-US" sz="1000" b="0" i="0" u="none" strike="noStrike" cap="none" normalizeH="0" baseline="0" dirty="0">
-                <a:ln>
-                  <a:noFill/>
-                </a:ln>
-                <a:solidFill>
-                  <a:srgbClr val="A9B7C6"/>
-                </a:solidFill>
-                <a:effectLst/>
-                <a:latin typeface="Arial Unicode MS"/>
-              </a:rPr>
-              <a:t>)</a:t>
-            </a:r>
-            <a:br>
-              <a:rPr kumimoji="0" lang="en-US" altLang="en-US" sz="1000" b="0" i="0" u="none" strike="noStrike" cap="none" normalizeH="0" baseline="0" dirty="0">
-                <a:ln>
-                  <a:noFill/>
-                </a:ln>
-                <a:solidFill>
-                  <a:srgbClr val="A9B7C6"/>
-                </a:solidFill>
-                <a:effectLst/>
-                <a:latin typeface="Arial Unicode MS"/>
-              </a:rPr>
-            </a:br>
-            <a:r>
-              <a:rPr kumimoji="0" lang="en-US" altLang="en-US" sz="1000" b="0" i="0" u="none" strike="noStrike" cap="none" normalizeH="0" baseline="0" dirty="0">
-                <a:ln>
-                  <a:noFill/>
-                </a:ln>
-                <a:solidFill>
-                  <a:srgbClr val="A9B7C6"/>
-                </a:solidFill>
-                <a:effectLst/>
-                <a:latin typeface="Arial Unicode MS"/>
-              </a:rPr>
-              <a:t>        </a:t>
-            </a:r>
-            <a:r>
-              <a:rPr kumimoji="0" lang="en-US" altLang="en-US" sz="1000" b="0" i="0" u="none" strike="noStrike" cap="none" normalizeH="0" baseline="0" dirty="0" err="1">
-                <a:ln>
-                  <a:noFill/>
-                </a:ln>
-                <a:solidFill>
-                  <a:srgbClr val="94558D"/>
-                </a:solidFill>
-                <a:effectLst/>
-                <a:latin typeface="Arial Unicode MS"/>
-              </a:rPr>
-              <a:t>self</a:t>
-            </a:r>
-            <a:r>
-              <a:rPr kumimoji="0" lang="en-US" altLang="en-US" sz="1000" b="0" i="0" u="none" strike="noStrike" cap="none" normalizeH="0" baseline="0" dirty="0" err="1">
-                <a:ln>
-                  <a:noFill/>
-                </a:ln>
-                <a:solidFill>
-                  <a:srgbClr val="A9B7C6"/>
-                </a:solidFill>
-                <a:effectLst/>
-                <a:latin typeface="Arial Unicode MS"/>
-              </a:rPr>
-              <a:t>.driver.find_element</a:t>
-            </a:r>
-            <a:r>
-              <a:rPr kumimoji="0" lang="en-US" altLang="en-US" sz="1000" b="0" i="0" u="none" strike="noStrike" cap="none" normalizeH="0" baseline="0" dirty="0">
-                <a:ln>
-                  <a:noFill/>
-                </a:ln>
-                <a:solidFill>
-                  <a:srgbClr val="A9B7C6"/>
-                </a:solidFill>
-                <a:effectLst/>
-                <a:latin typeface="Arial Unicode MS"/>
-              </a:rPr>
-              <a:t>(*</a:t>
-            </a:r>
-            <a:r>
-              <a:rPr kumimoji="0" lang="en-US" altLang="en-US" sz="1000" b="0" i="0" u="none" strike="noStrike" cap="none" normalizeH="0" baseline="0" dirty="0" err="1">
-                <a:ln>
-                  <a:noFill/>
-                </a:ln>
-                <a:solidFill>
-                  <a:srgbClr val="A9B7C6"/>
-                </a:solidFill>
-                <a:effectLst/>
-                <a:latin typeface="Arial Unicode MS"/>
-              </a:rPr>
-              <a:t>LocatorsCeMerita.BIFARE_TERM_COND_CE_MERITA</a:t>
-            </a:r>
-            <a:r>
-              <a:rPr kumimoji="0" lang="en-US" altLang="en-US" sz="1000" b="0" i="0" u="none" strike="noStrike" cap="none" normalizeH="0" baseline="0" dirty="0">
-                <a:ln>
-                  <a:noFill/>
-                </a:ln>
-                <a:solidFill>
-                  <a:srgbClr val="A9B7C6"/>
-                </a:solidFill>
-                <a:effectLst/>
-                <a:latin typeface="Arial Unicode MS"/>
-              </a:rPr>
-              <a:t>).click()</a:t>
-            </a:r>
-            <a:br>
-              <a:rPr kumimoji="0" lang="en-US" altLang="en-US" sz="1000" b="0" i="0" u="none" strike="noStrike" cap="none" normalizeH="0" baseline="0" dirty="0">
-                <a:ln>
-                  <a:noFill/>
-                </a:ln>
-                <a:solidFill>
-                  <a:srgbClr val="A9B7C6"/>
-                </a:solidFill>
-                <a:effectLst/>
-                <a:latin typeface="Arial Unicode MS"/>
-              </a:rPr>
-            </a:br>
-            <a:r>
-              <a:rPr kumimoji="0" lang="en-US" altLang="en-US" sz="1000" b="0" i="0" u="none" strike="noStrike" cap="none" normalizeH="0" baseline="0" dirty="0">
-                <a:ln>
-                  <a:noFill/>
-                </a:ln>
-                <a:solidFill>
-                  <a:srgbClr val="A9B7C6"/>
-                </a:solidFill>
-                <a:effectLst/>
-                <a:latin typeface="Arial Unicode MS"/>
-              </a:rPr>
-              <a:t>        </a:t>
-            </a:r>
-            <a:r>
-              <a:rPr kumimoji="0" lang="en-US" altLang="en-US" sz="1000" b="0" i="0" u="none" strike="noStrike" cap="none" normalizeH="0" baseline="0" dirty="0" err="1">
-                <a:ln>
-                  <a:noFill/>
-                </a:ln>
-                <a:solidFill>
-                  <a:srgbClr val="94558D"/>
-                </a:solidFill>
-                <a:effectLst/>
-                <a:latin typeface="Arial Unicode MS"/>
-              </a:rPr>
-              <a:t>self</a:t>
-            </a:r>
-            <a:r>
-              <a:rPr kumimoji="0" lang="en-US" altLang="en-US" sz="1000" b="0" i="0" u="none" strike="noStrike" cap="none" normalizeH="0" baseline="0" dirty="0" err="1">
-                <a:ln>
-                  <a:noFill/>
-                </a:ln>
-                <a:solidFill>
-                  <a:srgbClr val="A9B7C6"/>
-                </a:solidFill>
-                <a:effectLst/>
-                <a:latin typeface="Arial Unicode MS"/>
-              </a:rPr>
-              <a:t>.driver.find_element</a:t>
-            </a:r>
-            <a:r>
-              <a:rPr kumimoji="0" lang="en-US" altLang="en-US" sz="1000" b="0" i="0" u="none" strike="noStrike" cap="none" normalizeH="0" baseline="0" dirty="0">
-                <a:ln>
-                  <a:noFill/>
-                </a:ln>
-                <a:solidFill>
-                  <a:srgbClr val="A9B7C6"/>
-                </a:solidFill>
-                <a:effectLst/>
-                <a:latin typeface="Arial Unicode MS"/>
-              </a:rPr>
-              <a:t>(*</a:t>
-            </a:r>
-            <a:r>
-              <a:rPr kumimoji="0" lang="en-US" altLang="en-US" sz="1000" b="0" i="0" u="none" strike="noStrike" cap="none" normalizeH="0" baseline="0" dirty="0" err="1">
-                <a:ln>
-                  <a:noFill/>
-                </a:ln>
-                <a:solidFill>
-                  <a:srgbClr val="A9B7C6"/>
-                </a:solidFill>
-                <a:effectLst/>
-                <a:latin typeface="Arial Unicode MS"/>
-              </a:rPr>
-              <a:t>LocatorsCeMerita.BIFARE_ACORD_NEWSLETTER</a:t>
-            </a:r>
-            <a:r>
-              <a:rPr kumimoji="0" lang="en-US" altLang="en-US" sz="1000" b="0" i="0" u="none" strike="noStrike" cap="none" normalizeH="0" baseline="0" dirty="0">
-                <a:ln>
-                  <a:noFill/>
-                </a:ln>
-                <a:solidFill>
-                  <a:srgbClr val="A9B7C6"/>
-                </a:solidFill>
-                <a:effectLst/>
-                <a:latin typeface="Arial Unicode MS"/>
-              </a:rPr>
-              <a:t>).click()</a:t>
-            </a:r>
-            <a:br>
-              <a:rPr kumimoji="0" lang="en-US" altLang="en-US" sz="1000" b="0" i="0" u="none" strike="noStrike" cap="none" normalizeH="0" baseline="0" dirty="0">
-                <a:ln>
-                  <a:noFill/>
-                </a:ln>
-                <a:solidFill>
-                  <a:srgbClr val="A9B7C6"/>
-                </a:solidFill>
-                <a:effectLst/>
-                <a:latin typeface="Arial Unicode MS"/>
-              </a:rPr>
-            </a:br>
-            <a:r>
-              <a:rPr kumimoji="0" lang="en-US" altLang="en-US" sz="1000" b="0" i="0" u="none" strike="noStrike" cap="none" normalizeH="0" baseline="0" dirty="0">
-                <a:ln>
-                  <a:noFill/>
-                </a:ln>
-                <a:solidFill>
-                  <a:srgbClr val="A9B7C6"/>
-                </a:solidFill>
-                <a:effectLst/>
-                <a:latin typeface="Arial Unicode MS"/>
-              </a:rPr>
-              <a:t>        </a:t>
-            </a:r>
-            <a:r>
-              <a:rPr kumimoji="0" lang="en-US" altLang="en-US" sz="1000" b="0" i="0" u="none" strike="noStrike" cap="none" normalizeH="0" baseline="0" dirty="0" err="1">
-                <a:ln>
-                  <a:noFill/>
-                </a:ln>
-                <a:solidFill>
-                  <a:srgbClr val="A9B7C6"/>
-                </a:solidFill>
-                <a:effectLst/>
-                <a:latin typeface="Arial Unicode MS"/>
-              </a:rPr>
-              <a:t>time.sleep</a:t>
-            </a:r>
-            <a:r>
-              <a:rPr kumimoji="0" lang="en-US" altLang="en-US" sz="1000" b="0" i="0" u="none" strike="noStrike" cap="none" normalizeH="0" baseline="0" dirty="0">
-                <a:ln>
-                  <a:noFill/>
-                </a:ln>
-                <a:solidFill>
-                  <a:srgbClr val="A9B7C6"/>
-                </a:solidFill>
-                <a:effectLst/>
-                <a:latin typeface="Arial Unicode MS"/>
-              </a:rPr>
-              <a:t>(</a:t>
-            </a:r>
-            <a:r>
-              <a:rPr kumimoji="0" lang="en-US" altLang="en-US" sz="1000" b="0" i="0" u="none" strike="noStrike" cap="none" normalizeH="0" baseline="0" dirty="0">
-                <a:ln>
-                  <a:noFill/>
-                </a:ln>
-                <a:solidFill>
-                  <a:srgbClr val="6897BB"/>
-                </a:solidFill>
-                <a:effectLst/>
-                <a:latin typeface="Arial Unicode MS"/>
-              </a:rPr>
-              <a:t>3</a:t>
-            </a:r>
-            <a:r>
-              <a:rPr kumimoji="0" lang="en-US" altLang="en-US" sz="1000" b="0" i="0" u="none" strike="noStrike" cap="none" normalizeH="0" baseline="0" dirty="0">
-                <a:ln>
-                  <a:noFill/>
-                </a:ln>
-                <a:solidFill>
-                  <a:srgbClr val="A9B7C6"/>
-                </a:solidFill>
-                <a:effectLst/>
-                <a:latin typeface="Arial Unicode MS"/>
-              </a:rPr>
-              <a:t>)</a:t>
-            </a:r>
-            <a:br>
-              <a:rPr kumimoji="0" lang="en-US" altLang="en-US" sz="1000" b="0" i="0" u="none" strike="noStrike" cap="none" normalizeH="0" baseline="0" dirty="0">
-                <a:ln>
-                  <a:noFill/>
-                </a:ln>
-                <a:solidFill>
-                  <a:srgbClr val="A9B7C6"/>
-                </a:solidFill>
-                <a:effectLst/>
-                <a:latin typeface="Arial Unicode MS"/>
-              </a:rPr>
-            </a:br>
-            <a:r>
-              <a:rPr kumimoji="0" lang="en-US" altLang="en-US" sz="1000" b="0" i="0" u="none" strike="noStrike" cap="none" normalizeH="0" baseline="0" dirty="0">
-                <a:ln>
-                  <a:noFill/>
-                </a:ln>
-                <a:solidFill>
-                  <a:srgbClr val="A9B7C6"/>
-                </a:solidFill>
-                <a:effectLst/>
-                <a:latin typeface="Arial Unicode MS"/>
-              </a:rPr>
-              <a:t>        </a:t>
-            </a:r>
-            <a:r>
-              <a:rPr kumimoji="0" lang="en-US" altLang="en-US" sz="1000" b="0" i="0" u="none" strike="noStrike" cap="none" normalizeH="0" baseline="0" dirty="0" err="1">
-                <a:ln>
-                  <a:noFill/>
-                </a:ln>
-                <a:solidFill>
-                  <a:srgbClr val="94558D"/>
-                </a:solidFill>
-                <a:effectLst/>
-                <a:latin typeface="Arial Unicode MS"/>
-              </a:rPr>
-              <a:t>self</a:t>
-            </a:r>
-            <a:r>
-              <a:rPr kumimoji="0" lang="en-US" altLang="en-US" sz="1000" b="0" i="0" u="none" strike="noStrike" cap="none" normalizeH="0" baseline="0" dirty="0" err="1">
-                <a:ln>
-                  <a:noFill/>
-                </a:ln>
-                <a:solidFill>
-                  <a:srgbClr val="A9B7C6"/>
-                </a:solidFill>
-                <a:effectLst/>
-                <a:latin typeface="Arial Unicode MS"/>
-              </a:rPr>
-              <a:t>.driver.find_element</a:t>
-            </a:r>
-            <a:r>
-              <a:rPr kumimoji="0" lang="en-US" altLang="en-US" sz="1000" b="0" i="0" u="none" strike="noStrike" cap="none" normalizeH="0" baseline="0" dirty="0">
-                <a:ln>
-                  <a:noFill/>
-                </a:ln>
-                <a:solidFill>
-                  <a:srgbClr val="A9B7C6"/>
-                </a:solidFill>
-                <a:effectLst/>
-                <a:latin typeface="Arial Unicode MS"/>
-              </a:rPr>
-              <a:t>(*</a:t>
-            </a:r>
-            <a:r>
-              <a:rPr kumimoji="0" lang="en-US" altLang="en-US" sz="1000" b="0" i="0" u="none" strike="noStrike" cap="none" normalizeH="0" baseline="0" dirty="0" err="1">
-                <a:ln>
-                  <a:noFill/>
-                </a:ln>
-                <a:solidFill>
-                  <a:srgbClr val="A9B7C6"/>
-                </a:solidFill>
-                <a:effectLst/>
-                <a:latin typeface="Arial Unicode MS"/>
-              </a:rPr>
-              <a:t>LocatorsCeMerita.CLICK_VREAU_SA_AFLU_CE_MERITA</a:t>
-            </a:r>
-            <a:r>
-              <a:rPr kumimoji="0" lang="en-US" altLang="en-US" sz="1000" b="0" i="0" u="none" strike="noStrike" cap="none" normalizeH="0" baseline="0" dirty="0">
-                <a:ln>
-                  <a:noFill/>
-                </a:ln>
-                <a:solidFill>
-                  <a:srgbClr val="A9B7C6"/>
-                </a:solidFill>
-                <a:effectLst/>
-                <a:latin typeface="Arial Unicode MS"/>
-              </a:rPr>
-              <a:t>).click()</a:t>
-            </a:r>
-            <a:br>
-              <a:rPr kumimoji="0" lang="en-US" altLang="en-US" sz="1000" b="0" i="0" u="none" strike="noStrike" cap="none" normalizeH="0" baseline="0" dirty="0">
-                <a:ln>
-                  <a:noFill/>
-                </a:ln>
-                <a:solidFill>
-                  <a:srgbClr val="A9B7C6"/>
-                </a:solidFill>
-                <a:effectLst/>
-                <a:latin typeface="Arial Unicode MS"/>
-              </a:rPr>
-            </a:br>
-            <a:r>
-              <a:rPr kumimoji="0" lang="en-US" altLang="en-US" sz="1000" b="0" i="0" u="none" strike="noStrike" cap="none" normalizeH="0" baseline="0" dirty="0">
-                <a:ln>
-                  <a:noFill/>
-                </a:ln>
-                <a:solidFill>
-                  <a:srgbClr val="A9B7C6"/>
-                </a:solidFill>
-                <a:effectLst/>
-                <a:latin typeface="Arial Unicode MS"/>
-              </a:rPr>
-              <a:t>        </a:t>
-            </a:r>
-            <a:r>
-              <a:rPr kumimoji="0" lang="en-US" altLang="en-US" sz="1000" b="0" i="0" u="none" strike="noStrike" cap="none" normalizeH="0" baseline="0" dirty="0" err="1">
-                <a:ln>
-                  <a:noFill/>
-                </a:ln>
-                <a:solidFill>
-                  <a:srgbClr val="94558D"/>
-                </a:solidFill>
-                <a:effectLst/>
-                <a:latin typeface="Arial Unicode MS"/>
-              </a:rPr>
-              <a:t>self</a:t>
-            </a:r>
-            <a:r>
-              <a:rPr kumimoji="0" lang="en-US" altLang="en-US" sz="1000" b="0" i="0" u="none" strike="noStrike" cap="none" normalizeH="0" baseline="0" dirty="0" err="1">
-                <a:ln>
-                  <a:noFill/>
-                </a:ln>
-                <a:solidFill>
-                  <a:srgbClr val="A9B7C6"/>
-                </a:solidFill>
-                <a:effectLst/>
-                <a:latin typeface="Arial Unicode MS"/>
-              </a:rPr>
-              <a:t>.assertEqual</a:t>
-            </a:r>
-            <a:r>
-              <a:rPr kumimoji="0" lang="en-US" altLang="en-US" sz="1000" b="0" i="0" u="none" strike="noStrike" cap="none" normalizeH="0" baseline="0" dirty="0">
-                <a:ln>
-                  <a:noFill/>
-                </a:ln>
-                <a:solidFill>
-                  <a:srgbClr val="A9B7C6"/>
-                </a:solidFill>
-                <a:effectLst/>
-                <a:latin typeface="Arial Unicode MS"/>
-              </a:rPr>
-              <a:t>(</a:t>
-            </a:r>
-            <a:r>
-              <a:rPr kumimoji="0" lang="en-US" altLang="en-US" sz="1000" b="0" i="0" u="none" strike="noStrike" cap="none" normalizeH="0" baseline="0" dirty="0" err="1">
-                <a:ln>
-                  <a:noFill/>
-                </a:ln>
-                <a:solidFill>
-                  <a:srgbClr val="94558D"/>
-                </a:solidFill>
-                <a:effectLst/>
-                <a:latin typeface="Arial Unicode MS"/>
-              </a:rPr>
-              <a:t>self</a:t>
-            </a:r>
-            <a:r>
-              <a:rPr kumimoji="0" lang="en-US" altLang="en-US" sz="1000" b="0" i="0" u="none" strike="noStrike" cap="none" normalizeH="0" baseline="0" dirty="0" err="1">
-                <a:ln>
-                  <a:noFill/>
-                </a:ln>
-                <a:solidFill>
-                  <a:srgbClr val="A9B7C6"/>
-                </a:solidFill>
-                <a:effectLst/>
-                <a:latin typeface="Arial Unicode MS"/>
-              </a:rPr>
-              <a:t>.driver.find_element</a:t>
-            </a:r>
-            <a:r>
-              <a:rPr kumimoji="0" lang="en-US" altLang="en-US" sz="1000" b="0" i="0" u="none" strike="noStrike" cap="none" normalizeH="0" baseline="0" dirty="0">
-                <a:ln>
-                  <a:noFill/>
-                </a:ln>
-                <a:solidFill>
-                  <a:srgbClr val="A9B7C6"/>
-                </a:solidFill>
-                <a:effectLst/>
-                <a:latin typeface="Arial Unicode MS"/>
-              </a:rPr>
-              <a:t>(*</a:t>
-            </a:r>
-            <a:r>
-              <a:rPr kumimoji="0" lang="en-US" altLang="en-US" sz="1000" b="0" i="0" u="none" strike="noStrike" cap="none" normalizeH="0" baseline="0" dirty="0" err="1">
-                <a:ln>
-                  <a:noFill/>
-                </a:ln>
-                <a:solidFill>
-                  <a:srgbClr val="A9B7C6"/>
-                </a:solidFill>
-                <a:effectLst/>
-                <a:latin typeface="Arial Unicode MS"/>
-              </a:rPr>
-              <a:t>LocatorsCeMerita.MESAJ_DE_SUCCESS</a:t>
-            </a:r>
-            <a:r>
-              <a:rPr kumimoji="0" lang="en-US" altLang="en-US" sz="1000" b="0" i="0" u="none" strike="noStrike" cap="none" normalizeH="0" baseline="0" dirty="0">
-                <a:ln>
-                  <a:noFill/>
-                </a:ln>
-                <a:solidFill>
-                  <a:srgbClr val="A9B7C6"/>
-                </a:solidFill>
-                <a:effectLst/>
-                <a:latin typeface="Arial Unicode MS"/>
-              </a:rPr>
-              <a:t>).</a:t>
-            </a:r>
-            <a:br>
-              <a:rPr kumimoji="0" lang="en-US" altLang="en-US" sz="1000" b="0" i="0" u="none" strike="noStrike" cap="none" normalizeH="0" baseline="0" dirty="0">
-                <a:ln>
-                  <a:noFill/>
-                </a:ln>
-                <a:solidFill>
-                  <a:srgbClr val="A9B7C6"/>
-                </a:solidFill>
-                <a:effectLst/>
-                <a:latin typeface="Arial Unicode MS"/>
-              </a:rPr>
-            </a:br>
-            <a:r>
-              <a:rPr kumimoji="0" lang="en-US" altLang="en-US" sz="1000" b="0" i="0" u="none" strike="noStrike" cap="none" normalizeH="0" baseline="0" dirty="0">
-                <a:ln>
-                  <a:noFill/>
-                </a:ln>
-                <a:solidFill>
-                  <a:srgbClr val="A9B7C6"/>
-                </a:solidFill>
-                <a:effectLst/>
-                <a:latin typeface="Arial Unicode MS"/>
-              </a:rPr>
-              <a:t>                         text</a:t>
-            </a:r>
-            <a:r>
-              <a:rPr kumimoji="0" lang="en-US" altLang="en-US" sz="1000" b="0" i="0" u="none" strike="noStrike" cap="none" normalizeH="0" baseline="0" dirty="0">
-                <a:ln>
-                  <a:noFill/>
-                </a:ln>
-                <a:solidFill>
-                  <a:srgbClr val="CC7832"/>
-                </a:solidFill>
-                <a:effectLst/>
-                <a:latin typeface="Arial Unicode MS"/>
-              </a:rPr>
-              <a:t>, </a:t>
-            </a:r>
-            <a:r>
-              <a:rPr kumimoji="0" lang="en-US" altLang="en-US" sz="1000" b="0" i="0" u="none" strike="noStrike" cap="none" normalizeH="0" baseline="0" dirty="0">
-                <a:ln>
-                  <a:noFill/>
-                </a:ln>
-                <a:solidFill>
-                  <a:srgbClr val="6A8759"/>
-                </a:solidFill>
-                <a:effectLst/>
-                <a:latin typeface="Arial Unicode MS"/>
-              </a:rPr>
-              <a:t>'</a:t>
-            </a:r>
-            <a:r>
-              <a:rPr kumimoji="0" lang="en-US" altLang="en-US" sz="1000" b="0" i="0" u="none" strike="noStrike" cap="none" normalizeH="0" baseline="0" dirty="0" err="1">
-                <a:ln>
-                  <a:noFill/>
-                </a:ln>
-                <a:solidFill>
-                  <a:srgbClr val="6A8759"/>
-                </a:solidFill>
-                <a:effectLst/>
-                <a:latin typeface="Arial Unicode MS"/>
-              </a:rPr>
-              <a:t>Gata</a:t>
-            </a:r>
-            <a:r>
-              <a:rPr kumimoji="0" lang="en-US" altLang="en-US" sz="1000" b="0" i="0" u="none" strike="noStrike" cap="none" normalizeH="0" baseline="0" dirty="0">
-                <a:ln>
-                  <a:noFill/>
-                </a:ln>
-                <a:solidFill>
-                  <a:srgbClr val="6A8759"/>
-                </a:solidFill>
-                <a:effectLst/>
-                <a:latin typeface="Arial Unicode MS"/>
-              </a:rPr>
-              <a:t>! </a:t>
-            </a:r>
-            <a:r>
-              <a:rPr kumimoji="0" lang="en-US" altLang="en-US" sz="1000" b="0" i="0" u="none" strike="noStrike" cap="none" normalizeH="0" baseline="0" dirty="0" err="1">
-                <a:ln>
-                  <a:noFill/>
-                </a:ln>
-                <a:solidFill>
-                  <a:srgbClr val="6A8759"/>
-                </a:solidFill>
-                <a:effectLst/>
-                <a:latin typeface="Arial Unicode MS"/>
-              </a:rPr>
-              <a:t>Primul</a:t>
-            </a:r>
-            <a:r>
-              <a:rPr kumimoji="0" lang="en-US" altLang="en-US" sz="1000" b="0" i="0" u="none" strike="noStrike" cap="none" normalizeH="0" baseline="0" dirty="0">
-                <a:ln>
-                  <a:noFill/>
-                </a:ln>
-                <a:solidFill>
-                  <a:srgbClr val="6A8759"/>
-                </a:solidFill>
-                <a:effectLst/>
-                <a:latin typeface="Arial Unicode MS"/>
-              </a:rPr>
-              <a:t> e-mail e </a:t>
-            </a:r>
-            <a:r>
-              <a:rPr kumimoji="0" lang="en-US" altLang="en-US" sz="1000" b="0" i="0" u="none" strike="noStrike" cap="none" normalizeH="0" baseline="0" dirty="0" err="1">
-                <a:ln>
-                  <a:noFill/>
-                </a:ln>
-                <a:solidFill>
-                  <a:srgbClr val="6A8759"/>
-                </a:solidFill>
-                <a:effectLst/>
-                <a:latin typeface="Arial Unicode MS"/>
-              </a:rPr>
-              <a:t>deja</a:t>
-            </a:r>
-            <a:r>
-              <a:rPr kumimoji="0" lang="en-US" altLang="en-US" sz="1000" b="0" i="0" u="none" strike="noStrike" cap="none" normalizeH="0" baseline="0" dirty="0">
-                <a:ln>
-                  <a:noFill/>
-                </a:ln>
-                <a:solidFill>
-                  <a:srgbClr val="6A8759"/>
-                </a:solidFill>
-                <a:effectLst/>
-                <a:latin typeface="Arial Unicode MS"/>
-              </a:rPr>
-              <a:t> pe drum.'</a:t>
-            </a:r>
-            <a:r>
-              <a:rPr kumimoji="0" lang="en-US" altLang="en-US" sz="1000" b="0" i="0" u="none" strike="noStrike" cap="none" normalizeH="0" baseline="0" dirty="0">
-                <a:ln>
-                  <a:noFill/>
-                </a:ln>
-                <a:solidFill>
-                  <a:srgbClr val="A9B7C6"/>
-                </a:solidFill>
-                <a:effectLst/>
-                <a:latin typeface="Arial Unicode MS"/>
-              </a:rPr>
-              <a:t>)</a:t>
-            </a:r>
-            <a:endParaRPr kumimoji="0" lang="en-US" altLang="en-US" sz="1800" b="0" i="0" u="none" strike="noStrike" cap="none" normalizeH="0" baseline="0" dirty="0">
+            <a:endParaRPr kumimoji="0" lang="en-US" altLang="en-US" sz="1800" b="0" i="0" u="none" strike="noStrike" cap="none" normalizeH="0" baseline="0">
               <a:ln>
                 <a:noFill/>
               </a:ln>

--- a/TEST WEBSITE MEDTINKER _GORODETCHI DAVID_27.05.2023.pptx
+++ b/TEST WEBSITE MEDTINKER _GORODETCHI DAVID_27.05.2023.pptx
@@ -217,7 +217,7 @@
           <a:p>
             <a:fld id="{ECE55240-91AF-4248-BB6C-64FDE017B1F4}" type="datetimeFigureOut">
               <a:rPr lang="en-US" smtClean="0"/>
-              <a:t>5/23/2023</a:t>
+              <a:t>5/27/2023</a:t>
             </a:fld>
             <a:endParaRPr lang="en-US"/>
           </a:p>
@@ -348,7 +348,7 @@
           <a:p>
             <a:fld id="{0AF76C85-58D2-4542-8F2A-226C15F1FA28}" type="datetimeFigureOut">
               <a:rPr lang="en-US" smtClean="0"/>
-              <a:t>5/23/2023</a:t>
+              <a:t>5/27/2023</a:t>
             </a:fld>
             <a:endParaRPr lang="en-US"/>
           </a:p>
@@ -2800,7 +2800,7 @@
           <a:p>
             <a:fld id="{363DCB64-5090-461D-9AD2-20C99028C471}" type="datetimeFigureOut">
               <a:rPr lang="en-US" smtClean="0"/>
-              <a:t>5/23/2023</a:t>
+              <a:t>5/27/2023</a:t>
             </a:fld>
             <a:endParaRPr lang="en-US"/>
           </a:p>
@@ -3364,7 +3364,7 @@
               </a:lnSpc>
             </a:pPr>
             <a:r>
-              <a:rPr lang="en-US" sz="3200" b="1" dirty="0" err="1">
+              <a:rPr lang="en-US" sz="3200" b="1" dirty="0">
                 <a:solidFill>
                   <a:srgbClr val="002060"/>
                 </a:solidFill>
@@ -3372,40 +3372,7 @@
                 <a:ea typeface="Times New Roman"/>
                 <a:cs typeface="Times New Roman"/>
               </a:rPr>
-              <a:t>Testarea</a:t>
-            </a:r>
-            <a:r>
-              <a:rPr lang="en-US" sz="3200" b="1" dirty="0">
-                <a:solidFill>
-                  <a:srgbClr val="002060"/>
-                </a:solidFill>
-                <a:latin typeface="Times New Roman"/>
-                <a:ea typeface="Times New Roman"/>
-                <a:cs typeface="Times New Roman"/>
-              </a:rPr>
-              <a:t> </a:t>
-            </a:r>
-            <a:r>
-              <a:rPr lang="en-US" sz="3200" b="1" dirty="0" err="1">
-                <a:solidFill>
-                  <a:srgbClr val="002060"/>
-                </a:solidFill>
-                <a:latin typeface="Times New Roman"/>
-                <a:ea typeface="Times New Roman"/>
-                <a:cs typeface="Times New Roman"/>
-              </a:rPr>
-              <a:t>paginii</a:t>
-            </a:r>
-            <a:r>
-              <a:rPr lang="en-US" sz="3200" b="1" dirty="0">
-                <a:solidFill>
-                  <a:srgbClr val="002060"/>
-                </a:solidFill>
-                <a:latin typeface="Times New Roman"/>
-                <a:ea typeface="Times New Roman"/>
-                <a:cs typeface="Times New Roman"/>
-              </a:rPr>
-              <a:t> web ‘https://medtinker.ro/’</a:t>
+              <a:t>PROIECT FINAL</a:t>
             </a:r>
           </a:p>
         </p:txBody>
@@ -19648,79 +19615,82 @@
             <p:ph type="title"/>
           </p:nvPr>
         </p:nvSpPr>
-        <p:spPr/>
+        <p:spPr>
+          <a:xfrm>
+            <a:off x="838199" y="1453660"/>
+            <a:ext cx="10615247" cy="2485293"/>
+          </a:xfrm>
+        </p:spPr>
         <p:txBody>
-          <a:bodyPr/>
+          <a:bodyPr>
+            <a:normAutofit/>
+          </a:bodyPr>
           <a:lstStyle/>
           <a:p>
             <a:pPr algn="ctr"/>
             <a:r>
-              <a:rPr lang="en-US" dirty="0">
-                <a:solidFill>
-                  <a:schemeClr val="tx1"/>
-                </a:solidFill>
-                <a:latin typeface="Times New Roman"/>
-                <a:ea typeface="Times New Roman"/>
-                <a:cs typeface="Times New Roman"/>
-              </a:rPr>
-              <a:t>Merci </a:t>
-            </a:r>
-            <a:r>
-              <a:rPr lang="en-US" dirty="0" err="1">
-                <a:solidFill>
-                  <a:schemeClr val="tx1"/>
-                </a:solidFill>
-                <a:latin typeface="Times New Roman"/>
-                <a:ea typeface="Times New Roman"/>
-                <a:cs typeface="Times New Roman"/>
-              </a:rPr>
-              <a:t>pentru</a:t>
-            </a:r>
-            <a:r>
-              <a:rPr lang="en-US" dirty="0">
-                <a:solidFill>
-                  <a:schemeClr val="tx1"/>
-                </a:solidFill>
-                <a:latin typeface="Times New Roman"/>
-                <a:ea typeface="Times New Roman"/>
-                <a:cs typeface="Times New Roman"/>
-              </a:rPr>
-              <a:t> </a:t>
-            </a:r>
-            <a:r>
-              <a:rPr lang="en-US" dirty="0" err="1">
-                <a:solidFill>
-                  <a:schemeClr val="tx1"/>
-                </a:solidFill>
-                <a:latin typeface="Times New Roman"/>
-                <a:ea typeface="Times New Roman"/>
-                <a:cs typeface="Times New Roman"/>
-              </a:rPr>
-              <a:t>timpul</a:t>
-            </a:r>
-            <a:r>
-              <a:rPr lang="en-US" dirty="0">
-                <a:solidFill>
-                  <a:schemeClr val="tx1"/>
-                </a:solidFill>
-                <a:latin typeface="Times New Roman"/>
-                <a:ea typeface="Times New Roman"/>
-                <a:cs typeface="Times New Roman"/>
-              </a:rPr>
-              <a:t> </a:t>
-            </a:r>
-            <a:r>
-              <a:rPr lang="en-US" dirty="0" err="1">
-                <a:solidFill>
-                  <a:schemeClr val="tx1"/>
-                </a:solidFill>
-                <a:latin typeface="Times New Roman"/>
-                <a:ea typeface="Times New Roman"/>
-                <a:cs typeface="Times New Roman"/>
-              </a:rPr>
-              <a:t>acordat</a:t>
-            </a:r>
-            <a:endParaRPr dirty="0">
+              <a:rPr lang="it-IT" sz="3200" dirty="0">
+                <a:solidFill>
+                  <a:schemeClr val="tx1"/>
+                </a:solidFill>
+                <a:latin typeface="Times New Roman"/>
+                <a:ea typeface="Times New Roman"/>
+                <a:cs typeface="Times New Roman"/>
+              </a:rPr>
+              <a:t>Merci pentru timpul acordat</a:t>
+            </a:r>
+            <a:br>
+              <a:rPr lang="it-IT" sz="3200" dirty="0">
+                <a:solidFill>
+                  <a:schemeClr val="tx1"/>
+                </a:solidFill>
+                <a:latin typeface="Times New Roman"/>
+                <a:ea typeface="Times New Roman"/>
+                <a:cs typeface="Times New Roman"/>
+              </a:rPr>
+            </a:br>
+            <a:br>
+              <a:rPr lang="it-IT" sz="3200" dirty="0">
+                <a:solidFill>
+                  <a:schemeClr val="tx1"/>
+                </a:solidFill>
+                <a:latin typeface="Times New Roman"/>
+                <a:ea typeface="Times New Roman"/>
+                <a:cs typeface="Times New Roman"/>
+              </a:rPr>
+            </a:br>
+            <a:br>
+              <a:rPr lang="it-IT" sz="3200" dirty="0">
+                <a:solidFill>
+                  <a:schemeClr val="tx1"/>
+                </a:solidFill>
+                <a:latin typeface="Times New Roman"/>
+                <a:ea typeface="Times New Roman"/>
+                <a:cs typeface="Times New Roman"/>
+              </a:rPr>
+            </a:br>
+            <a:br>
+              <a:rPr lang="it-IT" sz="3200" dirty="0">
+                <a:solidFill>
+                  <a:schemeClr val="tx1"/>
+                </a:solidFill>
+                <a:latin typeface="Times New Roman"/>
+                <a:ea typeface="Times New Roman"/>
+                <a:cs typeface="Times New Roman"/>
+              </a:rPr>
+            </a:br>
+            <a:r>
+              <a:rPr lang="it-IT" sz="3200" b="1" dirty="0">
+                <a:solidFill>
+                  <a:schemeClr val="tx1"/>
+                </a:solidFill>
+                <a:latin typeface="Times New Roman"/>
+                <a:ea typeface="Times New Roman"/>
+                <a:cs typeface="Times New Roman"/>
+              </a:rPr>
+              <a:t>Testarea paginii web ‘https://medtinker.ro/’</a:t>
+            </a:r>
+            <a:endParaRPr lang="it-IT" sz="3200" dirty="0">
               <a:solidFill>
                 <a:schemeClr val="tx1"/>
               </a:solidFill>
@@ -19741,116 +19711,17 @@
             <p:ph idx="1"/>
           </p:nvPr>
         </p:nvSpPr>
-        <p:spPr/>
+        <p:spPr>
+          <a:xfrm>
+            <a:off x="838199" y="5122985"/>
+            <a:ext cx="10216663" cy="1308034"/>
+          </a:xfrm>
+        </p:spPr>
         <p:txBody>
           <a:bodyPr>
             <a:normAutofit/>
           </a:bodyPr>
           <a:lstStyle/>
-          <a:p>
-            <a:pPr marL="0" indent="0">
-              <a:lnSpc>
-                <a:spcPct val="100000"/>
-              </a:lnSpc>
-              <a:buNone/>
-            </a:pPr>
-            <a:endParaRPr lang="en-US" sz="1400" b="1" dirty="0">
-              <a:latin typeface="Times New Roman"/>
-              <a:ea typeface="Times New Roman"/>
-              <a:cs typeface="Times New Roman"/>
-            </a:endParaRPr>
-          </a:p>
-          <a:p>
-            <a:pPr marL="0" indent="0">
-              <a:lnSpc>
-                <a:spcPct val="100000"/>
-              </a:lnSpc>
-              <a:buNone/>
-            </a:pPr>
-            <a:endParaRPr lang="en-US" sz="1400" b="1" dirty="0">
-              <a:latin typeface="Times New Roman"/>
-              <a:ea typeface="Times New Roman"/>
-              <a:cs typeface="Times New Roman"/>
-            </a:endParaRPr>
-          </a:p>
-          <a:p>
-            <a:pPr marL="0" indent="0">
-              <a:lnSpc>
-                <a:spcPct val="100000"/>
-              </a:lnSpc>
-              <a:buNone/>
-            </a:pPr>
-            <a:endParaRPr lang="en-US" sz="1400" b="1" dirty="0">
-              <a:latin typeface="Times New Roman"/>
-              <a:ea typeface="Times New Roman"/>
-              <a:cs typeface="Times New Roman"/>
-            </a:endParaRPr>
-          </a:p>
-          <a:p>
-            <a:pPr marL="0" indent="0">
-              <a:lnSpc>
-                <a:spcPct val="100000"/>
-              </a:lnSpc>
-              <a:buNone/>
-            </a:pPr>
-            <a:endParaRPr lang="en-US" sz="1400" b="1" dirty="0">
-              <a:latin typeface="Times New Roman"/>
-              <a:ea typeface="Times New Roman"/>
-              <a:cs typeface="Times New Roman"/>
-            </a:endParaRPr>
-          </a:p>
-          <a:p>
-            <a:pPr marL="0" indent="0">
-              <a:lnSpc>
-                <a:spcPct val="100000"/>
-              </a:lnSpc>
-              <a:buNone/>
-            </a:pPr>
-            <a:endParaRPr lang="en-US" sz="1400" b="1" dirty="0">
-              <a:latin typeface="Times New Roman"/>
-              <a:ea typeface="Times New Roman"/>
-              <a:cs typeface="Times New Roman"/>
-            </a:endParaRPr>
-          </a:p>
-          <a:p>
-            <a:pPr marL="0" indent="0">
-              <a:lnSpc>
-                <a:spcPct val="100000"/>
-              </a:lnSpc>
-              <a:buNone/>
-            </a:pPr>
-            <a:endParaRPr lang="en-US" sz="1400" b="1" dirty="0">
-              <a:latin typeface="Times New Roman"/>
-              <a:ea typeface="Times New Roman"/>
-              <a:cs typeface="Times New Roman"/>
-            </a:endParaRPr>
-          </a:p>
-          <a:p>
-            <a:pPr marL="0" indent="0">
-              <a:lnSpc>
-                <a:spcPct val="100000"/>
-              </a:lnSpc>
-              <a:buNone/>
-            </a:pPr>
-            <a:endParaRPr lang="en-US" sz="1400" b="1" dirty="0">
-              <a:latin typeface="Times New Roman"/>
-              <a:ea typeface="Times New Roman"/>
-              <a:cs typeface="Times New Roman"/>
-            </a:endParaRPr>
-          </a:p>
-          <a:p>
-            <a:pPr marL="0" indent="0">
-              <a:lnSpc>
-                <a:spcPct val="100000"/>
-              </a:lnSpc>
-              <a:buNone/>
-            </a:pPr>
-            <a:endParaRPr lang="en-US" sz="1400" b="1" dirty="0">
-              <a:latin typeface="Times New Roman"/>
-              <a:ea typeface="Times New Roman"/>
-              <a:cs typeface="Times New Roman"/>
-            </a:endParaRPr>
-          </a:p>
           <a:p>
             <a:pPr marL="0" indent="0">
               <a:lnSpc>
